--- a/figures.pptx
+++ b/figures.pptx
@@ -6,6 +6,8 @@
   </p:sldMasterIdLst>
   <p:sldIdLst>
     <p:sldId id="256" r:id="rId2"/>
+    <p:sldId id="258" r:id="rId3"/>
+    <p:sldId id="257" r:id="rId4"/>
   </p:sldIdLst>
   <p:sldSz cx="12192000" cy="6858000"/>
   <p:notesSz cx="6858000" cy="9144000"/>
@@ -259,7 +261,7 @@
           <a:p>
             <a:fld id="{14C50D8D-A8BF-4BB2-8C54-3478D41A1FD8}" type="datetimeFigureOut">
               <a:rPr lang="en-US" smtClean="0"/>
-              <a:t>4/23/2023</a:t>
+              <a:t>4/25/2023</a:t>
             </a:fld>
             <a:endParaRPr lang="en-US"/>
           </a:p>
@@ -457,7 +459,7 @@
           <a:p>
             <a:fld id="{14C50D8D-A8BF-4BB2-8C54-3478D41A1FD8}" type="datetimeFigureOut">
               <a:rPr lang="en-US" smtClean="0"/>
-              <a:t>4/23/2023</a:t>
+              <a:t>4/25/2023</a:t>
             </a:fld>
             <a:endParaRPr lang="en-US"/>
           </a:p>
@@ -665,7 +667,7 @@
           <a:p>
             <a:fld id="{14C50D8D-A8BF-4BB2-8C54-3478D41A1FD8}" type="datetimeFigureOut">
               <a:rPr lang="en-US" smtClean="0"/>
-              <a:t>4/23/2023</a:t>
+              <a:t>4/25/2023</a:t>
             </a:fld>
             <a:endParaRPr lang="en-US"/>
           </a:p>
@@ -863,7 +865,7 @@
           <a:p>
             <a:fld id="{14C50D8D-A8BF-4BB2-8C54-3478D41A1FD8}" type="datetimeFigureOut">
               <a:rPr lang="en-US" smtClean="0"/>
-              <a:t>4/23/2023</a:t>
+              <a:t>4/25/2023</a:t>
             </a:fld>
             <a:endParaRPr lang="en-US"/>
           </a:p>
@@ -1138,7 +1140,7 @@
           <a:p>
             <a:fld id="{14C50D8D-A8BF-4BB2-8C54-3478D41A1FD8}" type="datetimeFigureOut">
               <a:rPr lang="en-US" smtClean="0"/>
-              <a:t>4/23/2023</a:t>
+              <a:t>4/25/2023</a:t>
             </a:fld>
             <a:endParaRPr lang="en-US"/>
           </a:p>
@@ -1403,7 +1405,7 @@
           <a:p>
             <a:fld id="{14C50D8D-A8BF-4BB2-8C54-3478D41A1FD8}" type="datetimeFigureOut">
               <a:rPr lang="en-US" smtClean="0"/>
-              <a:t>4/23/2023</a:t>
+              <a:t>4/25/2023</a:t>
             </a:fld>
             <a:endParaRPr lang="en-US"/>
           </a:p>
@@ -1815,7 +1817,7 @@
           <a:p>
             <a:fld id="{14C50D8D-A8BF-4BB2-8C54-3478D41A1FD8}" type="datetimeFigureOut">
               <a:rPr lang="en-US" smtClean="0"/>
-              <a:t>4/23/2023</a:t>
+              <a:t>4/25/2023</a:t>
             </a:fld>
             <a:endParaRPr lang="en-US"/>
           </a:p>
@@ -1956,7 +1958,7 @@
           <a:p>
             <a:fld id="{14C50D8D-A8BF-4BB2-8C54-3478D41A1FD8}" type="datetimeFigureOut">
               <a:rPr lang="en-US" smtClean="0"/>
-              <a:t>4/23/2023</a:t>
+              <a:t>4/25/2023</a:t>
             </a:fld>
             <a:endParaRPr lang="en-US"/>
           </a:p>
@@ -2069,7 +2071,7 @@
           <a:p>
             <a:fld id="{14C50D8D-A8BF-4BB2-8C54-3478D41A1FD8}" type="datetimeFigureOut">
               <a:rPr lang="en-US" smtClean="0"/>
-              <a:t>4/23/2023</a:t>
+              <a:t>4/25/2023</a:t>
             </a:fld>
             <a:endParaRPr lang="en-US"/>
           </a:p>
@@ -2380,7 +2382,7 @@
           <a:p>
             <a:fld id="{14C50D8D-A8BF-4BB2-8C54-3478D41A1FD8}" type="datetimeFigureOut">
               <a:rPr lang="en-US" smtClean="0"/>
-              <a:t>4/23/2023</a:t>
+              <a:t>4/25/2023</a:t>
             </a:fld>
             <a:endParaRPr lang="en-US"/>
           </a:p>
@@ -2668,7 +2670,7 @@
           <a:p>
             <a:fld id="{14C50D8D-A8BF-4BB2-8C54-3478D41A1FD8}" type="datetimeFigureOut">
               <a:rPr lang="en-US" smtClean="0"/>
-              <a:t>4/23/2023</a:t>
+              <a:t>4/25/2023</a:t>
             </a:fld>
             <a:endParaRPr lang="en-US"/>
           </a:p>
@@ -2909,7 +2911,7 @@
           <a:p>
             <a:fld id="{14C50D8D-A8BF-4BB2-8C54-3478D41A1FD8}" type="datetimeFigureOut">
               <a:rPr lang="en-US" smtClean="0"/>
-              <a:t>4/23/2023</a:t>
+              <a:t>4/25/2023</a:t>
             </a:fld>
             <a:endParaRPr lang="en-US"/>
           </a:p>
@@ -4951,6 +4953,3693 @@
 </p:sld>
 </file>
 
+<file path=ppt/slides/slide2.xml><?xml version="1.0" encoding="utf-8"?>
+<p:sld xmlns:a="http://schemas.openxmlformats.org/drawingml/2006/main" xmlns:r="http://schemas.openxmlformats.org/officeDocument/2006/relationships" xmlns:p="http://schemas.openxmlformats.org/presentationml/2006/main">
+  <p:cSld>
+    <p:spTree>
+      <p:nvGrpSpPr>
+        <p:cNvPr id="1" name=""/>
+        <p:cNvGrpSpPr/>
+        <p:nvPr/>
+      </p:nvGrpSpPr>
+      <p:grpSpPr>
+        <a:xfrm>
+          <a:off x="0" y="0"/>
+          <a:ext cx="0" cy="0"/>
+          <a:chOff x="0" y="0"/>
+          <a:chExt cx="0" cy="0"/>
+        </a:xfrm>
+      </p:grpSpPr>
+      <p:grpSp>
+        <p:nvGrpSpPr>
+          <p:cNvPr id="5" name="Group 4">
+            <a:extLst>
+              <a:ext uri="{FF2B5EF4-FFF2-40B4-BE49-F238E27FC236}">
+                <a16:creationId xmlns:a16="http://schemas.microsoft.com/office/drawing/2014/main" id="{B0C73984-A368-000A-D092-D7A88903C083}"/>
+              </a:ext>
+            </a:extLst>
+          </p:cNvPr>
+          <p:cNvGrpSpPr/>
+          <p:nvPr/>
+        </p:nvGrpSpPr>
+        <p:grpSpPr>
+          <a:xfrm>
+            <a:off x="4519234" y="338099"/>
+            <a:ext cx="3387379" cy="6176945"/>
+            <a:chOff x="4519234" y="338099"/>
+            <a:chExt cx="3387379" cy="6176945"/>
+          </a:xfrm>
+        </p:grpSpPr>
+        <p:sp>
+          <p:nvSpPr>
+            <p:cNvPr id="4" name="Rectangle 3">
+              <a:extLst>
+                <a:ext uri="{FF2B5EF4-FFF2-40B4-BE49-F238E27FC236}">
+                  <a16:creationId xmlns:a16="http://schemas.microsoft.com/office/drawing/2014/main" id="{022ABF4B-B63C-0473-0C92-BF05F32F8BD1}"/>
+                </a:ext>
+              </a:extLst>
+            </p:cNvPr>
+            <p:cNvSpPr/>
+            <p:nvPr/>
+          </p:nvSpPr>
+          <p:spPr>
+            <a:xfrm>
+              <a:off x="4519234" y="1555002"/>
+              <a:ext cx="3096665" cy="476410"/>
+            </a:xfrm>
+            <a:prstGeom prst="rect">
+              <a:avLst/>
+            </a:prstGeom>
+            <a:noFill/>
+          </p:spPr>
+          <p:style>
+            <a:lnRef idx="2">
+              <a:schemeClr val="accent1">
+                <a:shade val="50000"/>
+              </a:schemeClr>
+            </a:lnRef>
+            <a:fillRef idx="1">
+              <a:schemeClr val="accent1"/>
+            </a:fillRef>
+            <a:effectRef idx="0">
+              <a:schemeClr val="accent1"/>
+            </a:effectRef>
+            <a:fontRef idx="minor">
+              <a:schemeClr val="lt1"/>
+            </a:fontRef>
+          </p:style>
+          <p:txBody>
+            <a:bodyPr rtlCol="0" anchor="ctr"/>
+            <a:lstStyle/>
+            <a:p>
+              <a:pPr algn="ctr"/>
+              <a:r>
+                <a:rPr lang="en-US" dirty="0" err="1">
+                  <a:solidFill>
+                    <a:schemeClr val="tx1"/>
+                  </a:solidFill>
+                </a:rPr>
+                <a:t>HttpMethod.getHostAuthState</a:t>
+              </a:r>
+              <a:endParaRPr lang="en-US" dirty="0">
+                <a:solidFill>
+                  <a:schemeClr val="tx1"/>
+                </a:solidFill>
+              </a:endParaRPr>
+            </a:p>
+          </p:txBody>
+        </p:sp>
+        <p:sp>
+          <p:nvSpPr>
+            <p:cNvPr id="6" name="Oval 5">
+              <a:extLst>
+                <a:ext uri="{FF2B5EF4-FFF2-40B4-BE49-F238E27FC236}">
+                  <a16:creationId xmlns:a16="http://schemas.microsoft.com/office/drawing/2014/main" id="{F50F9341-75CB-E9A2-898A-B293858794DF}"/>
+                </a:ext>
+              </a:extLst>
+            </p:cNvPr>
+            <p:cNvSpPr/>
+            <p:nvPr/>
+          </p:nvSpPr>
+          <p:spPr>
+            <a:xfrm>
+              <a:off x="5094514" y="338099"/>
+              <a:ext cx="1928691" cy="660827"/>
+            </a:xfrm>
+            <a:prstGeom prst="ellipse">
+              <a:avLst/>
+            </a:prstGeom>
+            <a:noFill/>
+          </p:spPr>
+          <p:style>
+            <a:lnRef idx="2">
+              <a:schemeClr val="accent1">
+                <a:shade val="50000"/>
+              </a:schemeClr>
+            </a:lnRef>
+            <a:fillRef idx="1">
+              <a:schemeClr val="accent1"/>
+            </a:fillRef>
+            <a:effectRef idx="0">
+              <a:schemeClr val="accent1"/>
+            </a:effectRef>
+            <a:fontRef idx="minor">
+              <a:schemeClr val="lt1"/>
+            </a:fontRef>
+          </p:style>
+          <p:txBody>
+            <a:bodyPr rtlCol="0" anchor="ctr"/>
+            <a:lstStyle/>
+            <a:p>
+              <a:pPr algn="ctr"/>
+              <a:r>
+                <a:rPr lang="en-US" dirty="0" err="1">
+                  <a:solidFill>
+                    <a:schemeClr val="tx1"/>
+                  </a:solidFill>
+                </a:rPr>
+                <a:t>HttpMethod</a:t>
+              </a:r>
+              <a:endParaRPr lang="en-US" dirty="0">
+                <a:solidFill>
+                  <a:schemeClr val="tx1"/>
+                </a:solidFill>
+              </a:endParaRPr>
+            </a:p>
+            <a:p>
+              <a:pPr algn="ctr"/>
+              <a:r>
+                <a:rPr lang="en-US" dirty="0">
+                  <a:solidFill>
+                    <a:schemeClr val="tx1"/>
+                  </a:solidFill>
+                </a:rPr>
+                <a:t>(method)</a:t>
+              </a:r>
+            </a:p>
+          </p:txBody>
+        </p:sp>
+        <p:cxnSp>
+          <p:nvCxnSpPr>
+            <p:cNvPr id="8" name="Straight Arrow Connector 7">
+              <a:extLst>
+                <a:ext uri="{FF2B5EF4-FFF2-40B4-BE49-F238E27FC236}">
+                  <a16:creationId xmlns:a16="http://schemas.microsoft.com/office/drawing/2014/main" id="{5CDEC651-F9CB-BC73-0A68-3C6FDBB9F731}"/>
+                </a:ext>
+              </a:extLst>
+            </p:cNvPr>
+            <p:cNvCxnSpPr>
+              <a:cxnSpLocks/>
+              <a:stCxn id="6" idx="4"/>
+              <a:endCxn id="4" idx="0"/>
+            </p:cNvCxnSpPr>
+            <p:nvPr/>
+          </p:nvCxnSpPr>
+          <p:spPr>
+            <a:xfrm>
+              <a:off x="6058860" y="998926"/>
+              <a:ext cx="8707" cy="556076"/>
+            </a:xfrm>
+            <a:prstGeom prst="straightConnector1">
+              <a:avLst/>
+            </a:prstGeom>
+            <a:ln w="9525">
+              <a:tailEnd type="triangle"/>
+            </a:ln>
+          </p:spPr>
+          <p:style>
+            <a:lnRef idx="2">
+              <a:schemeClr val="dk1"/>
+            </a:lnRef>
+            <a:fillRef idx="0">
+              <a:schemeClr val="dk1"/>
+            </a:fillRef>
+            <a:effectRef idx="1">
+              <a:schemeClr val="dk1"/>
+            </a:effectRef>
+            <a:fontRef idx="minor">
+              <a:schemeClr val="tx1"/>
+            </a:fontRef>
+          </p:style>
+        </p:cxnSp>
+        <p:sp>
+          <p:nvSpPr>
+            <p:cNvPr id="10" name="Rectangle 9">
+              <a:extLst>
+                <a:ext uri="{FF2B5EF4-FFF2-40B4-BE49-F238E27FC236}">
+                  <a16:creationId xmlns:a16="http://schemas.microsoft.com/office/drawing/2014/main" id="{032EC30E-35E6-068F-5285-64B1D63B11FC}"/>
+                </a:ext>
+              </a:extLst>
+            </p:cNvPr>
+            <p:cNvSpPr/>
+            <p:nvPr/>
+          </p:nvSpPr>
+          <p:spPr>
+            <a:xfrm>
+              <a:off x="6013168" y="947461"/>
+              <a:ext cx="650579" cy="422621"/>
+            </a:xfrm>
+            <a:prstGeom prst="rect">
+              <a:avLst/>
+            </a:prstGeom>
+            <a:noFill/>
+            <a:ln>
+              <a:noFill/>
+            </a:ln>
+          </p:spPr>
+          <p:style>
+            <a:lnRef idx="2">
+              <a:schemeClr val="accent1">
+                <a:shade val="50000"/>
+              </a:schemeClr>
+            </a:lnRef>
+            <a:fillRef idx="1">
+              <a:schemeClr val="accent1"/>
+            </a:fillRef>
+            <a:effectRef idx="0">
+              <a:schemeClr val="accent1"/>
+            </a:effectRef>
+            <a:fontRef idx="minor">
+              <a:schemeClr val="lt1"/>
+            </a:fontRef>
+          </p:style>
+          <p:txBody>
+            <a:bodyPr rtlCol="0" anchor="ctr"/>
+            <a:lstStyle/>
+            <a:p>
+              <a:pPr algn="ctr"/>
+              <a:r>
+                <a:rPr lang="en-US" i="1" dirty="0" err="1">
+                  <a:solidFill>
+                    <a:schemeClr val="tx1"/>
+                  </a:solidFill>
+                </a:rPr>
+                <a:t>recv</a:t>
+              </a:r>
+              <a:endParaRPr lang="en-US" i="1" dirty="0">
+                <a:solidFill>
+                  <a:schemeClr val="tx1"/>
+                </a:solidFill>
+              </a:endParaRPr>
+            </a:p>
+          </p:txBody>
+        </p:sp>
+        <p:sp>
+          <p:nvSpPr>
+            <p:cNvPr id="11" name="Oval 10">
+              <a:extLst>
+                <a:ext uri="{FF2B5EF4-FFF2-40B4-BE49-F238E27FC236}">
+                  <a16:creationId xmlns:a16="http://schemas.microsoft.com/office/drawing/2014/main" id="{51E5FAEA-E42C-FA46-4A25-B35BE1AD78D3}"/>
+                </a:ext>
+              </a:extLst>
+            </p:cNvPr>
+            <p:cNvSpPr/>
+            <p:nvPr/>
+          </p:nvSpPr>
+          <p:spPr>
+            <a:xfrm>
+              <a:off x="5198629" y="2444434"/>
+              <a:ext cx="1737874" cy="660827"/>
+            </a:xfrm>
+            <a:prstGeom prst="ellipse">
+              <a:avLst/>
+            </a:prstGeom>
+            <a:noFill/>
+          </p:spPr>
+          <p:style>
+            <a:lnRef idx="2">
+              <a:schemeClr val="accent1">
+                <a:shade val="50000"/>
+              </a:schemeClr>
+            </a:lnRef>
+            <a:fillRef idx="1">
+              <a:schemeClr val="accent1"/>
+            </a:fillRef>
+            <a:effectRef idx="0">
+              <a:schemeClr val="accent1"/>
+            </a:effectRef>
+            <a:fontRef idx="minor">
+              <a:schemeClr val="lt1"/>
+            </a:fontRef>
+          </p:style>
+          <p:txBody>
+            <a:bodyPr rtlCol="0" anchor="ctr"/>
+            <a:lstStyle/>
+            <a:p>
+              <a:pPr algn="ctr"/>
+              <a:r>
+                <a:rPr lang="en-US" dirty="0" err="1">
+                  <a:solidFill>
+                    <a:schemeClr val="tx1"/>
+                  </a:solidFill>
+                </a:rPr>
+                <a:t>AuthState</a:t>
+              </a:r>
+              <a:endParaRPr lang="en-US" dirty="0">
+                <a:solidFill>
+                  <a:schemeClr val="tx1"/>
+                </a:solidFill>
+              </a:endParaRPr>
+            </a:p>
+            <a:p>
+              <a:pPr algn="ctr"/>
+              <a:r>
+                <a:rPr lang="en-US" dirty="0">
+                  <a:solidFill>
+                    <a:schemeClr val="tx1"/>
+                  </a:solidFill>
+                </a:rPr>
+                <a:t>(</a:t>
+              </a:r>
+              <a:r>
+                <a:rPr lang="en-US" dirty="0" err="1">
+                  <a:solidFill>
+                    <a:schemeClr val="tx1"/>
+                  </a:solidFill>
+                </a:rPr>
+                <a:t>authstate</a:t>
+              </a:r>
+              <a:r>
+                <a:rPr lang="en-US" dirty="0">
+                  <a:solidFill>
+                    <a:schemeClr val="tx1"/>
+                  </a:solidFill>
+                </a:rPr>
+                <a:t>)</a:t>
+              </a:r>
+            </a:p>
+          </p:txBody>
+        </p:sp>
+        <p:cxnSp>
+          <p:nvCxnSpPr>
+            <p:cNvPr id="15" name="Straight Arrow Connector 14">
+              <a:extLst>
+                <a:ext uri="{FF2B5EF4-FFF2-40B4-BE49-F238E27FC236}">
+                  <a16:creationId xmlns:a16="http://schemas.microsoft.com/office/drawing/2014/main" id="{A320EE69-CD81-42E9-876B-B41D9C99994F}"/>
+                </a:ext>
+              </a:extLst>
+            </p:cNvPr>
+            <p:cNvCxnSpPr>
+              <a:stCxn id="4" idx="2"/>
+              <a:endCxn id="11" idx="0"/>
+            </p:cNvCxnSpPr>
+            <p:nvPr/>
+          </p:nvCxnSpPr>
+          <p:spPr>
+            <a:xfrm flipH="1">
+              <a:off x="6067566" y="2031412"/>
+              <a:ext cx="1" cy="413022"/>
+            </a:xfrm>
+            <a:prstGeom prst="straightConnector1">
+              <a:avLst/>
+            </a:prstGeom>
+            <a:ln w="9525">
+              <a:tailEnd type="triangle"/>
+            </a:ln>
+          </p:spPr>
+          <p:style>
+            <a:lnRef idx="2">
+              <a:schemeClr val="dk1"/>
+            </a:lnRef>
+            <a:fillRef idx="0">
+              <a:schemeClr val="dk1"/>
+            </a:fillRef>
+            <a:effectRef idx="1">
+              <a:schemeClr val="dk1"/>
+            </a:effectRef>
+            <a:fontRef idx="minor">
+              <a:schemeClr val="tx1"/>
+            </a:fontRef>
+          </p:style>
+        </p:cxnSp>
+        <p:sp>
+          <p:nvSpPr>
+            <p:cNvPr id="16" name="Rectangle 15">
+              <a:extLst>
+                <a:ext uri="{FF2B5EF4-FFF2-40B4-BE49-F238E27FC236}">
+                  <a16:creationId xmlns:a16="http://schemas.microsoft.com/office/drawing/2014/main" id="{7B7DF0A3-7569-5127-23F4-9C185F5BE0A0}"/>
+                </a:ext>
+              </a:extLst>
+            </p:cNvPr>
+            <p:cNvSpPr/>
+            <p:nvPr/>
+          </p:nvSpPr>
+          <p:spPr>
+            <a:xfrm>
+              <a:off x="5988417" y="2021813"/>
+              <a:ext cx="917351" cy="422621"/>
+            </a:xfrm>
+            <a:prstGeom prst="rect">
+              <a:avLst/>
+            </a:prstGeom>
+            <a:noFill/>
+            <a:ln>
+              <a:noFill/>
+            </a:ln>
+          </p:spPr>
+          <p:style>
+            <a:lnRef idx="2">
+              <a:schemeClr val="accent1">
+                <a:shade val="50000"/>
+              </a:schemeClr>
+            </a:lnRef>
+            <a:fillRef idx="1">
+              <a:schemeClr val="accent1"/>
+            </a:fillRef>
+            <a:effectRef idx="0">
+              <a:schemeClr val="accent1"/>
+            </a:effectRef>
+            <a:fontRef idx="minor">
+              <a:schemeClr val="lt1"/>
+            </a:fontRef>
+          </p:style>
+          <p:txBody>
+            <a:bodyPr rtlCol="0" anchor="ctr"/>
+            <a:lstStyle/>
+            <a:p>
+              <a:pPr algn="ctr"/>
+              <a:r>
+                <a:rPr lang="en-US" i="1" dirty="0">
+                  <a:solidFill>
+                    <a:schemeClr val="tx1"/>
+                  </a:solidFill>
+                </a:rPr>
+                <a:t>def (=)</a:t>
+              </a:r>
+            </a:p>
+          </p:txBody>
+        </p:sp>
+        <p:sp>
+          <p:nvSpPr>
+            <p:cNvPr id="17" name="Rectangle 16">
+              <a:extLst>
+                <a:ext uri="{FF2B5EF4-FFF2-40B4-BE49-F238E27FC236}">
+                  <a16:creationId xmlns:a16="http://schemas.microsoft.com/office/drawing/2014/main" id="{8EBBB655-3B72-9B04-3633-C9C2E251512E}"/>
+                </a:ext>
+              </a:extLst>
+            </p:cNvPr>
+            <p:cNvSpPr/>
+            <p:nvPr/>
+          </p:nvSpPr>
+          <p:spPr>
+            <a:xfrm>
+              <a:off x="4837481" y="3542711"/>
+              <a:ext cx="2460171" cy="476410"/>
+            </a:xfrm>
+            <a:prstGeom prst="rect">
+              <a:avLst/>
+            </a:prstGeom>
+            <a:noFill/>
+          </p:spPr>
+          <p:style>
+            <a:lnRef idx="2">
+              <a:schemeClr val="accent1">
+                <a:shade val="50000"/>
+              </a:schemeClr>
+            </a:lnRef>
+            <a:fillRef idx="1">
+              <a:schemeClr val="accent1"/>
+            </a:fillRef>
+            <a:effectRef idx="0">
+              <a:schemeClr val="accent1"/>
+            </a:effectRef>
+            <a:fontRef idx="minor">
+              <a:schemeClr val="lt1"/>
+            </a:fontRef>
+          </p:style>
+          <p:txBody>
+            <a:bodyPr rtlCol="0" anchor="ctr"/>
+            <a:lstStyle/>
+            <a:p>
+              <a:pPr algn="ctr"/>
+              <a:r>
+                <a:rPr lang="en-US" dirty="0" err="1">
+                  <a:solidFill>
+                    <a:schemeClr val="tx1"/>
+                  </a:solidFill>
+                </a:rPr>
+                <a:t>AuthState.isPreemptive</a:t>
+              </a:r>
+              <a:endParaRPr lang="en-US" dirty="0">
+                <a:solidFill>
+                  <a:schemeClr val="tx1"/>
+                </a:solidFill>
+              </a:endParaRPr>
+            </a:p>
+          </p:txBody>
+        </p:sp>
+        <p:cxnSp>
+          <p:nvCxnSpPr>
+            <p:cNvPr id="19" name="Straight Arrow Connector 18">
+              <a:extLst>
+                <a:ext uri="{FF2B5EF4-FFF2-40B4-BE49-F238E27FC236}">
+                  <a16:creationId xmlns:a16="http://schemas.microsoft.com/office/drawing/2014/main" id="{61A0364D-5C08-4DB5-5CEC-E5874F7D2B46}"/>
+                </a:ext>
+              </a:extLst>
+            </p:cNvPr>
+            <p:cNvCxnSpPr>
+              <a:stCxn id="11" idx="4"/>
+              <a:endCxn id="17" idx="0"/>
+            </p:cNvCxnSpPr>
+            <p:nvPr/>
+          </p:nvCxnSpPr>
+          <p:spPr>
+            <a:xfrm>
+              <a:off x="6067566" y="3105261"/>
+              <a:ext cx="1" cy="437450"/>
+            </a:xfrm>
+            <a:prstGeom prst="straightConnector1">
+              <a:avLst/>
+            </a:prstGeom>
+            <a:ln w="9525">
+              <a:tailEnd type="triangle"/>
+            </a:ln>
+          </p:spPr>
+          <p:style>
+            <a:lnRef idx="2">
+              <a:schemeClr val="dk1"/>
+            </a:lnRef>
+            <a:fillRef idx="0">
+              <a:schemeClr val="dk1"/>
+            </a:fillRef>
+            <a:effectRef idx="1">
+              <a:schemeClr val="dk1"/>
+            </a:effectRef>
+            <a:fontRef idx="minor">
+              <a:schemeClr val="tx1"/>
+            </a:fontRef>
+          </p:style>
+        </p:cxnSp>
+        <p:sp>
+          <p:nvSpPr>
+            <p:cNvPr id="20" name="Rectangle 19">
+              <a:extLst>
+                <a:ext uri="{FF2B5EF4-FFF2-40B4-BE49-F238E27FC236}">
+                  <a16:creationId xmlns:a16="http://schemas.microsoft.com/office/drawing/2014/main" id="{39590016-EF46-2B25-C6BB-832C65D1640F}"/>
+                </a:ext>
+              </a:extLst>
+            </p:cNvPr>
+            <p:cNvSpPr/>
+            <p:nvPr/>
+          </p:nvSpPr>
+          <p:spPr>
+            <a:xfrm>
+              <a:off x="6021876" y="3057096"/>
+              <a:ext cx="650579" cy="422621"/>
+            </a:xfrm>
+            <a:prstGeom prst="rect">
+              <a:avLst/>
+            </a:prstGeom>
+            <a:noFill/>
+            <a:ln>
+              <a:noFill/>
+            </a:ln>
+          </p:spPr>
+          <p:style>
+            <a:lnRef idx="2">
+              <a:schemeClr val="accent1">
+                <a:shade val="50000"/>
+              </a:schemeClr>
+            </a:lnRef>
+            <a:fillRef idx="1">
+              <a:schemeClr val="accent1"/>
+            </a:fillRef>
+            <a:effectRef idx="0">
+              <a:schemeClr val="accent1"/>
+            </a:effectRef>
+            <a:fontRef idx="minor">
+              <a:schemeClr val="lt1"/>
+            </a:fontRef>
+          </p:style>
+          <p:txBody>
+            <a:bodyPr rtlCol="0" anchor="ctr"/>
+            <a:lstStyle/>
+            <a:p>
+              <a:pPr algn="ctr"/>
+              <a:r>
+                <a:rPr lang="en-US" i="1" dirty="0" err="1">
+                  <a:solidFill>
+                    <a:schemeClr val="tx1"/>
+                  </a:solidFill>
+                </a:rPr>
+                <a:t>recv</a:t>
+              </a:r>
+              <a:endParaRPr lang="en-US" i="1" dirty="0">
+                <a:solidFill>
+                  <a:schemeClr val="tx1"/>
+                </a:solidFill>
+              </a:endParaRPr>
+            </a:p>
+          </p:txBody>
+        </p:sp>
+        <p:grpSp>
+          <p:nvGrpSpPr>
+            <p:cNvPr id="24" name="Group 23">
+              <a:extLst>
+                <a:ext uri="{FF2B5EF4-FFF2-40B4-BE49-F238E27FC236}">
+                  <a16:creationId xmlns:a16="http://schemas.microsoft.com/office/drawing/2014/main" id="{6F08B948-81B9-0D24-0E08-4570A6E4E812}"/>
+                </a:ext>
+              </a:extLst>
+            </p:cNvPr>
+            <p:cNvGrpSpPr/>
+            <p:nvPr/>
+          </p:nvGrpSpPr>
+          <p:grpSpPr>
+            <a:xfrm>
+              <a:off x="5836842" y="4325256"/>
+              <a:ext cx="461447" cy="476409"/>
+              <a:chOff x="9246838" y="3165412"/>
+              <a:chExt cx="461447" cy="473665"/>
+            </a:xfrm>
+          </p:grpSpPr>
+          <p:sp>
+            <p:nvSpPr>
+              <p:cNvPr id="22" name="Rectangle 21">
+                <a:extLst>
+                  <a:ext uri="{FF2B5EF4-FFF2-40B4-BE49-F238E27FC236}">
+                    <a16:creationId xmlns:a16="http://schemas.microsoft.com/office/drawing/2014/main" id="{8A4F9D06-CB34-C207-0A75-7D25EDF4DA5C}"/>
+                  </a:ext>
+                </a:extLst>
+              </p:cNvPr>
+              <p:cNvSpPr/>
+              <p:nvPr/>
+            </p:nvSpPr>
+            <p:spPr>
+              <a:xfrm rot="2871995">
+                <a:off x="9240729" y="3171521"/>
+                <a:ext cx="473665" cy="461447"/>
+              </a:xfrm>
+              <a:prstGeom prst="rect">
+                <a:avLst/>
+              </a:prstGeom>
+              <a:noFill/>
+            </p:spPr>
+            <p:style>
+              <a:lnRef idx="2">
+                <a:schemeClr val="accent1">
+                  <a:shade val="50000"/>
+                </a:schemeClr>
+              </a:lnRef>
+              <a:fillRef idx="1">
+                <a:schemeClr val="accent1"/>
+              </a:fillRef>
+              <a:effectRef idx="0">
+                <a:schemeClr val="accent1"/>
+              </a:effectRef>
+              <a:fontRef idx="minor">
+                <a:schemeClr val="lt1"/>
+              </a:fontRef>
+            </p:style>
+            <p:txBody>
+              <a:bodyPr rtlCol="0" anchor="ctr"/>
+              <a:lstStyle/>
+              <a:p>
+                <a:pPr algn="ctr"/>
+                <a:endParaRPr lang="en-US"/>
+              </a:p>
+            </p:txBody>
+          </p:sp>
+          <p:sp>
+            <p:nvSpPr>
+              <p:cNvPr id="23" name="TextBox 22">
+                <a:extLst>
+                  <a:ext uri="{FF2B5EF4-FFF2-40B4-BE49-F238E27FC236}">
+                    <a16:creationId xmlns:a16="http://schemas.microsoft.com/office/drawing/2014/main" id="{C8202919-CEA7-FD43-1D6F-2EA1FCD63613}"/>
+                  </a:ext>
+                </a:extLst>
+              </p:cNvPr>
+              <p:cNvSpPr txBox="1"/>
+              <p:nvPr/>
+            </p:nvSpPr>
+            <p:spPr>
+              <a:xfrm>
+                <a:off x="9321108" y="3197983"/>
+                <a:ext cx="312906" cy="369332"/>
+              </a:xfrm>
+              <a:prstGeom prst="rect">
+                <a:avLst/>
+              </a:prstGeom>
+              <a:noFill/>
+            </p:spPr>
+            <p:txBody>
+              <a:bodyPr wrap="none" rtlCol="0">
+                <a:spAutoFit/>
+              </a:bodyPr>
+              <a:lstStyle/>
+              <a:p>
+                <a:r>
+                  <a:rPr lang="en-US" dirty="0"/>
+                  <a:t>If</a:t>
+                </a:r>
+              </a:p>
+            </p:txBody>
+          </p:sp>
+        </p:grpSp>
+        <p:cxnSp>
+          <p:nvCxnSpPr>
+            <p:cNvPr id="37" name="Straight Arrow Connector 36">
+              <a:extLst>
+                <a:ext uri="{FF2B5EF4-FFF2-40B4-BE49-F238E27FC236}">
+                  <a16:creationId xmlns:a16="http://schemas.microsoft.com/office/drawing/2014/main" id="{40E04EDE-346E-51AF-77D2-B673095EB71C}"/>
+                </a:ext>
+              </a:extLst>
+            </p:cNvPr>
+            <p:cNvCxnSpPr>
+              <a:stCxn id="17" idx="2"/>
+              <a:endCxn id="23" idx="0"/>
+            </p:cNvCxnSpPr>
+            <p:nvPr/>
+          </p:nvCxnSpPr>
+          <p:spPr>
+            <a:xfrm flipH="1">
+              <a:off x="6067565" y="4019121"/>
+              <a:ext cx="2" cy="338895"/>
+            </a:xfrm>
+            <a:prstGeom prst="straightConnector1">
+              <a:avLst/>
+            </a:prstGeom>
+            <a:ln>
+              <a:tailEnd type="triangle"/>
+            </a:ln>
+          </p:spPr>
+          <p:style>
+            <a:lnRef idx="1">
+              <a:schemeClr val="dk1"/>
+            </a:lnRef>
+            <a:fillRef idx="0">
+              <a:schemeClr val="dk1"/>
+            </a:fillRef>
+            <a:effectRef idx="0">
+              <a:schemeClr val="dk1"/>
+            </a:effectRef>
+            <a:fontRef idx="minor">
+              <a:schemeClr val="tx1"/>
+            </a:fontRef>
+          </p:style>
+        </p:cxnSp>
+        <p:cxnSp>
+          <p:nvCxnSpPr>
+            <p:cNvPr id="39" name="Connector: Elbow 38">
+              <a:extLst>
+                <a:ext uri="{FF2B5EF4-FFF2-40B4-BE49-F238E27FC236}">
+                  <a16:creationId xmlns:a16="http://schemas.microsoft.com/office/drawing/2014/main" id="{9CD372FE-40AD-C1EE-90D3-84C91599C5FB}"/>
+                </a:ext>
+              </a:extLst>
+            </p:cNvPr>
+            <p:cNvCxnSpPr>
+              <a:stCxn id="4" idx="3"/>
+              <a:endCxn id="17" idx="3"/>
+            </p:cNvCxnSpPr>
+            <p:nvPr/>
+          </p:nvCxnSpPr>
+          <p:spPr>
+            <a:xfrm flipH="1">
+              <a:off x="7297652" y="1793207"/>
+              <a:ext cx="318247" cy="1987709"/>
+            </a:xfrm>
+            <a:prstGeom prst="bentConnector3">
+              <a:avLst>
+                <a:gd name="adj1" fmla="val -71831"/>
+              </a:avLst>
+            </a:prstGeom>
+            <a:ln>
+              <a:prstDash val="lgDash"/>
+              <a:tailEnd type="triangle"/>
+            </a:ln>
+          </p:spPr>
+          <p:style>
+            <a:lnRef idx="1">
+              <a:schemeClr val="dk1"/>
+            </a:lnRef>
+            <a:fillRef idx="0">
+              <a:schemeClr val="dk1"/>
+            </a:fillRef>
+            <a:effectRef idx="0">
+              <a:schemeClr val="dk1"/>
+            </a:effectRef>
+            <a:fontRef idx="minor">
+              <a:schemeClr val="tx1"/>
+            </a:fontRef>
+          </p:style>
+        </p:cxnSp>
+        <p:sp>
+          <p:nvSpPr>
+            <p:cNvPr id="40" name="Rectangle 39">
+              <a:extLst>
+                <a:ext uri="{FF2B5EF4-FFF2-40B4-BE49-F238E27FC236}">
+                  <a16:creationId xmlns:a16="http://schemas.microsoft.com/office/drawing/2014/main" id="{98A41493-35CA-66E0-53B8-5D6104B89BB5}"/>
+                </a:ext>
+              </a:extLst>
+            </p:cNvPr>
+            <p:cNvSpPr/>
+            <p:nvPr/>
+          </p:nvSpPr>
+          <p:spPr>
+            <a:xfrm>
+              <a:off x="7177912" y="2575750"/>
+              <a:ext cx="728701" cy="422621"/>
+            </a:xfrm>
+            <a:prstGeom prst="rect">
+              <a:avLst/>
+            </a:prstGeom>
+            <a:noFill/>
+            <a:ln>
+              <a:noFill/>
+            </a:ln>
+          </p:spPr>
+          <p:style>
+            <a:lnRef idx="2">
+              <a:schemeClr val="accent1">
+                <a:shade val="50000"/>
+              </a:schemeClr>
+            </a:lnRef>
+            <a:fillRef idx="1">
+              <a:schemeClr val="accent1"/>
+            </a:fillRef>
+            <a:effectRef idx="0">
+              <a:schemeClr val="accent1"/>
+            </a:effectRef>
+            <a:fontRef idx="minor">
+              <a:schemeClr val="lt1"/>
+            </a:fontRef>
+          </p:style>
+          <p:txBody>
+            <a:bodyPr rtlCol="0" anchor="ctr"/>
+            <a:lstStyle/>
+            <a:p>
+              <a:pPr algn="ctr"/>
+              <a:r>
+                <a:rPr lang="en-US" i="1" dirty="0">
+                  <a:solidFill>
+                    <a:schemeClr val="tx1"/>
+                  </a:solidFill>
+                </a:rPr>
+                <a:t>order</a:t>
+              </a:r>
+            </a:p>
+          </p:txBody>
+        </p:sp>
+        <p:sp>
+          <p:nvSpPr>
+            <p:cNvPr id="41" name="Rectangle 40">
+              <a:extLst>
+                <a:ext uri="{FF2B5EF4-FFF2-40B4-BE49-F238E27FC236}">
+                  <a16:creationId xmlns:a16="http://schemas.microsoft.com/office/drawing/2014/main" id="{912C9EBC-571D-F6B5-B008-8DCDEA8A2CBC}"/>
+                </a:ext>
+              </a:extLst>
+            </p:cNvPr>
+            <p:cNvSpPr/>
+            <p:nvPr/>
+          </p:nvSpPr>
+          <p:spPr>
+            <a:xfrm>
+              <a:off x="5010576" y="5197233"/>
+              <a:ext cx="2113977" cy="476410"/>
+            </a:xfrm>
+            <a:prstGeom prst="rect">
+              <a:avLst/>
+            </a:prstGeom>
+            <a:noFill/>
+          </p:spPr>
+          <p:style>
+            <a:lnRef idx="2">
+              <a:schemeClr val="accent1">
+                <a:shade val="50000"/>
+              </a:schemeClr>
+            </a:lnRef>
+            <a:fillRef idx="1">
+              <a:schemeClr val="accent1"/>
+            </a:fillRef>
+            <a:effectRef idx="0">
+              <a:schemeClr val="accent1"/>
+            </a:effectRef>
+            <a:fontRef idx="minor">
+              <a:schemeClr val="lt1"/>
+            </a:fontRef>
+          </p:style>
+          <p:txBody>
+            <a:bodyPr rtlCol="0" anchor="ctr"/>
+            <a:lstStyle/>
+            <a:p>
+              <a:pPr algn="ctr"/>
+              <a:r>
+                <a:rPr lang="en-US" dirty="0" err="1">
+                  <a:solidFill>
+                    <a:schemeClr val="tx1"/>
+                  </a:solidFill>
+                </a:rPr>
+                <a:t>AuthState.invalidate</a:t>
+              </a:r>
+              <a:endParaRPr lang="en-US" dirty="0">
+                <a:solidFill>
+                  <a:schemeClr val="tx1"/>
+                </a:solidFill>
+              </a:endParaRPr>
+            </a:p>
+          </p:txBody>
+        </p:sp>
+        <p:cxnSp>
+          <p:nvCxnSpPr>
+            <p:cNvPr id="59" name="Straight Arrow Connector 58">
+              <a:extLst>
+                <a:ext uri="{FF2B5EF4-FFF2-40B4-BE49-F238E27FC236}">
+                  <a16:creationId xmlns:a16="http://schemas.microsoft.com/office/drawing/2014/main" id="{A30BF993-522B-CF37-FF4D-F2659DF31C5E}"/>
+                </a:ext>
+              </a:extLst>
+            </p:cNvPr>
+            <p:cNvCxnSpPr>
+              <a:stCxn id="23" idx="2"/>
+              <a:endCxn id="41" idx="0"/>
+            </p:cNvCxnSpPr>
+            <p:nvPr/>
+          </p:nvCxnSpPr>
+          <p:spPr>
+            <a:xfrm>
+              <a:off x="6067565" y="4729488"/>
+              <a:ext cx="0" cy="467745"/>
+            </a:xfrm>
+            <a:prstGeom prst="straightConnector1">
+              <a:avLst/>
+            </a:prstGeom>
+            <a:ln>
+              <a:prstDash val="dash"/>
+              <a:tailEnd type="triangle"/>
+            </a:ln>
+          </p:spPr>
+          <p:style>
+            <a:lnRef idx="1">
+              <a:schemeClr val="dk1"/>
+            </a:lnRef>
+            <a:fillRef idx="0">
+              <a:schemeClr val="dk1"/>
+            </a:fillRef>
+            <a:effectRef idx="0">
+              <a:schemeClr val="dk1"/>
+            </a:effectRef>
+            <a:fontRef idx="minor">
+              <a:schemeClr val="tx1"/>
+            </a:fontRef>
+          </p:style>
+        </p:cxnSp>
+        <p:sp>
+          <p:nvSpPr>
+            <p:cNvPr id="61" name="Rectangle 60">
+              <a:extLst>
+                <a:ext uri="{FF2B5EF4-FFF2-40B4-BE49-F238E27FC236}">
+                  <a16:creationId xmlns:a16="http://schemas.microsoft.com/office/drawing/2014/main" id="{A9FF569A-C8EA-E4B2-1E69-687A0A2D18C4}"/>
+                </a:ext>
+              </a:extLst>
+            </p:cNvPr>
+            <p:cNvSpPr/>
+            <p:nvPr/>
+          </p:nvSpPr>
+          <p:spPr>
+            <a:xfrm>
+              <a:off x="4619545" y="6038634"/>
+              <a:ext cx="2896038" cy="476410"/>
+            </a:xfrm>
+            <a:prstGeom prst="rect">
+              <a:avLst/>
+            </a:prstGeom>
+            <a:noFill/>
+          </p:spPr>
+          <p:style>
+            <a:lnRef idx="2">
+              <a:schemeClr val="accent1">
+                <a:shade val="50000"/>
+              </a:schemeClr>
+            </a:lnRef>
+            <a:fillRef idx="1">
+              <a:schemeClr val="accent1"/>
+            </a:fillRef>
+            <a:effectRef idx="0">
+              <a:schemeClr val="accent1"/>
+            </a:effectRef>
+            <a:fontRef idx="minor">
+              <a:schemeClr val="lt1"/>
+            </a:fontRef>
+          </p:style>
+          <p:txBody>
+            <a:bodyPr rtlCol="0" anchor="ctr"/>
+            <a:lstStyle/>
+            <a:p>
+              <a:pPr algn="ctr"/>
+              <a:r>
+                <a:rPr lang="en-US" dirty="0" err="1">
+                  <a:solidFill>
+                    <a:schemeClr val="tx1"/>
+                  </a:solidFill>
+                </a:rPr>
+                <a:t>AuthState.setAuthRequested</a:t>
+              </a:r>
+              <a:endParaRPr lang="en-US" dirty="0">
+                <a:solidFill>
+                  <a:schemeClr val="tx1"/>
+                </a:solidFill>
+              </a:endParaRPr>
+            </a:p>
+          </p:txBody>
+        </p:sp>
+        <p:cxnSp>
+          <p:nvCxnSpPr>
+            <p:cNvPr id="63" name="Straight Arrow Connector 62">
+              <a:extLst>
+                <a:ext uri="{FF2B5EF4-FFF2-40B4-BE49-F238E27FC236}">
+                  <a16:creationId xmlns:a16="http://schemas.microsoft.com/office/drawing/2014/main" id="{C3468BE3-87D5-DA76-4C2C-C1FEB7E5B3D9}"/>
+                </a:ext>
+              </a:extLst>
+            </p:cNvPr>
+            <p:cNvCxnSpPr>
+              <a:cxnSpLocks/>
+              <a:stCxn id="41" idx="2"/>
+              <a:endCxn id="61" idx="0"/>
+            </p:cNvCxnSpPr>
+            <p:nvPr/>
+          </p:nvCxnSpPr>
+          <p:spPr>
+            <a:xfrm flipH="1">
+              <a:off x="6067564" y="5673643"/>
+              <a:ext cx="1" cy="364991"/>
+            </a:xfrm>
+            <a:prstGeom prst="straightConnector1">
+              <a:avLst/>
+            </a:prstGeom>
+            <a:ln>
+              <a:prstDash val="lgDash"/>
+              <a:tailEnd type="triangle"/>
+            </a:ln>
+          </p:spPr>
+          <p:style>
+            <a:lnRef idx="1">
+              <a:schemeClr val="dk1"/>
+            </a:lnRef>
+            <a:fillRef idx="0">
+              <a:schemeClr val="dk1"/>
+            </a:fillRef>
+            <a:effectRef idx="0">
+              <a:schemeClr val="dk1"/>
+            </a:effectRef>
+            <a:fontRef idx="minor">
+              <a:schemeClr val="tx1"/>
+            </a:fontRef>
+          </p:style>
+        </p:cxnSp>
+        <p:sp>
+          <p:nvSpPr>
+            <p:cNvPr id="66" name="Rectangle 65">
+              <a:extLst>
+                <a:ext uri="{FF2B5EF4-FFF2-40B4-BE49-F238E27FC236}">
+                  <a16:creationId xmlns:a16="http://schemas.microsoft.com/office/drawing/2014/main" id="{C41D1A23-2372-ACFA-554C-3E74050F1DE5}"/>
+                </a:ext>
+              </a:extLst>
+            </p:cNvPr>
+            <p:cNvSpPr/>
+            <p:nvPr/>
+          </p:nvSpPr>
+          <p:spPr>
+            <a:xfrm>
+              <a:off x="6067564" y="4766285"/>
+              <a:ext cx="728701" cy="422621"/>
+            </a:xfrm>
+            <a:prstGeom prst="rect">
+              <a:avLst/>
+            </a:prstGeom>
+            <a:noFill/>
+            <a:ln>
+              <a:noFill/>
+            </a:ln>
+          </p:spPr>
+          <p:style>
+            <a:lnRef idx="2">
+              <a:schemeClr val="accent1">
+                <a:shade val="50000"/>
+              </a:schemeClr>
+            </a:lnRef>
+            <a:fillRef idx="1">
+              <a:schemeClr val="accent1"/>
+            </a:fillRef>
+            <a:effectRef idx="0">
+              <a:schemeClr val="accent1"/>
+            </a:effectRef>
+            <a:fontRef idx="minor">
+              <a:schemeClr val="lt1"/>
+            </a:fontRef>
+          </p:style>
+          <p:txBody>
+            <a:bodyPr rtlCol="0" anchor="ctr"/>
+            <a:lstStyle/>
+            <a:p>
+              <a:pPr algn="ctr"/>
+              <a:r>
+                <a:rPr lang="en-US" i="1" dirty="0" err="1">
+                  <a:solidFill>
+                    <a:schemeClr val="tx1"/>
+                  </a:solidFill>
+                </a:rPr>
+                <a:t>cond</a:t>
+              </a:r>
+              <a:endParaRPr lang="en-US" i="1" dirty="0">
+                <a:solidFill>
+                  <a:schemeClr val="tx1"/>
+                </a:solidFill>
+              </a:endParaRPr>
+            </a:p>
+          </p:txBody>
+        </p:sp>
+        <p:cxnSp>
+          <p:nvCxnSpPr>
+            <p:cNvPr id="68" name="Connector: Elbow 67">
+              <a:extLst>
+                <a:ext uri="{FF2B5EF4-FFF2-40B4-BE49-F238E27FC236}">
+                  <a16:creationId xmlns:a16="http://schemas.microsoft.com/office/drawing/2014/main" id="{D8D2B178-6893-ABEB-E804-CFC887A33AFA}"/>
+                </a:ext>
+              </a:extLst>
+            </p:cNvPr>
+            <p:cNvCxnSpPr>
+              <a:stCxn id="23" idx="3"/>
+              <a:endCxn id="61" idx="3"/>
+            </p:cNvCxnSpPr>
+            <p:nvPr/>
+          </p:nvCxnSpPr>
+          <p:spPr>
+            <a:xfrm>
+              <a:off x="6224018" y="4543752"/>
+              <a:ext cx="1291565" cy="1733087"/>
+            </a:xfrm>
+            <a:prstGeom prst="bentConnector3">
+              <a:avLst>
+                <a:gd name="adj1" fmla="val 126623"/>
+              </a:avLst>
+            </a:prstGeom>
+            <a:ln>
+              <a:prstDash val="lgDash"/>
+              <a:tailEnd type="triangle"/>
+            </a:ln>
+          </p:spPr>
+          <p:style>
+            <a:lnRef idx="1">
+              <a:schemeClr val="dk1"/>
+            </a:lnRef>
+            <a:fillRef idx="0">
+              <a:schemeClr val="dk1"/>
+            </a:fillRef>
+            <a:effectRef idx="0">
+              <a:schemeClr val="dk1"/>
+            </a:effectRef>
+            <a:fontRef idx="minor">
+              <a:schemeClr val="tx1"/>
+            </a:fontRef>
+          </p:style>
+        </p:cxnSp>
+        <p:sp>
+          <p:nvSpPr>
+            <p:cNvPr id="70" name="Rectangle 69">
+              <a:extLst>
+                <a:ext uri="{FF2B5EF4-FFF2-40B4-BE49-F238E27FC236}">
+                  <a16:creationId xmlns:a16="http://schemas.microsoft.com/office/drawing/2014/main" id="{D9785198-DE3C-7462-EF3F-977AD7920E21}"/>
+                </a:ext>
+              </a:extLst>
+            </p:cNvPr>
+            <p:cNvSpPr/>
+            <p:nvPr/>
+          </p:nvSpPr>
+          <p:spPr>
+            <a:xfrm>
+              <a:off x="7177912" y="4456571"/>
+              <a:ext cx="728701" cy="422621"/>
+            </a:xfrm>
+            <a:prstGeom prst="rect">
+              <a:avLst/>
+            </a:prstGeom>
+            <a:noFill/>
+            <a:ln>
+              <a:noFill/>
+            </a:ln>
+          </p:spPr>
+          <p:style>
+            <a:lnRef idx="2">
+              <a:schemeClr val="accent1">
+                <a:shade val="50000"/>
+              </a:schemeClr>
+            </a:lnRef>
+            <a:fillRef idx="1">
+              <a:schemeClr val="accent1"/>
+            </a:fillRef>
+            <a:effectRef idx="0">
+              <a:schemeClr val="accent1"/>
+            </a:effectRef>
+            <a:fontRef idx="minor">
+              <a:schemeClr val="lt1"/>
+            </a:fontRef>
+          </p:style>
+          <p:txBody>
+            <a:bodyPr rtlCol="0" anchor="ctr"/>
+            <a:lstStyle/>
+            <a:p>
+              <a:pPr algn="ctr"/>
+              <a:r>
+                <a:rPr lang="en-US" i="1" dirty="0" err="1">
+                  <a:solidFill>
+                    <a:schemeClr val="tx1"/>
+                  </a:solidFill>
+                </a:rPr>
+                <a:t>cond</a:t>
+              </a:r>
+              <a:endParaRPr lang="en-US" i="1" dirty="0">
+                <a:solidFill>
+                  <a:schemeClr val="tx1"/>
+                </a:solidFill>
+              </a:endParaRPr>
+            </a:p>
+          </p:txBody>
+        </p:sp>
+        <p:sp>
+          <p:nvSpPr>
+            <p:cNvPr id="71" name="Rectangle 70">
+              <a:extLst>
+                <a:ext uri="{FF2B5EF4-FFF2-40B4-BE49-F238E27FC236}">
+                  <a16:creationId xmlns:a16="http://schemas.microsoft.com/office/drawing/2014/main" id="{306BDFB1-6FCB-1B58-17D1-BEA62E55B1DD}"/>
+                </a:ext>
+              </a:extLst>
+            </p:cNvPr>
+            <p:cNvSpPr/>
+            <p:nvPr/>
+          </p:nvSpPr>
+          <p:spPr>
+            <a:xfrm>
+              <a:off x="6034118" y="5621857"/>
+              <a:ext cx="728701" cy="422621"/>
+            </a:xfrm>
+            <a:prstGeom prst="rect">
+              <a:avLst/>
+            </a:prstGeom>
+            <a:noFill/>
+            <a:ln>
+              <a:noFill/>
+            </a:ln>
+          </p:spPr>
+          <p:style>
+            <a:lnRef idx="2">
+              <a:schemeClr val="accent1">
+                <a:shade val="50000"/>
+              </a:schemeClr>
+            </a:lnRef>
+            <a:fillRef idx="1">
+              <a:schemeClr val="accent1"/>
+            </a:fillRef>
+            <a:effectRef idx="0">
+              <a:schemeClr val="accent1"/>
+            </a:effectRef>
+            <a:fontRef idx="minor">
+              <a:schemeClr val="lt1"/>
+            </a:fontRef>
+          </p:style>
+          <p:txBody>
+            <a:bodyPr rtlCol="0" anchor="ctr"/>
+            <a:lstStyle/>
+            <a:p>
+              <a:pPr algn="ctr"/>
+              <a:r>
+                <a:rPr lang="en-US" i="1" dirty="0">
+                  <a:solidFill>
+                    <a:schemeClr val="tx1"/>
+                  </a:solidFill>
+                </a:rPr>
+                <a:t>order</a:t>
+              </a:r>
+            </a:p>
+          </p:txBody>
+        </p:sp>
+      </p:grpSp>
+    </p:spTree>
+    <p:extLst>
+      <p:ext uri="{BB962C8B-B14F-4D97-AF65-F5344CB8AC3E}">
+        <p14:creationId xmlns:p14="http://schemas.microsoft.com/office/powerpoint/2010/main" val="2802990263"/>
+      </p:ext>
+    </p:extLst>
+  </p:cSld>
+  <p:clrMapOvr>
+    <a:masterClrMapping/>
+  </p:clrMapOvr>
+</p:sld>
+</file>
+
+<file path=ppt/slides/slide3.xml><?xml version="1.0" encoding="utf-8"?>
+<p:sld xmlns:a="http://schemas.openxmlformats.org/drawingml/2006/main" xmlns:r="http://schemas.openxmlformats.org/officeDocument/2006/relationships" xmlns:p="http://schemas.openxmlformats.org/presentationml/2006/main">
+  <p:cSld>
+    <p:spTree>
+      <p:nvGrpSpPr>
+        <p:cNvPr id="1" name=""/>
+        <p:cNvGrpSpPr/>
+        <p:nvPr/>
+      </p:nvGrpSpPr>
+      <p:grpSpPr>
+        <a:xfrm>
+          <a:off x="0" y="0"/>
+          <a:ext cx="0" cy="0"/>
+          <a:chOff x="0" y="0"/>
+          <a:chExt cx="0" cy="0"/>
+        </a:xfrm>
+      </p:grpSpPr>
+      <p:grpSp>
+        <p:nvGrpSpPr>
+          <p:cNvPr id="70" name="Group 69">
+            <a:extLst>
+              <a:ext uri="{FF2B5EF4-FFF2-40B4-BE49-F238E27FC236}">
+                <a16:creationId xmlns:a16="http://schemas.microsoft.com/office/drawing/2014/main" id="{B16DBF4B-ECE2-92A7-3971-EE51AFA1C6D8}"/>
+              </a:ext>
+            </a:extLst>
+          </p:cNvPr>
+          <p:cNvGrpSpPr/>
+          <p:nvPr/>
+        </p:nvGrpSpPr>
+        <p:grpSpPr>
+          <a:xfrm>
+            <a:off x="679268" y="750026"/>
+            <a:ext cx="1955328" cy="4685155"/>
+            <a:chOff x="679268" y="750026"/>
+            <a:chExt cx="1955328" cy="4685155"/>
+          </a:xfrm>
+        </p:grpSpPr>
+        <p:sp>
+          <p:nvSpPr>
+            <p:cNvPr id="5" name="Rectangle 4">
+              <a:extLst>
+                <a:ext uri="{FF2B5EF4-FFF2-40B4-BE49-F238E27FC236}">
+                  <a16:creationId xmlns:a16="http://schemas.microsoft.com/office/drawing/2014/main" id="{6E067F86-1F92-1FE0-6C77-AB8E4657398A}"/>
+                </a:ext>
+              </a:extLst>
+            </p:cNvPr>
+            <p:cNvSpPr/>
+            <p:nvPr/>
+          </p:nvSpPr>
+          <p:spPr>
+            <a:xfrm>
+              <a:off x="679268" y="2091736"/>
+              <a:ext cx="1955328" cy="321137"/>
+            </a:xfrm>
+            <a:prstGeom prst="rect">
+              <a:avLst/>
+            </a:prstGeom>
+            <a:noFill/>
+          </p:spPr>
+          <p:style>
+            <a:lnRef idx="2">
+              <a:schemeClr val="accent1">
+                <a:shade val="50000"/>
+              </a:schemeClr>
+            </a:lnRef>
+            <a:fillRef idx="1">
+              <a:schemeClr val="accent1"/>
+            </a:fillRef>
+            <a:effectRef idx="0">
+              <a:schemeClr val="accent1"/>
+            </a:effectRef>
+            <a:fontRef idx="minor">
+              <a:schemeClr val="lt1"/>
+            </a:fontRef>
+          </p:style>
+          <p:txBody>
+            <a:bodyPr rtlCol="0" anchor="ctr"/>
+            <a:lstStyle/>
+            <a:p>
+              <a:pPr algn="ctr"/>
+              <a:r>
+                <a:rPr lang="en-US" sz="2400" dirty="0">
+                  <a:solidFill>
+                    <a:srgbClr val="0070C0"/>
+                  </a:solidFill>
+                </a:rPr>
+                <a:t>N2</a:t>
+              </a:r>
+            </a:p>
+          </p:txBody>
+        </p:sp>
+        <p:sp>
+          <p:nvSpPr>
+            <p:cNvPr id="6" name="Oval 5">
+              <a:extLst>
+                <a:ext uri="{FF2B5EF4-FFF2-40B4-BE49-F238E27FC236}">
+                  <a16:creationId xmlns:a16="http://schemas.microsoft.com/office/drawing/2014/main" id="{71D267B1-0D86-381F-59A5-BFFC621C57AE}"/>
+                </a:ext>
+              </a:extLst>
+            </p:cNvPr>
+            <p:cNvSpPr/>
+            <p:nvPr/>
+          </p:nvSpPr>
+          <p:spPr>
+            <a:xfrm>
+              <a:off x="1043390" y="1309368"/>
+              <a:ext cx="1216086" cy="445448"/>
+            </a:xfrm>
+            <a:prstGeom prst="ellipse">
+              <a:avLst/>
+            </a:prstGeom>
+            <a:noFill/>
+          </p:spPr>
+          <p:style>
+            <a:lnRef idx="2">
+              <a:schemeClr val="accent1">
+                <a:shade val="50000"/>
+              </a:schemeClr>
+            </a:lnRef>
+            <a:fillRef idx="1">
+              <a:schemeClr val="accent1"/>
+            </a:fillRef>
+            <a:effectRef idx="0">
+              <a:schemeClr val="accent1"/>
+            </a:effectRef>
+            <a:fontRef idx="minor">
+              <a:schemeClr val="lt1"/>
+            </a:fontRef>
+          </p:style>
+          <p:txBody>
+            <a:bodyPr rtlCol="0" anchor="ctr"/>
+            <a:lstStyle/>
+            <a:p>
+              <a:pPr algn="ctr"/>
+              <a:r>
+                <a:rPr lang="en-US" sz="2400" dirty="0">
+                  <a:solidFill>
+                    <a:srgbClr val="0070C0"/>
+                  </a:solidFill>
+                </a:rPr>
+                <a:t>N1</a:t>
+              </a:r>
+            </a:p>
+          </p:txBody>
+        </p:sp>
+        <p:cxnSp>
+          <p:nvCxnSpPr>
+            <p:cNvPr id="7" name="Straight Arrow Connector 6">
+              <a:extLst>
+                <a:ext uri="{FF2B5EF4-FFF2-40B4-BE49-F238E27FC236}">
+                  <a16:creationId xmlns:a16="http://schemas.microsoft.com/office/drawing/2014/main" id="{0EA99D10-E0C3-7966-FC4B-CB3300F51EED}"/>
+                </a:ext>
+              </a:extLst>
+            </p:cNvPr>
+            <p:cNvCxnSpPr>
+              <a:cxnSpLocks/>
+              <a:stCxn id="6" idx="4"/>
+              <a:endCxn id="5" idx="0"/>
+            </p:cNvCxnSpPr>
+            <p:nvPr/>
+          </p:nvCxnSpPr>
+          <p:spPr>
+            <a:xfrm>
+              <a:off x="1651433" y="1754816"/>
+              <a:ext cx="5499" cy="336920"/>
+            </a:xfrm>
+            <a:prstGeom prst="straightConnector1">
+              <a:avLst/>
+            </a:prstGeom>
+            <a:ln w="9525">
+              <a:tailEnd type="triangle"/>
+            </a:ln>
+          </p:spPr>
+          <p:style>
+            <a:lnRef idx="2">
+              <a:schemeClr val="dk1"/>
+            </a:lnRef>
+            <a:fillRef idx="0">
+              <a:schemeClr val="dk1"/>
+            </a:fillRef>
+            <a:effectRef idx="1">
+              <a:schemeClr val="dk1"/>
+            </a:effectRef>
+            <a:fontRef idx="minor">
+              <a:schemeClr val="tx1"/>
+            </a:fontRef>
+          </p:style>
+        </p:cxnSp>
+        <p:sp>
+          <p:nvSpPr>
+            <p:cNvPr id="8" name="Rectangle 7">
+              <a:extLst>
+                <a:ext uri="{FF2B5EF4-FFF2-40B4-BE49-F238E27FC236}">
+                  <a16:creationId xmlns:a16="http://schemas.microsoft.com/office/drawing/2014/main" id="{70A7DC87-4A7D-F2BD-FC47-0FE0CDF2C169}"/>
+                </a:ext>
+              </a:extLst>
+            </p:cNvPr>
+            <p:cNvSpPr/>
+            <p:nvPr/>
+          </p:nvSpPr>
+          <p:spPr>
+            <a:xfrm>
+              <a:off x="1622583" y="1682207"/>
+              <a:ext cx="410795" cy="284879"/>
+            </a:xfrm>
+            <a:prstGeom prst="rect">
+              <a:avLst/>
+            </a:prstGeom>
+            <a:noFill/>
+            <a:ln>
+              <a:noFill/>
+            </a:ln>
+          </p:spPr>
+          <p:style>
+            <a:lnRef idx="2">
+              <a:schemeClr val="accent1">
+                <a:shade val="50000"/>
+              </a:schemeClr>
+            </a:lnRef>
+            <a:fillRef idx="1">
+              <a:schemeClr val="accent1"/>
+            </a:fillRef>
+            <a:effectRef idx="0">
+              <a:schemeClr val="accent1"/>
+            </a:effectRef>
+            <a:fontRef idx="minor">
+              <a:schemeClr val="lt1"/>
+            </a:fontRef>
+          </p:style>
+          <p:txBody>
+            <a:bodyPr rtlCol="0" anchor="ctr"/>
+            <a:lstStyle/>
+            <a:p>
+              <a:pPr algn="ctr"/>
+              <a:endParaRPr lang="en-US" i="1" dirty="0">
+                <a:solidFill>
+                  <a:schemeClr val="tx1"/>
+                </a:solidFill>
+              </a:endParaRPr>
+            </a:p>
+          </p:txBody>
+        </p:sp>
+        <p:sp>
+          <p:nvSpPr>
+            <p:cNvPr id="9" name="Oval 8">
+              <a:extLst>
+                <a:ext uri="{FF2B5EF4-FFF2-40B4-BE49-F238E27FC236}">
+                  <a16:creationId xmlns:a16="http://schemas.microsoft.com/office/drawing/2014/main" id="{996630B3-FF43-968A-A584-20F5821BA916}"/>
+                </a:ext>
+              </a:extLst>
+            </p:cNvPr>
+            <p:cNvSpPr/>
+            <p:nvPr/>
+          </p:nvSpPr>
+          <p:spPr>
+            <a:xfrm>
+              <a:off x="1108259" y="2691281"/>
+              <a:ext cx="1097346" cy="445448"/>
+            </a:xfrm>
+            <a:prstGeom prst="ellipse">
+              <a:avLst/>
+            </a:prstGeom>
+            <a:noFill/>
+          </p:spPr>
+          <p:style>
+            <a:lnRef idx="2">
+              <a:schemeClr val="accent1">
+                <a:shade val="50000"/>
+              </a:schemeClr>
+            </a:lnRef>
+            <a:fillRef idx="1">
+              <a:schemeClr val="accent1"/>
+            </a:fillRef>
+            <a:effectRef idx="0">
+              <a:schemeClr val="accent1"/>
+            </a:effectRef>
+            <a:fontRef idx="minor">
+              <a:schemeClr val="lt1"/>
+            </a:fontRef>
+          </p:style>
+          <p:txBody>
+            <a:bodyPr rtlCol="0" anchor="ctr"/>
+            <a:lstStyle/>
+            <a:p>
+              <a:pPr algn="ctr"/>
+              <a:r>
+                <a:rPr lang="en-US" sz="2400" dirty="0">
+                  <a:solidFill>
+                    <a:srgbClr val="0070C0"/>
+                  </a:solidFill>
+                </a:rPr>
+                <a:t>N3</a:t>
+              </a:r>
+            </a:p>
+          </p:txBody>
+        </p:sp>
+        <p:cxnSp>
+          <p:nvCxnSpPr>
+            <p:cNvPr id="10" name="Straight Arrow Connector 9">
+              <a:extLst>
+                <a:ext uri="{FF2B5EF4-FFF2-40B4-BE49-F238E27FC236}">
+                  <a16:creationId xmlns:a16="http://schemas.microsoft.com/office/drawing/2014/main" id="{40B68554-AF73-AD1C-2BCE-A762B3B4109B}"/>
+                </a:ext>
+              </a:extLst>
+            </p:cNvPr>
+            <p:cNvCxnSpPr>
+              <a:stCxn id="5" idx="2"/>
+              <a:endCxn id="9" idx="0"/>
+            </p:cNvCxnSpPr>
+            <p:nvPr/>
+          </p:nvCxnSpPr>
+          <p:spPr>
+            <a:xfrm flipH="1">
+              <a:off x="1656932" y="2412872"/>
+              <a:ext cx="1" cy="278408"/>
+            </a:xfrm>
+            <a:prstGeom prst="straightConnector1">
+              <a:avLst/>
+            </a:prstGeom>
+            <a:ln w="9525">
+              <a:tailEnd type="triangle"/>
+            </a:ln>
+          </p:spPr>
+          <p:style>
+            <a:lnRef idx="2">
+              <a:schemeClr val="dk1"/>
+            </a:lnRef>
+            <a:fillRef idx="0">
+              <a:schemeClr val="dk1"/>
+            </a:fillRef>
+            <a:effectRef idx="1">
+              <a:schemeClr val="dk1"/>
+            </a:effectRef>
+            <a:fontRef idx="minor">
+              <a:schemeClr val="tx1"/>
+            </a:fontRef>
+          </p:style>
+        </p:cxnSp>
+        <p:sp>
+          <p:nvSpPr>
+            <p:cNvPr id="12" name="Rectangle 11">
+              <a:extLst>
+                <a:ext uri="{FF2B5EF4-FFF2-40B4-BE49-F238E27FC236}">
+                  <a16:creationId xmlns:a16="http://schemas.microsoft.com/office/drawing/2014/main" id="{5501197F-F7D3-D683-B5E0-329EE37587AA}"/>
+                </a:ext>
+              </a:extLst>
+            </p:cNvPr>
+            <p:cNvSpPr/>
+            <p:nvPr/>
+          </p:nvSpPr>
+          <p:spPr>
+            <a:xfrm>
+              <a:off x="880219" y="3431603"/>
+              <a:ext cx="1553426" cy="321137"/>
+            </a:xfrm>
+            <a:prstGeom prst="rect">
+              <a:avLst/>
+            </a:prstGeom>
+            <a:noFill/>
+          </p:spPr>
+          <p:style>
+            <a:lnRef idx="2">
+              <a:schemeClr val="accent1">
+                <a:shade val="50000"/>
+              </a:schemeClr>
+            </a:lnRef>
+            <a:fillRef idx="1">
+              <a:schemeClr val="accent1"/>
+            </a:fillRef>
+            <a:effectRef idx="0">
+              <a:schemeClr val="accent1"/>
+            </a:effectRef>
+            <a:fontRef idx="minor">
+              <a:schemeClr val="lt1"/>
+            </a:fontRef>
+          </p:style>
+          <p:txBody>
+            <a:bodyPr rtlCol="0" anchor="ctr"/>
+            <a:lstStyle/>
+            <a:p>
+              <a:pPr algn="ctr"/>
+              <a:r>
+                <a:rPr lang="en-US" sz="2400" dirty="0">
+                  <a:solidFill>
+                    <a:srgbClr val="0070C0"/>
+                  </a:solidFill>
+                </a:rPr>
+                <a:t>N4</a:t>
+              </a:r>
+            </a:p>
+          </p:txBody>
+        </p:sp>
+        <p:cxnSp>
+          <p:nvCxnSpPr>
+            <p:cNvPr id="13" name="Straight Arrow Connector 12">
+              <a:extLst>
+                <a:ext uri="{FF2B5EF4-FFF2-40B4-BE49-F238E27FC236}">
+                  <a16:creationId xmlns:a16="http://schemas.microsoft.com/office/drawing/2014/main" id="{8CE46F43-B38D-7DE9-B824-40104C8DCD4C}"/>
+                </a:ext>
+              </a:extLst>
+            </p:cNvPr>
+            <p:cNvCxnSpPr>
+              <a:stCxn id="9" idx="4"/>
+              <a:endCxn id="12" idx="0"/>
+            </p:cNvCxnSpPr>
+            <p:nvPr/>
+          </p:nvCxnSpPr>
+          <p:spPr>
+            <a:xfrm>
+              <a:off x="1656932" y="3136728"/>
+              <a:ext cx="1" cy="294875"/>
+            </a:xfrm>
+            <a:prstGeom prst="straightConnector1">
+              <a:avLst/>
+            </a:prstGeom>
+            <a:ln w="9525">
+              <a:tailEnd type="triangle"/>
+            </a:ln>
+          </p:spPr>
+          <p:style>
+            <a:lnRef idx="2">
+              <a:schemeClr val="dk1"/>
+            </a:lnRef>
+            <a:fillRef idx="0">
+              <a:schemeClr val="dk1"/>
+            </a:fillRef>
+            <a:effectRef idx="1">
+              <a:schemeClr val="dk1"/>
+            </a:effectRef>
+            <a:fontRef idx="minor">
+              <a:schemeClr val="tx1"/>
+            </a:fontRef>
+          </p:style>
+        </p:cxnSp>
+        <p:grpSp>
+          <p:nvGrpSpPr>
+            <p:cNvPr id="15" name="Group 14">
+              <a:extLst>
+                <a:ext uri="{FF2B5EF4-FFF2-40B4-BE49-F238E27FC236}">
+                  <a16:creationId xmlns:a16="http://schemas.microsoft.com/office/drawing/2014/main" id="{8E7B1B3A-DDB1-FAA3-EF3F-5998EE944D1A}"/>
+                </a:ext>
+              </a:extLst>
+            </p:cNvPr>
+            <p:cNvGrpSpPr/>
+            <p:nvPr/>
+          </p:nvGrpSpPr>
+          <p:grpSpPr>
+            <a:xfrm>
+              <a:off x="1409819" y="3926435"/>
+              <a:ext cx="684524" cy="464795"/>
+              <a:chOff x="9415878" y="3160675"/>
+              <a:chExt cx="769272" cy="685557"/>
+            </a:xfrm>
+          </p:grpSpPr>
+          <p:sp>
+            <p:nvSpPr>
+              <p:cNvPr id="27" name="Rectangle 26">
+                <a:extLst>
+                  <a:ext uri="{FF2B5EF4-FFF2-40B4-BE49-F238E27FC236}">
+                    <a16:creationId xmlns:a16="http://schemas.microsoft.com/office/drawing/2014/main" id="{894FDE2E-1447-E636-2A4E-0486C9160CC4}"/>
+                  </a:ext>
+                </a:extLst>
+              </p:cNvPr>
+              <p:cNvSpPr/>
+              <p:nvPr/>
+            </p:nvSpPr>
+            <p:spPr>
+              <a:xfrm rot="2871995">
+                <a:off x="9366776" y="3209777"/>
+                <a:ext cx="658929" cy="560726"/>
+              </a:xfrm>
+              <a:prstGeom prst="rect">
+                <a:avLst/>
+              </a:prstGeom>
+              <a:noFill/>
+            </p:spPr>
+            <p:style>
+              <a:lnRef idx="2">
+                <a:schemeClr val="accent1">
+                  <a:shade val="50000"/>
+                </a:schemeClr>
+              </a:lnRef>
+              <a:fillRef idx="1">
+                <a:schemeClr val="accent1"/>
+              </a:fillRef>
+              <a:effectRef idx="0">
+                <a:schemeClr val="accent1"/>
+              </a:effectRef>
+              <a:fontRef idx="minor">
+                <a:schemeClr val="lt1"/>
+              </a:fontRef>
+            </p:style>
+            <p:txBody>
+              <a:bodyPr rtlCol="0" anchor="ctr"/>
+              <a:lstStyle/>
+              <a:p>
+                <a:pPr algn="ctr"/>
+                <a:endParaRPr lang="en-US"/>
+              </a:p>
+            </p:txBody>
+          </p:sp>
+          <p:sp>
+            <p:nvSpPr>
+              <p:cNvPr id="28" name="TextBox 27">
+                <a:extLst>
+                  <a:ext uri="{FF2B5EF4-FFF2-40B4-BE49-F238E27FC236}">
+                    <a16:creationId xmlns:a16="http://schemas.microsoft.com/office/drawing/2014/main" id="{464ED3FE-8215-5BB6-4618-3F04C93A2CD1}"/>
+                  </a:ext>
+                </a:extLst>
+              </p:cNvPr>
+              <p:cNvSpPr txBox="1"/>
+              <p:nvPr/>
+            </p:nvSpPr>
+            <p:spPr>
+              <a:xfrm>
+                <a:off x="9432517" y="3165292"/>
+                <a:ext cx="752633" cy="680940"/>
+              </a:xfrm>
+              <a:prstGeom prst="rect">
+                <a:avLst/>
+              </a:prstGeom>
+              <a:noFill/>
+            </p:spPr>
+            <p:txBody>
+              <a:bodyPr wrap="square" rtlCol="0">
+                <a:spAutoFit/>
+              </a:bodyPr>
+              <a:lstStyle/>
+              <a:p>
+                <a:r>
+                  <a:rPr lang="en-US" sz="2400" dirty="0">
+                    <a:solidFill>
+                      <a:srgbClr val="0070C0"/>
+                    </a:solidFill>
+                  </a:rPr>
+                  <a:t>N5</a:t>
+                </a:r>
+              </a:p>
+            </p:txBody>
+          </p:sp>
+        </p:grpSp>
+        <p:cxnSp>
+          <p:nvCxnSpPr>
+            <p:cNvPr id="16" name="Straight Arrow Connector 15">
+              <a:extLst>
+                <a:ext uri="{FF2B5EF4-FFF2-40B4-BE49-F238E27FC236}">
+                  <a16:creationId xmlns:a16="http://schemas.microsoft.com/office/drawing/2014/main" id="{4DCD173A-415A-F243-219B-DB83A63C8838}"/>
+                </a:ext>
+              </a:extLst>
+            </p:cNvPr>
+            <p:cNvCxnSpPr>
+              <a:cxnSpLocks/>
+              <a:stCxn id="12" idx="2"/>
+            </p:cNvCxnSpPr>
+            <p:nvPr/>
+          </p:nvCxnSpPr>
+          <p:spPr>
+            <a:xfrm flipH="1">
+              <a:off x="1644107" y="3752740"/>
+              <a:ext cx="12825" cy="253200"/>
+            </a:xfrm>
+            <a:prstGeom prst="straightConnector1">
+              <a:avLst/>
+            </a:prstGeom>
+            <a:ln>
+              <a:tailEnd type="triangle"/>
+            </a:ln>
+          </p:spPr>
+          <p:style>
+            <a:lnRef idx="1">
+              <a:schemeClr val="dk1"/>
+            </a:lnRef>
+            <a:fillRef idx="0">
+              <a:schemeClr val="dk1"/>
+            </a:fillRef>
+            <a:effectRef idx="0">
+              <a:schemeClr val="dk1"/>
+            </a:effectRef>
+            <a:fontRef idx="minor">
+              <a:schemeClr val="tx1"/>
+            </a:fontRef>
+          </p:style>
+        </p:cxnSp>
+        <p:cxnSp>
+          <p:nvCxnSpPr>
+            <p:cNvPr id="17" name="Connector: Elbow 16">
+              <a:extLst>
+                <a:ext uri="{FF2B5EF4-FFF2-40B4-BE49-F238E27FC236}">
+                  <a16:creationId xmlns:a16="http://schemas.microsoft.com/office/drawing/2014/main" id="{C83F5645-8DE7-F3F9-8662-8917FADCCEAB}"/>
+                </a:ext>
+              </a:extLst>
+            </p:cNvPr>
+            <p:cNvCxnSpPr>
+              <a:stCxn id="5" idx="3"/>
+              <a:endCxn id="12" idx="3"/>
+            </p:cNvCxnSpPr>
+            <p:nvPr/>
+          </p:nvCxnSpPr>
+          <p:spPr>
+            <a:xfrm flipH="1">
+              <a:off x="2433645" y="2252304"/>
+              <a:ext cx="200951" cy="1339867"/>
+            </a:xfrm>
+            <a:prstGeom prst="bentConnector3">
+              <a:avLst>
+                <a:gd name="adj1" fmla="val -71831"/>
+              </a:avLst>
+            </a:prstGeom>
+            <a:ln>
+              <a:prstDash val="lgDash"/>
+              <a:tailEnd type="triangle"/>
+            </a:ln>
+          </p:spPr>
+          <p:style>
+            <a:lnRef idx="1">
+              <a:schemeClr val="dk1"/>
+            </a:lnRef>
+            <a:fillRef idx="0">
+              <a:schemeClr val="dk1"/>
+            </a:fillRef>
+            <a:effectRef idx="0">
+              <a:schemeClr val="dk1"/>
+            </a:effectRef>
+            <a:fontRef idx="minor">
+              <a:schemeClr val="tx1"/>
+            </a:fontRef>
+          </p:style>
+        </p:cxnSp>
+        <p:sp>
+          <p:nvSpPr>
+            <p:cNvPr id="19" name="Rectangle 18">
+              <a:extLst>
+                <a:ext uri="{FF2B5EF4-FFF2-40B4-BE49-F238E27FC236}">
+                  <a16:creationId xmlns:a16="http://schemas.microsoft.com/office/drawing/2014/main" id="{F51B581C-62F7-CFE5-1455-DA3CEF1B9EF9}"/>
+                </a:ext>
+              </a:extLst>
+            </p:cNvPr>
+            <p:cNvSpPr/>
+            <p:nvPr/>
+          </p:nvSpPr>
+          <p:spPr>
+            <a:xfrm>
+              <a:off x="989516" y="4546876"/>
+              <a:ext cx="1334829" cy="321137"/>
+            </a:xfrm>
+            <a:prstGeom prst="rect">
+              <a:avLst/>
+            </a:prstGeom>
+            <a:noFill/>
+          </p:spPr>
+          <p:style>
+            <a:lnRef idx="2">
+              <a:schemeClr val="accent1">
+                <a:shade val="50000"/>
+              </a:schemeClr>
+            </a:lnRef>
+            <a:fillRef idx="1">
+              <a:schemeClr val="accent1"/>
+            </a:fillRef>
+            <a:effectRef idx="0">
+              <a:schemeClr val="accent1"/>
+            </a:effectRef>
+            <a:fontRef idx="minor">
+              <a:schemeClr val="lt1"/>
+            </a:fontRef>
+          </p:style>
+          <p:txBody>
+            <a:bodyPr rtlCol="0" anchor="ctr"/>
+            <a:lstStyle/>
+            <a:p>
+              <a:pPr algn="ctr"/>
+              <a:r>
+                <a:rPr lang="en-US" sz="2400" dirty="0">
+                  <a:solidFill>
+                    <a:srgbClr val="0070C0"/>
+                  </a:solidFill>
+                </a:rPr>
+                <a:t>N6</a:t>
+              </a:r>
+            </a:p>
+          </p:txBody>
+        </p:sp>
+        <p:cxnSp>
+          <p:nvCxnSpPr>
+            <p:cNvPr id="20" name="Straight Arrow Connector 19">
+              <a:extLst>
+                <a:ext uri="{FF2B5EF4-FFF2-40B4-BE49-F238E27FC236}">
+                  <a16:creationId xmlns:a16="http://schemas.microsoft.com/office/drawing/2014/main" id="{45CBA6ED-EB0C-15BF-05BC-988504A5FAD9}"/>
+                </a:ext>
+              </a:extLst>
+            </p:cNvPr>
+            <p:cNvCxnSpPr>
+              <a:cxnSpLocks/>
+              <a:endCxn id="19" idx="0"/>
+            </p:cNvCxnSpPr>
+            <p:nvPr/>
+          </p:nvCxnSpPr>
+          <p:spPr>
+            <a:xfrm>
+              <a:off x="1644107" y="4327077"/>
+              <a:ext cx="12824" cy="219799"/>
+            </a:xfrm>
+            <a:prstGeom prst="straightConnector1">
+              <a:avLst/>
+            </a:prstGeom>
+            <a:ln>
+              <a:prstDash val="dash"/>
+              <a:tailEnd type="triangle"/>
+            </a:ln>
+          </p:spPr>
+          <p:style>
+            <a:lnRef idx="1">
+              <a:schemeClr val="dk1"/>
+            </a:lnRef>
+            <a:fillRef idx="0">
+              <a:schemeClr val="dk1"/>
+            </a:fillRef>
+            <a:effectRef idx="0">
+              <a:schemeClr val="dk1"/>
+            </a:effectRef>
+            <a:fontRef idx="minor">
+              <a:schemeClr val="tx1"/>
+            </a:fontRef>
+          </p:style>
+        </p:cxnSp>
+        <p:sp>
+          <p:nvSpPr>
+            <p:cNvPr id="21" name="Rectangle 20">
+              <a:extLst>
+                <a:ext uri="{FF2B5EF4-FFF2-40B4-BE49-F238E27FC236}">
+                  <a16:creationId xmlns:a16="http://schemas.microsoft.com/office/drawing/2014/main" id="{D69FA046-FFC0-57C8-80AF-7982ADEE0BCF}"/>
+                </a:ext>
+              </a:extLst>
+            </p:cNvPr>
+            <p:cNvSpPr/>
+            <p:nvPr/>
+          </p:nvSpPr>
+          <p:spPr>
+            <a:xfrm>
+              <a:off x="742607" y="5114044"/>
+              <a:ext cx="1828646" cy="321137"/>
+            </a:xfrm>
+            <a:prstGeom prst="rect">
+              <a:avLst/>
+            </a:prstGeom>
+            <a:noFill/>
+          </p:spPr>
+          <p:style>
+            <a:lnRef idx="2">
+              <a:schemeClr val="accent1">
+                <a:shade val="50000"/>
+              </a:schemeClr>
+            </a:lnRef>
+            <a:fillRef idx="1">
+              <a:schemeClr val="accent1"/>
+            </a:fillRef>
+            <a:effectRef idx="0">
+              <a:schemeClr val="accent1"/>
+            </a:effectRef>
+            <a:fontRef idx="minor">
+              <a:schemeClr val="lt1"/>
+            </a:fontRef>
+          </p:style>
+          <p:txBody>
+            <a:bodyPr rtlCol="0" anchor="ctr"/>
+            <a:lstStyle/>
+            <a:p>
+              <a:pPr algn="ctr"/>
+              <a:r>
+                <a:rPr lang="en-US" sz="2400" dirty="0">
+                  <a:solidFill>
+                    <a:srgbClr val="0070C0"/>
+                  </a:solidFill>
+                </a:rPr>
+                <a:t>N7</a:t>
+              </a:r>
+            </a:p>
+          </p:txBody>
+        </p:sp>
+        <p:cxnSp>
+          <p:nvCxnSpPr>
+            <p:cNvPr id="22" name="Straight Arrow Connector 21">
+              <a:extLst>
+                <a:ext uri="{FF2B5EF4-FFF2-40B4-BE49-F238E27FC236}">
+                  <a16:creationId xmlns:a16="http://schemas.microsoft.com/office/drawing/2014/main" id="{63C178A9-155A-2B5A-0436-C52CBE5BCA07}"/>
+                </a:ext>
+              </a:extLst>
+            </p:cNvPr>
+            <p:cNvCxnSpPr>
+              <a:cxnSpLocks/>
+              <a:stCxn id="19" idx="2"/>
+              <a:endCxn id="21" idx="0"/>
+            </p:cNvCxnSpPr>
+            <p:nvPr/>
+          </p:nvCxnSpPr>
+          <p:spPr>
+            <a:xfrm flipH="1">
+              <a:off x="1656930" y="4868013"/>
+              <a:ext cx="1" cy="246032"/>
+            </a:xfrm>
+            <a:prstGeom prst="straightConnector1">
+              <a:avLst/>
+            </a:prstGeom>
+            <a:ln>
+              <a:prstDash val="lgDash"/>
+              <a:tailEnd type="triangle"/>
+            </a:ln>
+          </p:spPr>
+          <p:style>
+            <a:lnRef idx="1">
+              <a:schemeClr val="dk1"/>
+            </a:lnRef>
+            <a:fillRef idx="0">
+              <a:schemeClr val="dk1"/>
+            </a:fillRef>
+            <a:effectRef idx="0">
+              <a:schemeClr val="dk1"/>
+            </a:effectRef>
+            <a:fontRef idx="minor">
+              <a:schemeClr val="tx1"/>
+            </a:fontRef>
+          </p:style>
+        </p:cxnSp>
+        <p:cxnSp>
+          <p:nvCxnSpPr>
+            <p:cNvPr id="24" name="Connector: Elbow 23">
+              <a:extLst>
+                <a:ext uri="{FF2B5EF4-FFF2-40B4-BE49-F238E27FC236}">
+                  <a16:creationId xmlns:a16="http://schemas.microsoft.com/office/drawing/2014/main" id="{665E2CB2-A742-84EF-646A-B32B1432B091}"/>
+                </a:ext>
+              </a:extLst>
+            </p:cNvPr>
+            <p:cNvCxnSpPr>
+              <a:cxnSpLocks/>
+              <a:stCxn id="28" idx="3"/>
+              <a:endCxn id="21" idx="3"/>
+            </p:cNvCxnSpPr>
+            <p:nvPr/>
+          </p:nvCxnSpPr>
+          <p:spPr>
+            <a:xfrm>
+              <a:off x="2094343" y="4160398"/>
+              <a:ext cx="476910" cy="1114215"/>
+            </a:xfrm>
+            <a:prstGeom prst="bentConnector3">
+              <a:avLst>
+                <a:gd name="adj1" fmla="val 147934"/>
+              </a:avLst>
+            </a:prstGeom>
+            <a:ln>
+              <a:prstDash val="lgDash"/>
+              <a:tailEnd type="triangle"/>
+            </a:ln>
+          </p:spPr>
+          <p:style>
+            <a:lnRef idx="1">
+              <a:schemeClr val="dk1"/>
+            </a:lnRef>
+            <a:fillRef idx="0">
+              <a:schemeClr val="dk1"/>
+            </a:fillRef>
+            <a:effectRef idx="0">
+              <a:schemeClr val="dk1"/>
+            </a:effectRef>
+            <a:fontRef idx="minor">
+              <a:schemeClr val="tx1"/>
+            </a:fontRef>
+          </p:style>
+        </p:cxnSp>
+        <p:sp>
+          <p:nvSpPr>
+            <p:cNvPr id="32" name="Rectangle 31">
+              <a:extLst>
+                <a:ext uri="{FF2B5EF4-FFF2-40B4-BE49-F238E27FC236}">
+                  <a16:creationId xmlns:a16="http://schemas.microsoft.com/office/drawing/2014/main" id="{4AF8D954-A42F-4EB7-4508-D3C89573DDBE}"/>
+                </a:ext>
+              </a:extLst>
+            </p:cNvPr>
+            <p:cNvSpPr/>
+            <p:nvPr/>
+          </p:nvSpPr>
+          <p:spPr>
+            <a:xfrm>
+              <a:off x="1124085" y="750026"/>
+              <a:ext cx="1040045" cy="476410"/>
+            </a:xfrm>
+            <a:prstGeom prst="rect">
+              <a:avLst/>
+            </a:prstGeom>
+            <a:noFill/>
+            <a:ln>
+              <a:noFill/>
+            </a:ln>
+          </p:spPr>
+          <p:style>
+            <a:lnRef idx="2">
+              <a:schemeClr val="accent1">
+                <a:shade val="50000"/>
+              </a:schemeClr>
+            </a:lnRef>
+            <a:fillRef idx="1">
+              <a:schemeClr val="accent1"/>
+            </a:fillRef>
+            <a:effectRef idx="0">
+              <a:schemeClr val="accent1"/>
+            </a:effectRef>
+            <a:fontRef idx="minor">
+              <a:schemeClr val="lt1"/>
+            </a:fontRef>
+          </p:style>
+          <p:txBody>
+            <a:bodyPr rtlCol="0" anchor="ctr"/>
+            <a:lstStyle/>
+            <a:p>
+              <a:pPr algn="ctr"/>
+              <a:r>
+                <a:rPr lang="en-US" sz="3200" dirty="0">
+                  <a:solidFill>
+                    <a:schemeClr val="tx1"/>
+                  </a:solidFill>
+                </a:rPr>
+                <a:t>AUG</a:t>
+              </a:r>
+            </a:p>
+          </p:txBody>
+        </p:sp>
+      </p:grpSp>
+      <p:sp>
+        <p:nvSpPr>
+          <p:cNvPr id="66" name="TextBox 65">
+            <a:extLst>
+              <a:ext uri="{FF2B5EF4-FFF2-40B4-BE49-F238E27FC236}">
+                <a16:creationId xmlns:a16="http://schemas.microsoft.com/office/drawing/2014/main" id="{34D4E115-52CF-D3CD-8A8E-3E3F4185A70D}"/>
+              </a:ext>
+            </a:extLst>
+          </p:cNvPr>
+          <p:cNvSpPr txBox="1"/>
+          <p:nvPr/>
+        </p:nvSpPr>
+        <p:spPr>
+          <a:xfrm>
+            <a:off x="3411308" y="2956010"/>
+            <a:ext cx="1669368" cy="923330"/>
+          </a:xfrm>
+          <a:prstGeom prst="rect">
+            <a:avLst/>
+          </a:prstGeom>
+        </p:spPr>
+        <p:style>
+          <a:lnRef idx="1">
+            <a:schemeClr val="accent5"/>
+          </a:lnRef>
+          <a:fillRef idx="2">
+            <a:schemeClr val="accent5"/>
+          </a:fillRef>
+          <a:effectRef idx="1">
+            <a:schemeClr val="accent5"/>
+          </a:effectRef>
+          <a:fontRef idx="minor">
+            <a:schemeClr val="dk1"/>
+          </a:fontRef>
+        </p:style>
+        <p:txBody>
+          <a:bodyPr wrap="none" rtlCol="0">
+            <a:spAutoFit/>
+          </a:bodyPr>
+          <a:lstStyle/>
+          <a:p>
+            <a:pPr algn="ctr"/>
+            <a:r>
+              <a:rPr lang="en-US" dirty="0"/>
+              <a:t>Feature Vector</a:t>
+            </a:r>
+          </a:p>
+          <a:p>
+            <a:pPr algn="ctr"/>
+            <a:r>
+              <a:rPr lang="en-US" dirty="0"/>
+              <a:t>Representation </a:t>
+            </a:r>
+          </a:p>
+          <a:p>
+            <a:pPr algn="ctr"/>
+            <a:r>
+              <a:rPr lang="en-US" dirty="0"/>
+              <a:t>Generation</a:t>
+            </a:r>
+          </a:p>
+        </p:txBody>
+      </p:sp>
+      <p:sp>
+        <p:nvSpPr>
+          <p:cNvPr id="68" name="Arrow: Right 67">
+            <a:extLst>
+              <a:ext uri="{FF2B5EF4-FFF2-40B4-BE49-F238E27FC236}">
+                <a16:creationId xmlns:a16="http://schemas.microsoft.com/office/drawing/2014/main" id="{00145B1B-9CD5-8927-B011-B8D1B07F1073}"/>
+              </a:ext>
+            </a:extLst>
+          </p:cNvPr>
+          <p:cNvSpPr/>
+          <p:nvPr/>
+        </p:nvSpPr>
+        <p:spPr>
+          <a:xfrm>
+            <a:off x="2916144" y="3335755"/>
+            <a:ext cx="421461" cy="186489"/>
+          </a:xfrm>
+          <a:prstGeom prst="rightArrow">
+            <a:avLst/>
+          </a:prstGeom>
+        </p:spPr>
+        <p:style>
+          <a:lnRef idx="2">
+            <a:schemeClr val="accent1">
+              <a:shade val="50000"/>
+            </a:schemeClr>
+          </a:lnRef>
+          <a:fillRef idx="1">
+            <a:schemeClr val="accent1"/>
+          </a:fillRef>
+          <a:effectRef idx="0">
+            <a:schemeClr val="accent1"/>
+          </a:effectRef>
+          <a:fontRef idx="minor">
+            <a:schemeClr val="lt1"/>
+          </a:fontRef>
+        </p:style>
+        <p:txBody>
+          <a:bodyPr rtlCol="0" anchor="ctr"/>
+          <a:lstStyle/>
+          <a:p>
+            <a:pPr algn="ctr"/>
+            <a:endParaRPr lang="en-US"/>
+          </a:p>
+        </p:txBody>
+      </p:sp>
+      <p:grpSp>
+        <p:nvGrpSpPr>
+          <p:cNvPr id="72" name="Group 71">
+            <a:extLst>
+              <a:ext uri="{FF2B5EF4-FFF2-40B4-BE49-F238E27FC236}">
+                <a16:creationId xmlns:a16="http://schemas.microsoft.com/office/drawing/2014/main" id="{5ED396DF-A8E4-3E0F-A59A-FF1E6D52F438}"/>
+              </a:ext>
+            </a:extLst>
+          </p:cNvPr>
+          <p:cNvGrpSpPr/>
+          <p:nvPr/>
+        </p:nvGrpSpPr>
+        <p:grpSpPr>
+          <a:xfrm>
+            <a:off x="5636429" y="842268"/>
+            <a:ext cx="1955328" cy="4685155"/>
+            <a:chOff x="679268" y="750026"/>
+            <a:chExt cx="1955328" cy="4685155"/>
+          </a:xfrm>
+        </p:grpSpPr>
+        <p:sp>
+          <p:nvSpPr>
+            <p:cNvPr id="73" name="Rectangle 72">
+              <a:extLst>
+                <a:ext uri="{FF2B5EF4-FFF2-40B4-BE49-F238E27FC236}">
+                  <a16:creationId xmlns:a16="http://schemas.microsoft.com/office/drawing/2014/main" id="{160FF9CF-2FBF-8299-6456-B23A21453788}"/>
+                </a:ext>
+              </a:extLst>
+            </p:cNvPr>
+            <p:cNvSpPr/>
+            <p:nvPr/>
+          </p:nvSpPr>
+          <p:spPr>
+            <a:xfrm>
+              <a:off x="679268" y="2091736"/>
+              <a:ext cx="1955328" cy="321137"/>
+            </a:xfrm>
+            <a:prstGeom prst="rect">
+              <a:avLst/>
+            </a:prstGeom>
+            <a:noFill/>
+          </p:spPr>
+          <p:style>
+            <a:lnRef idx="2">
+              <a:schemeClr val="accent1">
+                <a:shade val="50000"/>
+              </a:schemeClr>
+            </a:lnRef>
+            <a:fillRef idx="1">
+              <a:schemeClr val="accent1"/>
+            </a:fillRef>
+            <a:effectRef idx="0">
+              <a:schemeClr val="accent1"/>
+            </a:effectRef>
+            <a:fontRef idx="minor">
+              <a:schemeClr val="lt1"/>
+            </a:fontRef>
+          </p:style>
+          <p:txBody>
+            <a:bodyPr rtlCol="0" anchor="ctr"/>
+            <a:lstStyle/>
+            <a:p>
+              <a:pPr algn="ctr"/>
+              <a:r>
+                <a:rPr lang="en-US" sz="2400" dirty="0">
+                  <a:solidFill>
+                    <a:srgbClr val="00B050"/>
+                  </a:solidFill>
+                </a:rPr>
+                <a:t>V2</a:t>
+              </a:r>
+            </a:p>
+          </p:txBody>
+        </p:sp>
+        <p:sp>
+          <p:nvSpPr>
+            <p:cNvPr id="74" name="Oval 73">
+              <a:extLst>
+                <a:ext uri="{FF2B5EF4-FFF2-40B4-BE49-F238E27FC236}">
+                  <a16:creationId xmlns:a16="http://schemas.microsoft.com/office/drawing/2014/main" id="{59E46ED9-F08A-70CB-0D01-037026CDBC0A}"/>
+                </a:ext>
+              </a:extLst>
+            </p:cNvPr>
+            <p:cNvSpPr/>
+            <p:nvPr/>
+          </p:nvSpPr>
+          <p:spPr>
+            <a:xfrm>
+              <a:off x="1043390" y="1309368"/>
+              <a:ext cx="1216086" cy="445448"/>
+            </a:xfrm>
+            <a:prstGeom prst="ellipse">
+              <a:avLst/>
+            </a:prstGeom>
+            <a:noFill/>
+          </p:spPr>
+          <p:style>
+            <a:lnRef idx="2">
+              <a:schemeClr val="accent1">
+                <a:shade val="50000"/>
+              </a:schemeClr>
+            </a:lnRef>
+            <a:fillRef idx="1">
+              <a:schemeClr val="accent1"/>
+            </a:fillRef>
+            <a:effectRef idx="0">
+              <a:schemeClr val="accent1"/>
+            </a:effectRef>
+            <a:fontRef idx="minor">
+              <a:schemeClr val="lt1"/>
+            </a:fontRef>
+          </p:style>
+          <p:txBody>
+            <a:bodyPr rtlCol="0" anchor="ctr"/>
+            <a:lstStyle/>
+            <a:p>
+              <a:pPr algn="ctr"/>
+              <a:r>
+                <a:rPr lang="en-US" sz="2400" dirty="0">
+                  <a:solidFill>
+                    <a:srgbClr val="00B050"/>
+                  </a:solidFill>
+                </a:rPr>
+                <a:t>V1</a:t>
+              </a:r>
+            </a:p>
+          </p:txBody>
+        </p:sp>
+        <p:cxnSp>
+          <p:nvCxnSpPr>
+            <p:cNvPr id="75" name="Straight Arrow Connector 74">
+              <a:extLst>
+                <a:ext uri="{FF2B5EF4-FFF2-40B4-BE49-F238E27FC236}">
+                  <a16:creationId xmlns:a16="http://schemas.microsoft.com/office/drawing/2014/main" id="{28105535-A702-98E0-1A36-A2BB7FD4E5B1}"/>
+                </a:ext>
+              </a:extLst>
+            </p:cNvPr>
+            <p:cNvCxnSpPr>
+              <a:cxnSpLocks/>
+              <a:stCxn id="74" idx="4"/>
+              <a:endCxn id="73" idx="0"/>
+            </p:cNvCxnSpPr>
+            <p:nvPr/>
+          </p:nvCxnSpPr>
+          <p:spPr>
+            <a:xfrm>
+              <a:off x="1651433" y="1754816"/>
+              <a:ext cx="5499" cy="336920"/>
+            </a:xfrm>
+            <a:prstGeom prst="straightConnector1">
+              <a:avLst/>
+            </a:prstGeom>
+            <a:ln w="9525">
+              <a:tailEnd type="triangle"/>
+            </a:ln>
+          </p:spPr>
+          <p:style>
+            <a:lnRef idx="2">
+              <a:schemeClr val="dk1"/>
+            </a:lnRef>
+            <a:fillRef idx="0">
+              <a:schemeClr val="dk1"/>
+            </a:fillRef>
+            <a:effectRef idx="1">
+              <a:schemeClr val="dk1"/>
+            </a:effectRef>
+            <a:fontRef idx="minor">
+              <a:schemeClr val="tx1"/>
+            </a:fontRef>
+          </p:style>
+        </p:cxnSp>
+        <p:sp>
+          <p:nvSpPr>
+            <p:cNvPr id="76" name="Rectangle 75">
+              <a:extLst>
+                <a:ext uri="{FF2B5EF4-FFF2-40B4-BE49-F238E27FC236}">
+                  <a16:creationId xmlns:a16="http://schemas.microsoft.com/office/drawing/2014/main" id="{B32A8E71-9C01-54C5-C3F3-01E60AC14E40}"/>
+                </a:ext>
+              </a:extLst>
+            </p:cNvPr>
+            <p:cNvSpPr/>
+            <p:nvPr/>
+          </p:nvSpPr>
+          <p:spPr>
+            <a:xfrm>
+              <a:off x="1622583" y="1682207"/>
+              <a:ext cx="410795" cy="284879"/>
+            </a:xfrm>
+            <a:prstGeom prst="rect">
+              <a:avLst/>
+            </a:prstGeom>
+            <a:noFill/>
+            <a:ln>
+              <a:noFill/>
+            </a:ln>
+          </p:spPr>
+          <p:style>
+            <a:lnRef idx="2">
+              <a:schemeClr val="accent1">
+                <a:shade val="50000"/>
+              </a:schemeClr>
+            </a:lnRef>
+            <a:fillRef idx="1">
+              <a:schemeClr val="accent1"/>
+            </a:fillRef>
+            <a:effectRef idx="0">
+              <a:schemeClr val="accent1"/>
+            </a:effectRef>
+            <a:fontRef idx="minor">
+              <a:schemeClr val="lt1"/>
+            </a:fontRef>
+          </p:style>
+          <p:txBody>
+            <a:bodyPr rtlCol="0" anchor="ctr"/>
+            <a:lstStyle/>
+            <a:p>
+              <a:pPr algn="ctr"/>
+              <a:endParaRPr lang="en-US" i="1" dirty="0">
+                <a:solidFill>
+                  <a:schemeClr val="tx1"/>
+                </a:solidFill>
+              </a:endParaRPr>
+            </a:p>
+          </p:txBody>
+        </p:sp>
+        <p:sp>
+          <p:nvSpPr>
+            <p:cNvPr id="77" name="Oval 76">
+              <a:extLst>
+                <a:ext uri="{FF2B5EF4-FFF2-40B4-BE49-F238E27FC236}">
+                  <a16:creationId xmlns:a16="http://schemas.microsoft.com/office/drawing/2014/main" id="{5B253191-21BD-EF8B-D506-F3A2EC1CCD3D}"/>
+                </a:ext>
+              </a:extLst>
+            </p:cNvPr>
+            <p:cNvSpPr/>
+            <p:nvPr/>
+          </p:nvSpPr>
+          <p:spPr>
+            <a:xfrm>
+              <a:off x="1108259" y="2691281"/>
+              <a:ext cx="1097346" cy="445448"/>
+            </a:xfrm>
+            <a:prstGeom prst="ellipse">
+              <a:avLst/>
+            </a:prstGeom>
+            <a:noFill/>
+          </p:spPr>
+          <p:style>
+            <a:lnRef idx="2">
+              <a:schemeClr val="accent1">
+                <a:shade val="50000"/>
+              </a:schemeClr>
+            </a:lnRef>
+            <a:fillRef idx="1">
+              <a:schemeClr val="accent1"/>
+            </a:fillRef>
+            <a:effectRef idx="0">
+              <a:schemeClr val="accent1"/>
+            </a:effectRef>
+            <a:fontRef idx="minor">
+              <a:schemeClr val="lt1"/>
+            </a:fontRef>
+          </p:style>
+          <p:txBody>
+            <a:bodyPr rtlCol="0" anchor="ctr"/>
+            <a:lstStyle/>
+            <a:p>
+              <a:pPr algn="ctr"/>
+              <a:r>
+                <a:rPr lang="en-US" sz="2400" dirty="0">
+                  <a:solidFill>
+                    <a:srgbClr val="00B050"/>
+                  </a:solidFill>
+                </a:rPr>
+                <a:t>V3</a:t>
+              </a:r>
+            </a:p>
+          </p:txBody>
+        </p:sp>
+        <p:cxnSp>
+          <p:nvCxnSpPr>
+            <p:cNvPr id="78" name="Straight Arrow Connector 77">
+              <a:extLst>
+                <a:ext uri="{FF2B5EF4-FFF2-40B4-BE49-F238E27FC236}">
+                  <a16:creationId xmlns:a16="http://schemas.microsoft.com/office/drawing/2014/main" id="{E9E6421B-387E-162E-7541-FD89E7DACE87}"/>
+                </a:ext>
+              </a:extLst>
+            </p:cNvPr>
+            <p:cNvCxnSpPr>
+              <a:stCxn id="73" idx="2"/>
+              <a:endCxn id="77" idx="0"/>
+            </p:cNvCxnSpPr>
+            <p:nvPr/>
+          </p:nvCxnSpPr>
+          <p:spPr>
+            <a:xfrm flipH="1">
+              <a:off x="1656932" y="2412872"/>
+              <a:ext cx="1" cy="278408"/>
+            </a:xfrm>
+            <a:prstGeom prst="straightConnector1">
+              <a:avLst/>
+            </a:prstGeom>
+            <a:ln w="9525">
+              <a:tailEnd type="triangle"/>
+            </a:ln>
+          </p:spPr>
+          <p:style>
+            <a:lnRef idx="2">
+              <a:schemeClr val="dk1"/>
+            </a:lnRef>
+            <a:fillRef idx="0">
+              <a:schemeClr val="dk1"/>
+            </a:fillRef>
+            <a:effectRef idx="1">
+              <a:schemeClr val="dk1"/>
+            </a:effectRef>
+            <a:fontRef idx="minor">
+              <a:schemeClr val="tx1"/>
+            </a:fontRef>
+          </p:style>
+        </p:cxnSp>
+        <p:sp>
+          <p:nvSpPr>
+            <p:cNvPr id="79" name="Rectangle 78">
+              <a:extLst>
+                <a:ext uri="{FF2B5EF4-FFF2-40B4-BE49-F238E27FC236}">
+                  <a16:creationId xmlns:a16="http://schemas.microsoft.com/office/drawing/2014/main" id="{1F102481-5B3A-3915-FB31-3D5A51B14D43}"/>
+                </a:ext>
+              </a:extLst>
+            </p:cNvPr>
+            <p:cNvSpPr/>
+            <p:nvPr/>
+          </p:nvSpPr>
+          <p:spPr>
+            <a:xfrm>
+              <a:off x="880219" y="3431603"/>
+              <a:ext cx="1553426" cy="321137"/>
+            </a:xfrm>
+            <a:prstGeom prst="rect">
+              <a:avLst/>
+            </a:prstGeom>
+            <a:noFill/>
+          </p:spPr>
+          <p:style>
+            <a:lnRef idx="2">
+              <a:schemeClr val="accent1">
+                <a:shade val="50000"/>
+              </a:schemeClr>
+            </a:lnRef>
+            <a:fillRef idx="1">
+              <a:schemeClr val="accent1"/>
+            </a:fillRef>
+            <a:effectRef idx="0">
+              <a:schemeClr val="accent1"/>
+            </a:effectRef>
+            <a:fontRef idx="minor">
+              <a:schemeClr val="lt1"/>
+            </a:fontRef>
+          </p:style>
+          <p:txBody>
+            <a:bodyPr rtlCol="0" anchor="ctr"/>
+            <a:lstStyle/>
+            <a:p>
+              <a:pPr algn="ctr"/>
+              <a:r>
+                <a:rPr lang="en-US" sz="2400" dirty="0">
+                  <a:solidFill>
+                    <a:srgbClr val="00B050"/>
+                  </a:solidFill>
+                </a:rPr>
+                <a:t>V4</a:t>
+              </a:r>
+            </a:p>
+          </p:txBody>
+        </p:sp>
+        <p:cxnSp>
+          <p:nvCxnSpPr>
+            <p:cNvPr id="80" name="Straight Arrow Connector 79">
+              <a:extLst>
+                <a:ext uri="{FF2B5EF4-FFF2-40B4-BE49-F238E27FC236}">
+                  <a16:creationId xmlns:a16="http://schemas.microsoft.com/office/drawing/2014/main" id="{A596C475-9749-6F3B-10CF-55ACC6292642}"/>
+                </a:ext>
+              </a:extLst>
+            </p:cNvPr>
+            <p:cNvCxnSpPr>
+              <a:stCxn id="77" idx="4"/>
+              <a:endCxn id="79" idx="0"/>
+            </p:cNvCxnSpPr>
+            <p:nvPr/>
+          </p:nvCxnSpPr>
+          <p:spPr>
+            <a:xfrm>
+              <a:off x="1656932" y="3136728"/>
+              <a:ext cx="1" cy="294875"/>
+            </a:xfrm>
+            <a:prstGeom prst="straightConnector1">
+              <a:avLst/>
+            </a:prstGeom>
+            <a:ln w="9525">
+              <a:tailEnd type="triangle"/>
+            </a:ln>
+          </p:spPr>
+          <p:style>
+            <a:lnRef idx="2">
+              <a:schemeClr val="dk1"/>
+            </a:lnRef>
+            <a:fillRef idx="0">
+              <a:schemeClr val="dk1"/>
+            </a:fillRef>
+            <a:effectRef idx="1">
+              <a:schemeClr val="dk1"/>
+            </a:effectRef>
+            <a:fontRef idx="minor">
+              <a:schemeClr val="tx1"/>
+            </a:fontRef>
+          </p:style>
+        </p:cxnSp>
+        <p:grpSp>
+          <p:nvGrpSpPr>
+            <p:cNvPr id="81" name="Group 80">
+              <a:extLst>
+                <a:ext uri="{FF2B5EF4-FFF2-40B4-BE49-F238E27FC236}">
+                  <a16:creationId xmlns:a16="http://schemas.microsoft.com/office/drawing/2014/main" id="{2A40A7EE-71A9-0CFF-C76A-7465AB3562F9}"/>
+                </a:ext>
+              </a:extLst>
+            </p:cNvPr>
+            <p:cNvGrpSpPr/>
+            <p:nvPr/>
+          </p:nvGrpSpPr>
+          <p:grpSpPr>
+            <a:xfrm>
+              <a:off x="1409819" y="3926435"/>
+              <a:ext cx="684524" cy="464795"/>
+              <a:chOff x="9415878" y="3160675"/>
+              <a:chExt cx="769272" cy="685557"/>
+            </a:xfrm>
+          </p:grpSpPr>
+          <p:sp>
+            <p:nvSpPr>
+              <p:cNvPr id="90" name="Rectangle 89">
+                <a:extLst>
+                  <a:ext uri="{FF2B5EF4-FFF2-40B4-BE49-F238E27FC236}">
+                    <a16:creationId xmlns:a16="http://schemas.microsoft.com/office/drawing/2014/main" id="{8585B30D-DCEA-4888-8501-F647C3632794}"/>
+                  </a:ext>
+                </a:extLst>
+              </p:cNvPr>
+              <p:cNvSpPr/>
+              <p:nvPr/>
+            </p:nvSpPr>
+            <p:spPr>
+              <a:xfrm rot="2871995">
+                <a:off x="9366776" y="3209777"/>
+                <a:ext cx="658929" cy="560726"/>
+              </a:xfrm>
+              <a:prstGeom prst="rect">
+                <a:avLst/>
+              </a:prstGeom>
+              <a:noFill/>
+            </p:spPr>
+            <p:style>
+              <a:lnRef idx="2">
+                <a:schemeClr val="accent1">
+                  <a:shade val="50000"/>
+                </a:schemeClr>
+              </a:lnRef>
+              <a:fillRef idx="1">
+                <a:schemeClr val="accent1"/>
+              </a:fillRef>
+              <a:effectRef idx="0">
+                <a:schemeClr val="accent1"/>
+              </a:effectRef>
+              <a:fontRef idx="minor">
+                <a:schemeClr val="lt1"/>
+              </a:fontRef>
+            </p:style>
+            <p:txBody>
+              <a:bodyPr rtlCol="0" anchor="ctr"/>
+              <a:lstStyle/>
+              <a:p>
+                <a:pPr algn="ctr"/>
+                <a:endParaRPr lang="en-US"/>
+              </a:p>
+            </p:txBody>
+          </p:sp>
+          <p:sp>
+            <p:nvSpPr>
+              <p:cNvPr id="91" name="TextBox 90">
+                <a:extLst>
+                  <a:ext uri="{FF2B5EF4-FFF2-40B4-BE49-F238E27FC236}">
+                    <a16:creationId xmlns:a16="http://schemas.microsoft.com/office/drawing/2014/main" id="{CC9ED1F3-7905-468A-A02A-B8D895D62F4B}"/>
+                  </a:ext>
+                </a:extLst>
+              </p:cNvPr>
+              <p:cNvSpPr txBox="1"/>
+              <p:nvPr/>
+            </p:nvSpPr>
+            <p:spPr>
+              <a:xfrm>
+                <a:off x="9432517" y="3165292"/>
+                <a:ext cx="752633" cy="680940"/>
+              </a:xfrm>
+              <a:prstGeom prst="rect">
+                <a:avLst/>
+              </a:prstGeom>
+              <a:noFill/>
+            </p:spPr>
+            <p:txBody>
+              <a:bodyPr wrap="square" rtlCol="0">
+                <a:spAutoFit/>
+              </a:bodyPr>
+              <a:lstStyle/>
+              <a:p>
+                <a:r>
+                  <a:rPr lang="en-US" sz="2400" dirty="0">
+                    <a:solidFill>
+                      <a:srgbClr val="00B050"/>
+                    </a:solidFill>
+                  </a:rPr>
+                  <a:t>V5</a:t>
+                </a:r>
+              </a:p>
+            </p:txBody>
+          </p:sp>
+        </p:grpSp>
+        <p:cxnSp>
+          <p:nvCxnSpPr>
+            <p:cNvPr id="82" name="Straight Arrow Connector 81">
+              <a:extLst>
+                <a:ext uri="{FF2B5EF4-FFF2-40B4-BE49-F238E27FC236}">
+                  <a16:creationId xmlns:a16="http://schemas.microsoft.com/office/drawing/2014/main" id="{682BAA98-5A3D-D143-5AE2-180D881D4760}"/>
+                </a:ext>
+              </a:extLst>
+            </p:cNvPr>
+            <p:cNvCxnSpPr>
+              <a:cxnSpLocks/>
+              <a:stCxn id="79" idx="2"/>
+            </p:cNvCxnSpPr>
+            <p:nvPr/>
+          </p:nvCxnSpPr>
+          <p:spPr>
+            <a:xfrm flipH="1">
+              <a:off x="1644107" y="3752740"/>
+              <a:ext cx="12825" cy="253200"/>
+            </a:xfrm>
+            <a:prstGeom prst="straightConnector1">
+              <a:avLst/>
+            </a:prstGeom>
+            <a:ln>
+              <a:tailEnd type="triangle"/>
+            </a:ln>
+          </p:spPr>
+          <p:style>
+            <a:lnRef idx="1">
+              <a:schemeClr val="dk1"/>
+            </a:lnRef>
+            <a:fillRef idx="0">
+              <a:schemeClr val="dk1"/>
+            </a:fillRef>
+            <a:effectRef idx="0">
+              <a:schemeClr val="dk1"/>
+            </a:effectRef>
+            <a:fontRef idx="minor">
+              <a:schemeClr val="tx1"/>
+            </a:fontRef>
+          </p:style>
+        </p:cxnSp>
+        <p:cxnSp>
+          <p:nvCxnSpPr>
+            <p:cNvPr id="83" name="Connector: Elbow 82">
+              <a:extLst>
+                <a:ext uri="{FF2B5EF4-FFF2-40B4-BE49-F238E27FC236}">
+                  <a16:creationId xmlns:a16="http://schemas.microsoft.com/office/drawing/2014/main" id="{0692C21C-2B91-71BF-B1D5-586E8A239749}"/>
+                </a:ext>
+              </a:extLst>
+            </p:cNvPr>
+            <p:cNvCxnSpPr>
+              <a:stCxn id="73" idx="3"/>
+              <a:endCxn id="79" idx="3"/>
+            </p:cNvCxnSpPr>
+            <p:nvPr/>
+          </p:nvCxnSpPr>
+          <p:spPr>
+            <a:xfrm flipH="1">
+              <a:off x="2433645" y="2252304"/>
+              <a:ext cx="200951" cy="1339867"/>
+            </a:xfrm>
+            <a:prstGeom prst="bentConnector3">
+              <a:avLst>
+                <a:gd name="adj1" fmla="val -71831"/>
+              </a:avLst>
+            </a:prstGeom>
+            <a:ln>
+              <a:prstDash val="lgDash"/>
+              <a:tailEnd type="triangle"/>
+            </a:ln>
+          </p:spPr>
+          <p:style>
+            <a:lnRef idx="1">
+              <a:schemeClr val="dk1"/>
+            </a:lnRef>
+            <a:fillRef idx="0">
+              <a:schemeClr val="dk1"/>
+            </a:fillRef>
+            <a:effectRef idx="0">
+              <a:schemeClr val="dk1"/>
+            </a:effectRef>
+            <a:fontRef idx="minor">
+              <a:schemeClr val="tx1"/>
+            </a:fontRef>
+          </p:style>
+        </p:cxnSp>
+        <p:sp>
+          <p:nvSpPr>
+            <p:cNvPr id="84" name="Rectangle 83">
+              <a:extLst>
+                <a:ext uri="{FF2B5EF4-FFF2-40B4-BE49-F238E27FC236}">
+                  <a16:creationId xmlns:a16="http://schemas.microsoft.com/office/drawing/2014/main" id="{989CB7EE-E401-2DC6-B818-58CCF3156F00}"/>
+                </a:ext>
+              </a:extLst>
+            </p:cNvPr>
+            <p:cNvSpPr/>
+            <p:nvPr/>
+          </p:nvSpPr>
+          <p:spPr>
+            <a:xfrm>
+              <a:off x="989516" y="4546876"/>
+              <a:ext cx="1334829" cy="321137"/>
+            </a:xfrm>
+            <a:prstGeom prst="rect">
+              <a:avLst/>
+            </a:prstGeom>
+            <a:noFill/>
+          </p:spPr>
+          <p:style>
+            <a:lnRef idx="2">
+              <a:schemeClr val="accent1">
+                <a:shade val="50000"/>
+              </a:schemeClr>
+            </a:lnRef>
+            <a:fillRef idx="1">
+              <a:schemeClr val="accent1"/>
+            </a:fillRef>
+            <a:effectRef idx="0">
+              <a:schemeClr val="accent1"/>
+            </a:effectRef>
+            <a:fontRef idx="minor">
+              <a:schemeClr val="lt1"/>
+            </a:fontRef>
+          </p:style>
+          <p:txBody>
+            <a:bodyPr rtlCol="0" anchor="ctr"/>
+            <a:lstStyle/>
+            <a:p>
+              <a:pPr algn="ctr"/>
+              <a:r>
+                <a:rPr lang="en-US" sz="2400" dirty="0">
+                  <a:solidFill>
+                    <a:srgbClr val="00B050"/>
+                  </a:solidFill>
+                </a:rPr>
+                <a:t>V6</a:t>
+              </a:r>
+            </a:p>
+          </p:txBody>
+        </p:sp>
+        <p:cxnSp>
+          <p:nvCxnSpPr>
+            <p:cNvPr id="85" name="Straight Arrow Connector 84">
+              <a:extLst>
+                <a:ext uri="{FF2B5EF4-FFF2-40B4-BE49-F238E27FC236}">
+                  <a16:creationId xmlns:a16="http://schemas.microsoft.com/office/drawing/2014/main" id="{D1A983B0-AD79-82B0-1FB1-52D0BBDB794A}"/>
+                </a:ext>
+              </a:extLst>
+            </p:cNvPr>
+            <p:cNvCxnSpPr>
+              <a:cxnSpLocks/>
+              <a:endCxn id="84" idx="0"/>
+            </p:cNvCxnSpPr>
+            <p:nvPr/>
+          </p:nvCxnSpPr>
+          <p:spPr>
+            <a:xfrm>
+              <a:off x="1644107" y="4327077"/>
+              <a:ext cx="12824" cy="219799"/>
+            </a:xfrm>
+            <a:prstGeom prst="straightConnector1">
+              <a:avLst/>
+            </a:prstGeom>
+            <a:ln>
+              <a:prstDash val="dash"/>
+              <a:tailEnd type="triangle"/>
+            </a:ln>
+          </p:spPr>
+          <p:style>
+            <a:lnRef idx="1">
+              <a:schemeClr val="dk1"/>
+            </a:lnRef>
+            <a:fillRef idx="0">
+              <a:schemeClr val="dk1"/>
+            </a:fillRef>
+            <a:effectRef idx="0">
+              <a:schemeClr val="dk1"/>
+            </a:effectRef>
+            <a:fontRef idx="minor">
+              <a:schemeClr val="tx1"/>
+            </a:fontRef>
+          </p:style>
+        </p:cxnSp>
+        <p:sp>
+          <p:nvSpPr>
+            <p:cNvPr id="86" name="Rectangle 85">
+              <a:extLst>
+                <a:ext uri="{FF2B5EF4-FFF2-40B4-BE49-F238E27FC236}">
+                  <a16:creationId xmlns:a16="http://schemas.microsoft.com/office/drawing/2014/main" id="{1184010F-305A-6DF6-8006-A691CBB81715}"/>
+                </a:ext>
+              </a:extLst>
+            </p:cNvPr>
+            <p:cNvSpPr/>
+            <p:nvPr/>
+          </p:nvSpPr>
+          <p:spPr>
+            <a:xfrm>
+              <a:off x="742607" y="5114044"/>
+              <a:ext cx="1828646" cy="321137"/>
+            </a:xfrm>
+            <a:prstGeom prst="rect">
+              <a:avLst/>
+            </a:prstGeom>
+            <a:noFill/>
+          </p:spPr>
+          <p:style>
+            <a:lnRef idx="2">
+              <a:schemeClr val="accent1">
+                <a:shade val="50000"/>
+              </a:schemeClr>
+            </a:lnRef>
+            <a:fillRef idx="1">
+              <a:schemeClr val="accent1"/>
+            </a:fillRef>
+            <a:effectRef idx="0">
+              <a:schemeClr val="accent1"/>
+            </a:effectRef>
+            <a:fontRef idx="minor">
+              <a:schemeClr val="lt1"/>
+            </a:fontRef>
+          </p:style>
+          <p:txBody>
+            <a:bodyPr rtlCol="0" anchor="ctr"/>
+            <a:lstStyle/>
+            <a:p>
+              <a:pPr algn="ctr"/>
+              <a:r>
+                <a:rPr lang="en-US" sz="2400" dirty="0">
+                  <a:solidFill>
+                    <a:srgbClr val="00B050"/>
+                  </a:solidFill>
+                </a:rPr>
+                <a:t>V7</a:t>
+              </a:r>
+            </a:p>
+          </p:txBody>
+        </p:sp>
+        <p:cxnSp>
+          <p:nvCxnSpPr>
+            <p:cNvPr id="87" name="Straight Arrow Connector 86">
+              <a:extLst>
+                <a:ext uri="{FF2B5EF4-FFF2-40B4-BE49-F238E27FC236}">
+                  <a16:creationId xmlns:a16="http://schemas.microsoft.com/office/drawing/2014/main" id="{D3B208E2-5AE0-8407-E57E-21D30FA09B26}"/>
+                </a:ext>
+              </a:extLst>
+            </p:cNvPr>
+            <p:cNvCxnSpPr>
+              <a:cxnSpLocks/>
+              <a:stCxn id="84" idx="2"/>
+              <a:endCxn id="86" idx="0"/>
+            </p:cNvCxnSpPr>
+            <p:nvPr/>
+          </p:nvCxnSpPr>
+          <p:spPr>
+            <a:xfrm flipH="1">
+              <a:off x="1656930" y="4868013"/>
+              <a:ext cx="1" cy="246032"/>
+            </a:xfrm>
+            <a:prstGeom prst="straightConnector1">
+              <a:avLst/>
+            </a:prstGeom>
+            <a:ln>
+              <a:prstDash val="lgDash"/>
+              <a:tailEnd type="triangle"/>
+            </a:ln>
+          </p:spPr>
+          <p:style>
+            <a:lnRef idx="1">
+              <a:schemeClr val="dk1"/>
+            </a:lnRef>
+            <a:fillRef idx="0">
+              <a:schemeClr val="dk1"/>
+            </a:fillRef>
+            <a:effectRef idx="0">
+              <a:schemeClr val="dk1"/>
+            </a:effectRef>
+            <a:fontRef idx="minor">
+              <a:schemeClr val="tx1"/>
+            </a:fontRef>
+          </p:style>
+        </p:cxnSp>
+        <p:cxnSp>
+          <p:nvCxnSpPr>
+            <p:cNvPr id="88" name="Connector: Elbow 87">
+              <a:extLst>
+                <a:ext uri="{FF2B5EF4-FFF2-40B4-BE49-F238E27FC236}">
+                  <a16:creationId xmlns:a16="http://schemas.microsoft.com/office/drawing/2014/main" id="{ED9403B9-CEF7-5CE1-56CF-2B82C0EFB8AA}"/>
+                </a:ext>
+              </a:extLst>
+            </p:cNvPr>
+            <p:cNvCxnSpPr>
+              <a:cxnSpLocks/>
+              <a:stCxn id="91" idx="3"/>
+              <a:endCxn id="86" idx="3"/>
+            </p:cNvCxnSpPr>
+            <p:nvPr/>
+          </p:nvCxnSpPr>
+          <p:spPr>
+            <a:xfrm>
+              <a:off x="2094343" y="4160398"/>
+              <a:ext cx="476910" cy="1114215"/>
+            </a:xfrm>
+            <a:prstGeom prst="bentConnector3">
+              <a:avLst>
+                <a:gd name="adj1" fmla="val 147934"/>
+              </a:avLst>
+            </a:prstGeom>
+            <a:ln>
+              <a:prstDash val="lgDash"/>
+              <a:tailEnd type="triangle"/>
+            </a:ln>
+          </p:spPr>
+          <p:style>
+            <a:lnRef idx="1">
+              <a:schemeClr val="dk1"/>
+            </a:lnRef>
+            <a:fillRef idx="0">
+              <a:schemeClr val="dk1"/>
+            </a:fillRef>
+            <a:effectRef idx="0">
+              <a:schemeClr val="dk1"/>
+            </a:effectRef>
+            <a:fontRef idx="minor">
+              <a:schemeClr val="tx1"/>
+            </a:fontRef>
+          </p:style>
+        </p:cxnSp>
+        <p:sp>
+          <p:nvSpPr>
+            <p:cNvPr id="89" name="Rectangle 88">
+              <a:extLst>
+                <a:ext uri="{FF2B5EF4-FFF2-40B4-BE49-F238E27FC236}">
+                  <a16:creationId xmlns:a16="http://schemas.microsoft.com/office/drawing/2014/main" id="{514038D9-3290-A444-2F4E-AA3A12380609}"/>
+                </a:ext>
+              </a:extLst>
+            </p:cNvPr>
+            <p:cNvSpPr/>
+            <p:nvPr/>
+          </p:nvSpPr>
+          <p:spPr>
+            <a:xfrm>
+              <a:off x="1124085" y="750026"/>
+              <a:ext cx="1040045" cy="476410"/>
+            </a:xfrm>
+            <a:prstGeom prst="rect">
+              <a:avLst/>
+            </a:prstGeom>
+            <a:noFill/>
+            <a:ln>
+              <a:noFill/>
+            </a:ln>
+          </p:spPr>
+          <p:style>
+            <a:lnRef idx="2">
+              <a:schemeClr val="accent1">
+                <a:shade val="50000"/>
+              </a:schemeClr>
+            </a:lnRef>
+            <a:fillRef idx="1">
+              <a:schemeClr val="accent1"/>
+            </a:fillRef>
+            <a:effectRef idx="0">
+              <a:schemeClr val="accent1"/>
+            </a:effectRef>
+            <a:fontRef idx="minor">
+              <a:schemeClr val="lt1"/>
+            </a:fontRef>
+          </p:style>
+          <p:txBody>
+            <a:bodyPr rtlCol="0" anchor="ctr"/>
+            <a:lstStyle/>
+            <a:p>
+              <a:pPr algn="ctr"/>
+              <a:r>
+                <a:rPr lang="en-US" sz="3200" dirty="0">
+                  <a:solidFill>
+                    <a:schemeClr val="tx1"/>
+                  </a:solidFill>
+                </a:rPr>
+                <a:t>AUG</a:t>
+              </a:r>
+            </a:p>
+          </p:txBody>
+        </p:sp>
+      </p:grpSp>
+      <p:sp>
+        <p:nvSpPr>
+          <p:cNvPr id="92" name="Arrow: Right 91">
+            <a:extLst>
+              <a:ext uri="{FF2B5EF4-FFF2-40B4-BE49-F238E27FC236}">
+                <a16:creationId xmlns:a16="http://schemas.microsoft.com/office/drawing/2014/main" id="{FA683EC7-18A6-AF5B-DF30-95078BB05B2B}"/>
+              </a:ext>
+            </a:extLst>
+          </p:cNvPr>
+          <p:cNvSpPr/>
+          <p:nvPr/>
+        </p:nvSpPr>
+        <p:spPr>
+          <a:xfrm>
+            <a:off x="5154379" y="3335754"/>
+            <a:ext cx="421461" cy="186489"/>
+          </a:xfrm>
+          <a:prstGeom prst="rightArrow">
+            <a:avLst/>
+          </a:prstGeom>
+        </p:spPr>
+        <p:style>
+          <a:lnRef idx="2">
+            <a:schemeClr val="accent1">
+              <a:shade val="50000"/>
+            </a:schemeClr>
+          </a:lnRef>
+          <a:fillRef idx="1">
+            <a:schemeClr val="accent1"/>
+          </a:fillRef>
+          <a:effectRef idx="0">
+            <a:schemeClr val="accent1"/>
+          </a:effectRef>
+          <a:fontRef idx="minor">
+            <a:schemeClr val="lt1"/>
+          </a:fontRef>
+        </p:style>
+        <p:txBody>
+          <a:bodyPr rtlCol="0" anchor="ctr"/>
+          <a:lstStyle/>
+          <a:p>
+            <a:pPr algn="ctr"/>
+            <a:endParaRPr lang="en-US"/>
+          </a:p>
+        </p:txBody>
+      </p:sp>
+      <p:sp>
+        <p:nvSpPr>
+          <p:cNvPr id="93" name="TextBox 92">
+            <a:extLst>
+              <a:ext uri="{FF2B5EF4-FFF2-40B4-BE49-F238E27FC236}">
+                <a16:creationId xmlns:a16="http://schemas.microsoft.com/office/drawing/2014/main" id="{BAAE40D1-F3BF-2929-09EE-3887658456D4}"/>
+              </a:ext>
+            </a:extLst>
+          </p:cNvPr>
+          <p:cNvSpPr txBox="1"/>
+          <p:nvPr/>
+        </p:nvSpPr>
+        <p:spPr>
+          <a:xfrm>
+            <a:off x="8370260" y="2817510"/>
+            <a:ext cx="1551960" cy="1200329"/>
+          </a:xfrm>
+          <a:prstGeom prst="rect">
+            <a:avLst/>
+          </a:prstGeom>
+        </p:spPr>
+        <p:style>
+          <a:lnRef idx="1">
+            <a:schemeClr val="accent5"/>
+          </a:lnRef>
+          <a:fillRef idx="2">
+            <a:schemeClr val="accent5"/>
+          </a:fillRef>
+          <a:effectRef idx="1">
+            <a:schemeClr val="accent5"/>
+          </a:effectRef>
+          <a:fontRef idx="minor">
+            <a:schemeClr val="dk1"/>
+          </a:fontRef>
+        </p:style>
+        <p:txBody>
+          <a:bodyPr wrap="square" rtlCol="0">
+            <a:spAutoFit/>
+          </a:bodyPr>
+          <a:lstStyle/>
+          <a:p>
+            <a:pPr algn="ctr"/>
+            <a:r>
+              <a:rPr lang="en-US" dirty="0"/>
+              <a:t>Labeled </a:t>
+            </a:r>
+          </a:p>
+          <a:p>
+            <a:pPr algn="ctr"/>
+            <a:r>
+              <a:rPr lang="en-US" dirty="0"/>
+              <a:t>Graph-Based </a:t>
+            </a:r>
+          </a:p>
+          <a:p>
+            <a:pPr algn="ctr"/>
+            <a:r>
+              <a:rPr lang="en-US" dirty="0"/>
+              <a:t>Convolutional </a:t>
+            </a:r>
+          </a:p>
+          <a:p>
+            <a:pPr algn="ctr"/>
+            <a:r>
+              <a:rPr lang="en-US" dirty="0"/>
+              <a:t>Network</a:t>
+            </a:r>
+          </a:p>
+        </p:txBody>
+      </p:sp>
+      <p:sp>
+        <p:nvSpPr>
+          <p:cNvPr id="94" name="Arrow: Right 93">
+            <a:extLst>
+              <a:ext uri="{FF2B5EF4-FFF2-40B4-BE49-F238E27FC236}">
+                <a16:creationId xmlns:a16="http://schemas.microsoft.com/office/drawing/2014/main" id="{828D3140-80CB-056D-9793-E4009AB55530}"/>
+              </a:ext>
+            </a:extLst>
+          </p:cNvPr>
+          <p:cNvSpPr/>
+          <p:nvPr/>
+        </p:nvSpPr>
+        <p:spPr>
+          <a:xfrm>
+            <a:off x="7858561" y="3338504"/>
+            <a:ext cx="421461" cy="186489"/>
+          </a:xfrm>
+          <a:prstGeom prst="rightArrow">
+            <a:avLst/>
+          </a:prstGeom>
+        </p:spPr>
+        <p:style>
+          <a:lnRef idx="2">
+            <a:schemeClr val="accent1">
+              <a:shade val="50000"/>
+            </a:schemeClr>
+          </a:lnRef>
+          <a:fillRef idx="1">
+            <a:schemeClr val="accent1"/>
+          </a:fillRef>
+          <a:effectRef idx="0">
+            <a:schemeClr val="accent1"/>
+          </a:effectRef>
+          <a:fontRef idx="minor">
+            <a:schemeClr val="lt1"/>
+          </a:fontRef>
+        </p:style>
+        <p:txBody>
+          <a:bodyPr rtlCol="0" anchor="ctr"/>
+          <a:lstStyle/>
+          <a:p>
+            <a:pPr algn="ctr"/>
+            <a:endParaRPr lang="en-US"/>
+          </a:p>
+        </p:txBody>
+      </p:sp>
+      <p:sp>
+        <p:nvSpPr>
+          <p:cNvPr id="95" name="Arrow: Right 94">
+            <a:extLst>
+              <a:ext uri="{FF2B5EF4-FFF2-40B4-BE49-F238E27FC236}">
+                <a16:creationId xmlns:a16="http://schemas.microsoft.com/office/drawing/2014/main" id="{A9415C15-CC7B-B420-E42A-08844CB31634}"/>
+              </a:ext>
+            </a:extLst>
+          </p:cNvPr>
+          <p:cNvSpPr/>
+          <p:nvPr/>
+        </p:nvSpPr>
+        <p:spPr>
+          <a:xfrm>
+            <a:off x="10002188" y="3352536"/>
+            <a:ext cx="421461" cy="186489"/>
+          </a:xfrm>
+          <a:prstGeom prst="rightArrow">
+            <a:avLst/>
+          </a:prstGeom>
+        </p:spPr>
+        <p:style>
+          <a:lnRef idx="2">
+            <a:schemeClr val="accent1">
+              <a:shade val="50000"/>
+            </a:schemeClr>
+          </a:lnRef>
+          <a:fillRef idx="1">
+            <a:schemeClr val="accent1"/>
+          </a:fillRef>
+          <a:effectRef idx="0">
+            <a:schemeClr val="accent1"/>
+          </a:effectRef>
+          <a:fontRef idx="minor">
+            <a:schemeClr val="lt1"/>
+          </a:fontRef>
+        </p:style>
+        <p:txBody>
+          <a:bodyPr rtlCol="0" anchor="ctr"/>
+          <a:lstStyle/>
+          <a:p>
+            <a:pPr algn="ctr"/>
+            <a:endParaRPr lang="en-US"/>
+          </a:p>
+        </p:txBody>
+      </p:sp>
+      <p:sp>
+        <p:nvSpPr>
+          <p:cNvPr id="96" name="Rectangle 95">
+            <a:extLst>
+              <a:ext uri="{FF2B5EF4-FFF2-40B4-BE49-F238E27FC236}">
+                <a16:creationId xmlns:a16="http://schemas.microsoft.com/office/drawing/2014/main" id="{D4675CC3-6277-13C6-6E0F-C41506201477}"/>
+              </a:ext>
+            </a:extLst>
+          </p:cNvPr>
+          <p:cNvSpPr/>
+          <p:nvPr/>
+        </p:nvSpPr>
+        <p:spPr>
+          <a:xfrm>
+            <a:off x="10536811" y="2817510"/>
+            <a:ext cx="249696" cy="1200329"/>
+          </a:xfrm>
+          <a:prstGeom prst="rect">
+            <a:avLst/>
+          </a:prstGeom>
+        </p:spPr>
+        <p:style>
+          <a:lnRef idx="1">
+            <a:schemeClr val="accent5"/>
+          </a:lnRef>
+          <a:fillRef idx="2">
+            <a:schemeClr val="accent5"/>
+          </a:fillRef>
+          <a:effectRef idx="1">
+            <a:schemeClr val="accent5"/>
+          </a:effectRef>
+          <a:fontRef idx="minor">
+            <a:schemeClr val="dk1"/>
+          </a:fontRef>
+        </p:style>
+        <p:txBody>
+          <a:bodyPr rtlCol="0" anchor="ctr"/>
+          <a:lstStyle/>
+          <a:p>
+            <a:pPr algn="ctr"/>
+            <a:endParaRPr lang="en-US"/>
+          </a:p>
+        </p:txBody>
+      </p:sp>
+      <p:sp>
+        <p:nvSpPr>
+          <p:cNvPr id="98" name="TextBox 97">
+            <a:extLst>
+              <a:ext uri="{FF2B5EF4-FFF2-40B4-BE49-F238E27FC236}">
+                <a16:creationId xmlns:a16="http://schemas.microsoft.com/office/drawing/2014/main" id="{B15FAD51-1C27-B241-0F69-23BD5D3FCFD6}"/>
+              </a:ext>
+            </a:extLst>
+          </p:cNvPr>
+          <p:cNvSpPr txBox="1"/>
+          <p:nvPr/>
+        </p:nvSpPr>
+        <p:spPr>
+          <a:xfrm>
+            <a:off x="10111858" y="2414190"/>
+            <a:ext cx="1099602" cy="369332"/>
+          </a:xfrm>
+          <a:prstGeom prst="rect">
+            <a:avLst/>
+          </a:prstGeom>
+          <a:noFill/>
+        </p:spPr>
+        <p:txBody>
+          <a:bodyPr wrap="square">
+            <a:spAutoFit/>
+          </a:bodyPr>
+          <a:lstStyle/>
+          <a:p>
+            <a:pPr algn="ctr"/>
+            <a:r>
+              <a:rPr lang="en-US" dirty="0"/>
+              <a:t>Classifier </a:t>
+            </a:r>
+          </a:p>
+        </p:txBody>
+      </p:sp>
+      <p:sp>
+        <p:nvSpPr>
+          <p:cNvPr id="100" name="TextBox 99">
+            <a:extLst>
+              <a:ext uri="{FF2B5EF4-FFF2-40B4-BE49-F238E27FC236}">
+                <a16:creationId xmlns:a16="http://schemas.microsoft.com/office/drawing/2014/main" id="{B0634F89-D1E3-0999-AE25-529FB0F436BB}"/>
+              </a:ext>
+            </a:extLst>
+          </p:cNvPr>
+          <p:cNvSpPr txBox="1"/>
+          <p:nvPr/>
+        </p:nvSpPr>
+        <p:spPr>
+          <a:xfrm>
+            <a:off x="10002188" y="3059666"/>
+            <a:ext cx="421461" cy="369332"/>
+          </a:xfrm>
+          <a:prstGeom prst="rect">
+            <a:avLst/>
+          </a:prstGeom>
+          <a:noFill/>
+        </p:spPr>
+        <p:txBody>
+          <a:bodyPr wrap="square">
+            <a:spAutoFit/>
+          </a:bodyPr>
+          <a:lstStyle/>
+          <a:p>
+            <a:r>
+              <a:rPr lang="en-US" sz="1800" dirty="0">
+                <a:solidFill>
+                  <a:srgbClr val="00B050"/>
+                </a:solidFill>
+              </a:rPr>
+              <a:t>V</a:t>
+            </a:r>
+            <a:endParaRPr lang="en-US" dirty="0"/>
+          </a:p>
+        </p:txBody>
+      </p:sp>
+      <p:sp>
+        <p:nvSpPr>
+          <p:cNvPr id="101" name="Arrow: Right 100">
+            <a:extLst>
+              <a:ext uri="{FF2B5EF4-FFF2-40B4-BE49-F238E27FC236}">
+                <a16:creationId xmlns:a16="http://schemas.microsoft.com/office/drawing/2014/main" id="{04912007-1CF5-63E2-C5FA-102C461AC781}"/>
+              </a:ext>
+            </a:extLst>
+          </p:cNvPr>
+          <p:cNvSpPr/>
+          <p:nvPr/>
+        </p:nvSpPr>
+        <p:spPr>
+          <a:xfrm>
+            <a:off x="10886600" y="3352536"/>
+            <a:ext cx="421461" cy="186489"/>
+          </a:xfrm>
+          <a:prstGeom prst="rightArrow">
+            <a:avLst/>
+          </a:prstGeom>
+        </p:spPr>
+        <p:style>
+          <a:lnRef idx="2">
+            <a:schemeClr val="accent1">
+              <a:shade val="50000"/>
+            </a:schemeClr>
+          </a:lnRef>
+          <a:fillRef idx="1">
+            <a:schemeClr val="accent1"/>
+          </a:fillRef>
+          <a:effectRef idx="0">
+            <a:schemeClr val="accent1"/>
+          </a:effectRef>
+          <a:fontRef idx="minor">
+            <a:schemeClr val="lt1"/>
+          </a:fontRef>
+        </p:style>
+        <p:txBody>
+          <a:bodyPr rtlCol="0" anchor="ctr"/>
+          <a:lstStyle/>
+          <a:p>
+            <a:pPr algn="ctr"/>
+            <a:endParaRPr lang="en-US"/>
+          </a:p>
+        </p:txBody>
+      </p:sp>
+      <p:sp>
+        <p:nvSpPr>
+          <p:cNvPr id="102" name="TextBox 101">
+            <a:extLst>
+              <a:ext uri="{FF2B5EF4-FFF2-40B4-BE49-F238E27FC236}">
+                <a16:creationId xmlns:a16="http://schemas.microsoft.com/office/drawing/2014/main" id="{CE29F0F7-E0A6-76C7-4296-D79500E32192}"/>
+              </a:ext>
+            </a:extLst>
+          </p:cNvPr>
+          <p:cNvSpPr txBox="1"/>
+          <p:nvPr/>
+        </p:nvSpPr>
+        <p:spPr>
+          <a:xfrm>
+            <a:off x="11185495" y="3059666"/>
+            <a:ext cx="945213" cy="646331"/>
+          </a:xfrm>
+          <a:prstGeom prst="rect">
+            <a:avLst/>
+          </a:prstGeom>
+          <a:noFill/>
+        </p:spPr>
+        <p:txBody>
+          <a:bodyPr wrap="square">
+            <a:spAutoFit/>
+          </a:bodyPr>
+          <a:lstStyle/>
+          <a:p>
+            <a:pPr algn="ctr"/>
+            <a:r>
+              <a:rPr lang="en-US" dirty="0"/>
+              <a:t>Misuse</a:t>
+            </a:r>
+          </a:p>
+          <a:p>
+            <a:pPr algn="ctr"/>
+            <a:r>
+              <a:rPr lang="en-US" dirty="0"/>
+              <a:t>Y/N</a:t>
+            </a:r>
+          </a:p>
+        </p:txBody>
+      </p:sp>
+    </p:spTree>
+    <p:extLst>
+      <p:ext uri="{BB962C8B-B14F-4D97-AF65-F5344CB8AC3E}">
+        <p14:creationId xmlns:p14="http://schemas.microsoft.com/office/powerpoint/2010/main" val="664763575"/>
+      </p:ext>
+    </p:extLst>
+  </p:cSld>
+  <p:clrMapOvr>
+    <a:masterClrMapping/>
+  </p:clrMapOvr>
+</p:sld>
+</file>
+
 <file path=ppt/theme/theme1.xml><?xml version="1.0" encoding="utf-8"?>
 <a:theme xmlns:a="http://schemas.openxmlformats.org/drawingml/2006/main" name="Office Theme">
   <a:themeElements>

--- a/figures.pptx
+++ b/figures.pptx
@@ -261,7 +261,7 @@
           <a:p>
             <a:fld id="{14C50D8D-A8BF-4BB2-8C54-3478D41A1FD8}" type="datetimeFigureOut">
               <a:rPr lang="en-US" smtClean="0"/>
-              <a:t>4/25/2023</a:t>
+              <a:t>4/26/2023</a:t>
             </a:fld>
             <a:endParaRPr lang="en-US"/>
           </a:p>
@@ -459,7 +459,7 @@
           <a:p>
             <a:fld id="{14C50D8D-A8BF-4BB2-8C54-3478D41A1FD8}" type="datetimeFigureOut">
               <a:rPr lang="en-US" smtClean="0"/>
-              <a:t>4/25/2023</a:t>
+              <a:t>4/26/2023</a:t>
             </a:fld>
             <a:endParaRPr lang="en-US"/>
           </a:p>
@@ -667,7 +667,7 @@
           <a:p>
             <a:fld id="{14C50D8D-A8BF-4BB2-8C54-3478D41A1FD8}" type="datetimeFigureOut">
               <a:rPr lang="en-US" smtClean="0"/>
-              <a:t>4/25/2023</a:t>
+              <a:t>4/26/2023</a:t>
             </a:fld>
             <a:endParaRPr lang="en-US"/>
           </a:p>
@@ -865,7 +865,7 @@
           <a:p>
             <a:fld id="{14C50D8D-A8BF-4BB2-8C54-3478D41A1FD8}" type="datetimeFigureOut">
               <a:rPr lang="en-US" smtClean="0"/>
-              <a:t>4/25/2023</a:t>
+              <a:t>4/26/2023</a:t>
             </a:fld>
             <a:endParaRPr lang="en-US"/>
           </a:p>
@@ -1140,7 +1140,7 @@
           <a:p>
             <a:fld id="{14C50D8D-A8BF-4BB2-8C54-3478D41A1FD8}" type="datetimeFigureOut">
               <a:rPr lang="en-US" smtClean="0"/>
-              <a:t>4/25/2023</a:t>
+              <a:t>4/26/2023</a:t>
             </a:fld>
             <a:endParaRPr lang="en-US"/>
           </a:p>
@@ -1405,7 +1405,7 @@
           <a:p>
             <a:fld id="{14C50D8D-A8BF-4BB2-8C54-3478D41A1FD8}" type="datetimeFigureOut">
               <a:rPr lang="en-US" smtClean="0"/>
-              <a:t>4/25/2023</a:t>
+              <a:t>4/26/2023</a:t>
             </a:fld>
             <a:endParaRPr lang="en-US"/>
           </a:p>
@@ -1817,7 +1817,7 @@
           <a:p>
             <a:fld id="{14C50D8D-A8BF-4BB2-8C54-3478D41A1FD8}" type="datetimeFigureOut">
               <a:rPr lang="en-US" smtClean="0"/>
-              <a:t>4/25/2023</a:t>
+              <a:t>4/26/2023</a:t>
             </a:fld>
             <a:endParaRPr lang="en-US"/>
           </a:p>
@@ -1958,7 +1958,7 @@
           <a:p>
             <a:fld id="{14C50D8D-A8BF-4BB2-8C54-3478D41A1FD8}" type="datetimeFigureOut">
               <a:rPr lang="en-US" smtClean="0"/>
-              <a:t>4/25/2023</a:t>
+              <a:t>4/26/2023</a:t>
             </a:fld>
             <a:endParaRPr lang="en-US"/>
           </a:p>
@@ -2071,7 +2071,7 @@
           <a:p>
             <a:fld id="{14C50D8D-A8BF-4BB2-8C54-3478D41A1FD8}" type="datetimeFigureOut">
               <a:rPr lang="en-US" smtClean="0"/>
-              <a:t>4/25/2023</a:t>
+              <a:t>4/26/2023</a:t>
             </a:fld>
             <a:endParaRPr lang="en-US"/>
           </a:p>
@@ -2382,7 +2382,7 @@
           <a:p>
             <a:fld id="{14C50D8D-A8BF-4BB2-8C54-3478D41A1FD8}" type="datetimeFigureOut">
               <a:rPr lang="en-US" smtClean="0"/>
-              <a:t>4/25/2023</a:t>
+              <a:t>4/26/2023</a:t>
             </a:fld>
             <a:endParaRPr lang="en-US"/>
           </a:p>
@@ -2670,7 +2670,7 @@
           <a:p>
             <a:fld id="{14C50D8D-A8BF-4BB2-8C54-3478D41A1FD8}" type="datetimeFigureOut">
               <a:rPr lang="en-US" smtClean="0"/>
-              <a:t>4/25/2023</a:t>
+              <a:t>4/26/2023</a:t>
             </a:fld>
             <a:endParaRPr lang="en-US"/>
           </a:p>
@@ -2911,7 +2911,7 @@
           <a:p>
             <a:fld id="{14C50D8D-A8BF-4BB2-8C54-3478D41A1FD8}" type="datetimeFigureOut">
               <a:rPr lang="en-US" smtClean="0"/>
-              <a:t>4/25/2023</a:t>
+              <a:t>4/26/2023</a:t>
             </a:fld>
             <a:endParaRPr lang="en-US"/>
           </a:p>
@@ -6295,8 +6295,8 @@
         </p:nvGrpSpPr>
         <p:grpSpPr>
           <a:xfrm>
-            <a:off x="679268" y="750026"/>
-            <a:ext cx="1955328" cy="4685155"/>
+            <a:off x="2147612" y="1433275"/>
+            <a:ext cx="1750657" cy="4292181"/>
             <a:chOff x="679268" y="750026"/>
             <a:chExt cx="1955328" cy="4685155"/>
           </a:xfrm>
@@ -7205,8 +7205,8 @@
         </p:nvSpPr>
         <p:spPr>
           <a:xfrm>
-            <a:off x="3411308" y="2956010"/>
-            <a:ext cx="1669368" cy="923330"/>
+            <a:off x="4556897" y="3006773"/>
+            <a:ext cx="1606920" cy="923330"/>
           </a:xfrm>
           <a:prstGeom prst="rect">
             <a:avLst/>
@@ -7227,7 +7227,7 @@
           </a:fontRef>
         </p:style>
         <p:txBody>
-          <a:bodyPr wrap="none" rtlCol="0">
+          <a:bodyPr wrap="square" rtlCol="0">
             <a:spAutoFit/>
           </a:bodyPr>
           <a:lstStyle/>
@@ -7268,7 +7268,7 @@
         </p:nvSpPr>
         <p:spPr>
           <a:xfrm>
-            <a:off x="2916144" y="3335755"/>
+            <a:off x="4097862" y="3398927"/>
             <a:ext cx="421461" cy="186489"/>
           </a:xfrm>
           <a:prstGeom prst="rightArrow">
@@ -7300,12 +7300,433 @@
           </a:p>
         </p:txBody>
       </p:sp>
+      <p:sp>
+        <p:nvSpPr>
+          <p:cNvPr id="92" name="Arrow: Right 91">
+            <a:extLst>
+              <a:ext uri="{FF2B5EF4-FFF2-40B4-BE49-F238E27FC236}">
+                <a16:creationId xmlns:a16="http://schemas.microsoft.com/office/drawing/2014/main" id="{FA683EC7-18A6-AF5B-DF30-95078BB05B2B}"/>
+              </a:ext>
+            </a:extLst>
+          </p:cNvPr>
+          <p:cNvSpPr/>
+          <p:nvPr/>
+        </p:nvSpPr>
+        <p:spPr>
+          <a:xfrm>
+            <a:off x="6226557" y="3412582"/>
+            <a:ext cx="421461" cy="186489"/>
+          </a:xfrm>
+          <a:prstGeom prst="rightArrow">
+            <a:avLst/>
+          </a:prstGeom>
+        </p:spPr>
+        <p:style>
+          <a:lnRef idx="2">
+            <a:schemeClr val="accent1">
+              <a:shade val="50000"/>
+            </a:schemeClr>
+          </a:lnRef>
+          <a:fillRef idx="1">
+            <a:schemeClr val="accent1"/>
+          </a:fillRef>
+          <a:effectRef idx="0">
+            <a:schemeClr val="accent1"/>
+          </a:effectRef>
+          <a:fontRef idx="minor">
+            <a:schemeClr val="lt1"/>
+          </a:fontRef>
+        </p:style>
+        <p:txBody>
+          <a:bodyPr rtlCol="0" anchor="ctr"/>
+          <a:lstStyle/>
+          <a:p>
+            <a:pPr algn="ctr"/>
+            <a:endParaRPr lang="en-US"/>
+          </a:p>
+        </p:txBody>
+      </p:sp>
+      <p:sp>
+        <p:nvSpPr>
+          <p:cNvPr id="93" name="TextBox 92">
+            <a:extLst>
+              <a:ext uri="{FF2B5EF4-FFF2-40B4-BE49-F238E27FC236}">
+                <a16:creationId xmlns:a16="http://schemas.microsoft.com/office/drawing/2014/main" id="{BAAE40D1-F3BF-2929-09EE-3887658456D4}"/>
+              </a:ext>
+            </a:extLst>
+          </p:cNvPr>
+          <p:cNvSpPr txBox="1"/>
+          <p:nvPr/>
+        </p:nvSpPr>
+        <p:spPr>
+          <a:xfrm>
+            <a:off x="8884608" y="2885956"/>
+            <a:ext cx="1483013" cy="1200329"/>
+          </a:xfrm>
+          <a:prstGeom prst="rect">
+            <a:avLst/>
+          </a:prstGeom>
+        </p:spPr>
+        <p:style>
+          <a:lnRef idx="1">
+            <a:schemeClr val="accent5"/>
+          </a:lnRef>
+          <a:fillRef idx="2">
+            <a:schemeClr val="accent5"/>
+          </a:fillRef>
+          <a:effectRef idx="1">
+            <a:schemeClr val="accent5"/>
+          </a:effectRef>
+          <a:fontRef idx="minor">
+            <a:schemeClr val="dk1"/>
+          </a:fontRef>
+        </p:style>
+        <p:txBody>
+          <a:bodyPr wrap="square" rtlCol="0">
+            <a:spAutoFit/>
+          </a:bodyPr>
+          <a:lstStyle/>
+          <a:p>
+            <a:pPr algn="ctr"/>
+            <a:r>
+              <a:rPr lang="en-US" dirty="0"/>
+              <a:t>Labeled </a:t>
+            </a:r>
+          </a:p>
+          <a:p>
+            <a:pPr algn="ctr"/>
+            <a:r>
+              <a:rPr lang="en-US" dirty="0"/>
+              <a:t>Graph-Based </a:t>
+            </a:r>
+          </a:p>
+          <a:p>
+            <a:pPr algn="ctr"/>
+            <a:r>
+              <a:rPr lang="en-US" dirty="0"/>
+              <a:t>Convolutional </a:t>
+            </a:r>
+          </a:p>
+          <a:p>
+            <a:pPr algn="ctr"/>
+            <a:r>
+              <a:rPr lang="en-US" dirty="0"/>
+              <a:t>Network</a:t>
+            </a:r>
+          </a:p>
+        </p:txBody>
+      </p:sp>
+      <p:sp>
+        <p:nvSpPr>
+          <p:cNvPr id="94" name="Arrow: Right 93">
+            <a:extLst>
+              <a:ext uri="{FF2B5EF4-FFF2-40B4-BE49-F238E27FC236}">
+                <a16:creationId xmlns:a16="http://schemas.microsoft.com/office/drawing/2014/main" id="{828D3140-80CB-056D-9793-E4009AB55530}"/>
+              </a:ext>
+            </a:extLst>
+          </p:cNvPr>
+          <p:cNvSpPr/>
+          <p:nvPr/>
+        </p:nvSpPr>
+        <p:spPr>
+          <a:xfrm>
+            <a:off x="8447216" y="3392877"/>
+            <a:ext cx="421461" cy="186489"/>
+          </a:xfrm>
+          <a:prstGeom prst="rightArrow">
+            <a:avLst/>
+          </a:prstGeom>
+        </p:spPr>
+        <p:style>
+          <a:lnRef idx="2">
+            <a:schemeClr val="accent1">
+              <a:shade val="50000"/>
+            </a:schemeClr>
+          </a:lnRef>
+          <a:fillRef idx="1">
+            <a:schemeClr val="accent1"/>
+          </a:fillRef>
+          <a:effectRef idx="0">
+            <a:schemeClr val="accent1"/>
+          </a:effectRef>
+          <a:fontRef idx="minor">
+            <a:schemeClr val="lt1"/>
+          </a:fontRef>
+        </p:style>
+        <p:txBody>
+          <a:bodyPr rtlCol="0" anchor="ctr"/>
+          <a:lstStyle/>
+          <a:p>
+            <a:pPr algn="ctr"/>
+            <a:endParaRPr lang="en-US"/>
+          </a:p>
+        </p:txBody>
+      </p:sp>
+      <p:sp>
+        <p:nvSpPr>
+          <p:cNvPr id="95" name="Arrow: Right 94">
+            <a:extLst>
+              <a:ext uri="{FF2B5EF4-FFF2-40B4-BE49-F238E27FC236}">
+                <a16:creationId xmlns:a16="http://schemas.microsoft.com/office/drawing/2014/main" id="{A9415C15-CC7B-B420-E42A-08844CB31634}"/>
+              </a:ext>
+            </a:extLst>
+          </p:cNvPr>
+          <p:cNvSpPr/>
+          <p:nvPr/>
+        </p:nvSpPr>
+        <p:spPr>
+          <a:xfrm>
+            <a:off x="10439613" y="3382828"/>
+            <a:ext cx="421461" cy="186489"/>
+          </a:xfrm>
+          <a:prstGeom prst="rightArrow">
+            <a:avLst/>
+          </a:prstGeom>
+        </p:spPr>
+        <p:style>
+          <a:lnRef idx="2">
+            <a:schemeClr val="accent1">
+              <a:shade val="50000"/>
+            </a:schemeClr>
+          </a:lnRef>
+          <a:fillRef idx="1">
+            <a:schemeClr val="accent1"/>
+          </a:fillRef>
+          <a:effectRef idx="0">
+            <a:schemeClr val="accent1"/>
+          </a:effectRef>
+          <a:fontRef idx="minor">
+            <a:schemeClr val="lt1"/>
+          </a:fontRef>
+        </p:style>
+        <p:txBody>
+          <a:bodyPr rtlCol="0" anchor="ctr"/>
+          <a:lstStyle/>
+          <a:p>
+            <a:pPr algn="ctr"/>
+            <a:endParaRPr lang="en-US"/>
+          </a:p>
+        </p:txBody>
+      </p:sp>
+      <p:sp>
+        <p:nvSpPr>
+          <p:cNvPr id="96" name="Rectangle 95">
+            <a:extLst>
+              <a:ext uri="{FF2B5EF4-FFF2-40B4-BE49-F238E27FC236}">
+                <a16:creationId xmlns:a16="http://schemas.microsoft.com/office/drawing/2014/main" id="{D4675CC3-6277-13C6-6E0F-C41506201477}"/>
+              </a:ext>
+            </a:extLst>
+          </p:cNvPr>
+          <p:cNvSpPr/>
+          <p:nvPr/>
+        </p:nvSpPr>
+        <p:spPr>
+          <a:xfrm>
+            <a:off x="10883160" y="2875909"/>
+            <a:ext cx="132409" cy="1200329"/>
+          </a:xfrm>
+          <a:prstGeom prst="rect">
+            <a:avLst/>
+          </a:prstGeom>
+        </p:spPr>
+        <p:style>
+          <a:lnRef idx="1">
+            <a:schemeClr val="accent5"/>
+          </a:lnRef>
+          <a:fillRef idx="2">
+            <a:schemeClr val="accent5"/>
+          </a:fillRef>
+          <a:effectRef idx="1">
+            <a:schemeClr val="accent5"/>
+          </a:effectRef>
+          <a:fontRef idx="minor">
+            <a:schemeClr val="dk1"/>
+          </a:fontRef>
+        </p:style>
+        <p:txBody>
+          <a:bodyPr rtlCol="0" anchor="ctr"/>
+          <a:lstStyle/>
+          <a:p>
+            <a:pPr algn="ctr"/>
+            <a:endParaRPr lang="en-US"/>
+          </a:p>
+        </p:txBody>
+      </p:sp>
+      <p:sp>
+        <p:nvSpPr>
+          <p:cNvPr id="98" name="TextBox 97">
+            <a:extLst>
+              <a:ext uri="{FF2B5EF4-FFF2-40B4-BE49-F238E27FC236}">
+                <a16:creationId xmlns:a16="http://schemas.microsoft.com/office/drawing/2014/main" id="{B15FAD51-1C27-B241-0F69-23BD5D3FCFD6}"/>
+              </a:ext>
+            </a:extLst>
+          </p:cNvPr>
+          <p:cNvSpPr txBox="1"/>
+          <p:nvPr/>
+        </p:nvSpPr>
+        <p:spPr>
+          <a:xfrm>
+            <a:off x="10159986" y="2414190"/>
+            <a:ext cx="1099602" cy="369332"/>
+          </a:xfrm>
+          <a:prstGeom prst="rect">
+            <a:avLst/>
+          </a:prstGeom>
+          <a:noFill/>
+        </p:spPr>
+        <p:txBody>
+          <a:bodyPr wrap="square">
+            <a:spAutoFit/>
+          </a:bodyPr>
+          <a:lstStyle/>
+          <a:p>
+            <a:pPr algn="ctr"/>
+            <a:r>
+              <a:rPr lang="en-US" dirty="0"/>
+              <a:t>Classifier </a:t>
+            </a:r>
+          </a:p>
+        </p:txBody>
+      </p:sp>
+      <p:sp>
+        <p:nvSpPr>
+          <p:cNvPr id="100" name="TextBox 99">
+            <a:extLst>
+              <a:ext uri="{FF2B5EF4-FFF2-40B4-BE49-F238E27FC236}">
+                <a16:creationId xmlns:a16="http://schemas.microsoft.com/office/drawing/2014/main" id="{B0634F89-D1E3-0999-AE25-529FB0F436BB}"/>
+              </a:ext>
+            </a:extLst>
+          </p:cNvPr>
+          <p:cNvSpPr txBox="1"/>
+          <p:nvPr/>
+        </p:nvSpPr>
+        <p:spPr>
+          <a:xfrm>
+            <a:off x="10439613" y="3096068"/>
+            <a:ext cx="362257" cy="369332"/>
+          </a:xfrm>
+          <a:prstGeom prst="rect">
+            <a:avLst/>
+          </a:prstGeom>
+          <a:noFill/>
+        </p:spPr>
+        <p:txBody>
+          <a:bodyPr wrap="square">
+            <a:spAutoFit/>
+          </a:bodyPr>
+          <a:lstStyle/>
+          <a:p>
+            <a:r>
+              <a:rPr lang="en-US" sz="1800" dirty="0">
+                <a:solidFill>
+                  <a:srgbClr val="7030A0"/>
+                </a:solidFill>
+              </a:rPr>
+              <a:t>V</a:t>
+            </a:r>
+            <a:endParaRPr lang="en-US" dirty="0">
+              <a:solidFill>
+                <a:srgbClr val="7030A0"/>
+              </a:solidFill>
+            </a:endParaRPr>
+          </a:p>
+        </p:txBody>
+      </p:sp>
+      <p:sp>
+        <p:nvSpPr>
+          <p:cNvPr id="101" name="Arrow: Right 100">
+            <a:extLst>
+              <a:ext uri="{FF2B5EF4-FFF2-40B4-BE49-F238E27FC236}">
+                <a16:creationId xmlns:a16="http://schemas.microsoft.com/office/drawing/2014/main" id="{04912007-1CF5-63E2-C5FA-102C461AC781}"/>
+              </a:ext>
+            </a:extLst>
+          </p:cNvPr>
+          <p:cNvSpPr/>
+          <p:nvPr/>
+        </p:nvSpPr>
+        <p:spPr>
+          <a:xfrm>
+            <a:off x="11048857" y="3375194"/>
+            <a:ext cx="421461" cy="186489"/>
+          </a:xfrm>
+          <a:prstGeom prst="rightArrow">
+            <a:avLst/>
+          </a:prstGeom>
+        </p:spPr>
+        <p:style>
+          <a:lnRef idx="2">
+            <a:schemeClr val="accent1">
+              <a:shade val="50000"/>
+            </a:schemeClr>
+          </a:lnRef>
+          <a:fillRef idx="1">
+            <a:schemeClr val="accent1"/>
+          </a:fillRef>
+          <a:effectRef idx="0">
+            <a:schemeClr val="accent1"/>
+          </a:effectRef>
+          <a:fontRef idx="minor">
+            <a:schemeClr val="lt1"/>
+          </a:fontRef>
+        </p:style>
+        <p:txBody>
+          <a:bodyPr rtlCol="0" anchor="ctr"/>
+          <a:lstStyle/>
+          <a:p>
+            <a:pPr algn="ctr"/>
+            <a:endParaRPr lang="en-US"/>
+          </a:p>
+        </p:txBody>
+      </p:sp>
+      <p:sp>
+        <p:nvSpPr>
+          <p:cNvPr id="102" name="TextBox 101">
+            <a:extLst>
+              <a:ext uri="{FF2B5EF4-FFF2-40B4-BE49-F238E27FC236}">
+                <a16:creationId xmlns:a16="http://schemas.microsoft.com/office/drawing/2014/main" id="{CE29F0F7-E0A6-76C7-4296-D79500E32192}"/>
+              </a:ext>
+            </a:extLst>
+          </p:cNvPr>
+          <p:cNvSpPr txBox="1"/>
+          <p:nvPr/>
+        </p:nvSpPr>
+        <p:spPr>
+          <a:xfrm>
+            <a:off x="11259588" y="3059666"/>
+            <a:ext cx="919248" cy="646331"/>
+          </a:xfrm>
+          <a:prstGeom prst="rect">
+            <a:avLst/>
+          </a:prstGeom>
+          <a:noFill/>
+        </p:spPr>
+        <p:txBody>
+          <a:bodyPr wrap="square">
+            <a:spAutoFit/>
+          </a:bodyPr>
+          <a:lstStyle/>
+          <a:p>
+            <a:pPr algn="ctr"/>
+            <a:r>
+              <a:rPr lang="en-US" dirty="0"/>
+              <a:t>Misuse</a:t>
+            </a:r>
+          </a:p>
+          <a:p>
+            <a:pPr algn="ctr"/>
+            <a:r>
+              <a:rPr lang="en-US" dirty="0"/>
+              <a:t>Y/N</a:t>
+            </a:r>
+          </a:p>
+        </p:txBody>
+      </p:sp>
       <p:grpSp>
         <p:nvGrpSpPr>
-          <p:cNvPr id="72" name="Group 71">
-            <a:extLst>
-              <a:ext uri="{FF2B5EF4-FFF2-40B4-BE49-F238E27FC236}">
-                <a16:creationId xmlns:a16="http://schemas.microsoft.com/office/drawing/2014/main" id="{5ED396DF-A8E4-3E0F-A59A-FF1E6D52F438}"/>
+          <p:cNvPr id="2" name="Group 1">
+            <a:extLst>
+              <a:ext uri="{FF2B5EF4-FFF2-40B4-BE49-F238E27FC236}">
+                <a16:creationId xmlns:a16="http://schemas.microsoft.com/office/drawing/2014/main" id="{2AEFB482-B229-6081-01E9-1FB268FB326D}"/>
               </a:ext>
             </a:extLst>
           </p:cNvPr>
@@ -7314,18 +7735,18 @@
         </p:nvGrpSpPr>
         <p:grpSpPr>
           <a:xfrm>
-            <a:off x="5636429" y="842268"/>
-            <a:ext cx="1955328" cy="4685155"/>
+            <a:off x="6500461" y="1359736"/>
+            <a:ext cx="1750657" cy="4292181"/>
             <a:chOff x="679268" y="750026"/>
             <a:chExt cx="1955328" cy="4685155"/>
           </a:xfrm>
         </p:grpSpPr>
         <p:sp>
           <p:nvSpPr>
-            <p:cNvPr id="73" name="Rectangle 72">
+            <p:cNvPr id="3" name="Rectangle 2">
               <a:extLst>
                 <a:ext uri="{FF2B5EF4-FFF2-40B4-BE49-F238E27FC236}">
-                  <a16:creationId xmlns:a16="http://schemas.microsoft.com/office/drawing/2014/main" id="{160FF9CF-2FBF-8299-6456-B23A21453788}"/>
+                  <a16:creationId xmlns:a16="http://schemas.microsoft.com/office/drawing/2014/main" id="{922A7AE5-D7C5-7091-AC61-6640565A3CA2}"/>
                 </a:ext>
               </a:extLst>
             </p:cNvPr>
@@ -7376,10 +7797,10 @@
         </p:sp>
         <p:sp>
           <p:nvSpPr>
-            <p:cNvPr id="74" name="Oval 73">
+            <p:cNvPr id="4" name="Oval 3">
               <a:extLst>
                 <a:ext uri="{FF2B5EF4-FFF2-40B4-BE49-F238E27FC236}">
-                  <a16:creationId xmlns:a16="http://schemas.microsoft.com/office/drawing/2014/main" id="{59E46ED9-F08A-70CB-0D01-037026CDBC0A}"/>
+                  <a16:creationId xmlns:a16="http://schemas.microsoft.com/office/drawing/2014/main" id="{C98B6BB6-3E7C-FE4B-1780-363DF5815BA7}"/>
                 </a:ext>
               </a:extLst>
             </p:cNvPr>
@@ -7430,17 +7851,17 @@
         </p:sp>
         <p:cxnSp>
           <p:nvCxnSpPr>
-            <p:cNvPr id="75" name="Straight Arrow Connector 74">
+            <p:cNvPr id="11" name="Straight Arrow Connector 10">
               <a:extLst>
                 <a:ext uri="{FF2B5EF4-FFF2-40B4-BE49-F238E27FC236}">
-                  <a16:creationId xmlns:a16="http://schemas.microsoft.com/office/drawing/2014/main" id="{28105535-A702-98E0-1A36-A2BB7FD4E5B1}"/>
+                  <a16:creationId xmlns:a16="http://schemas.microsoft.com/office/drawing/2014/main" id="{3C466711-F4F7-224D-E8A4-71D875D8A1D6}"/>
                 </a:ext>
               </a:extLst>
             </p:cNvPr>
             <p:cNvCxnSpPr>
               <a:cxnSpLocks/>
-              <a:stCxn id="74" idx="4"/>
-              <a:endCxn id="73" idx="0"/>
+              <a:stCxn id="4" idx="4"/>
+              <a:endCxn id="3" idx="0"/>
             </p:cNvCxnSpPr>
             <p:nvPr/>
           </p:nvCxnSpPr>
@@ -7473,10 +7894,10 @@
         </p:cxnSp>
         <p:sp>
           <p:nvSpPr>
-            <p:cNvPr id="76" name="Rectangle 75">
+            <p:cNvPr id="14" name="Rectangle 13">
               <a:extLst>
                 <a:ext uri="{FF2B5EF4-FFF2-40B4-BE49-F238E27FC236}">
-                  <a16:creationId xmlns:a16="http://schemas.microsoft.com/office/drawing/2014/main" id="{B32A8E71-9C01-54C5-C3F3-01E60AC14E40}"/>
+                  <a16:creationId xmlns:a16="http://schemas.microsoft.com/office/drawing/2014/main" id="{38CB205B-57EF-766B-F5CC-9B2206F11617}"/>
                 </a:ext>
               </a:extLst>
             </p:cNvPr>
@@ -7527,10 +7948,10 @@
         </p:sp>
         <p:sp>
           <p:nvSpPr>
-            <p:cNvPr id="77" name="Oval 76">
+            <p:cNvPr id="18" name="Oval 17">
               <a:extLst>
                 <a:ext uri="{FF2B5EF4-FFF2-40B4-BE49-F238E27FC236}">
-                  <a16:creationId xmlns:a16="http://schemas.microsoft.com/office/drawing/2014/main" id="{5B253191-21BD-EF8B-D506-F3A2EC1CCD3D}"/>
+                  <a16:creationId xmlns:a16="http://schemas.microsoft.com/office/drawing/2014/main" id="{2DDE7224-943E-40ED-FBB3-9A45349FCEE4}"/>
                 </a:ext>
               </a:extLst>
             </p:cNvPr>
@@ -7581,16 +8002,16 @@
         </p:sp>
         <p:cxnSp>
           <p:nvCxnSpPr>
-            <p:cNvPr id="78" name="Straight Arrow Connector 77">
+            <p:cNvPr id="23" name="Straight Arrow Connector 22">
               <a:extLst>
                 <a:ext uri="{FF2B5EF4-FFF2-40B4-BE49-F238E27FC236}">
-                  <a16:creationId xmlns:a16="http://schemas.microsoft.com/office/drawing/2014/main" id="{E9E6421B-387E-162E-7541-FD89E7DACE87}"/>
+                  <a16:creationId xmlns:a16="http://schemas.microsoft.com/office/drawing/2014/main" id="{BD434B60-653F-2BF9-2EDA-055600C04750}"/>
                 </a:ext>
               </a:extLst>
             </p:cNvPr>
             <p:cNvCxnSpPr>
-              <a:stCxn id="73" idx="2"/>
-              <a:endCxn id="77" idx="0"/>
+              <a:stCxn id="3" idx="2"/>
+              <a:endCxn id="18" idx="0"/>
             </p:cNvCxnSpPr>
             <p:nvPr/>
           </p:nvCxnSpPr>
@@ -7623,10 +8044,10 @@
         </p:cxnSp>
         <p:sp>
           <p:nvSpPr>
-            <p:cNvPr id="79" name="Rectangle 78">
+            <p:cNvPr id="25" name="Rectangle 24">
               <a:extLst>
                 <a:ext uri="{FF2B5EF4-FFF2-40B4-BE49-F238E27FC236}">
-                  <a16:creationId xmlns:a16="http://schemas.microsoft.com/office/drawing/2014/main" id="{1F102481-5B3A-3915-FB31-3D5A51B14D43}"/>
+                  <a16:creationId xmlns:a16="http://schemas.microsoft.com/office/drawing/2014/main" id="{92C76701-29C2-3059-3441-EA3DE0AE9A30}"/>
                 </a:ext>
               </a:extLst>
             </p:cNvPr>
@@ -7636,7 +8057,7 @@
           <p:spPr>
             <a:xfrm>
               <a:off x="880219" y="3431603"/>
-              <a:ext cx="1553426" cy="321137"/>
+              <a:ext cx="1553425" cy="321137"/>
             </a:xfrm>
             <a:prstGeom prst="rect">
               <a:avLst/>
@@ -7677,16 +8098,16 @@
         </p:sp>
         <p:cxnSp>
           <p:nvCxnSpPr>
-            <p:cNvPr id="80" name="Straight Arrow Connector 79">
+            <p:cNvPr id="26" name="Straight Arrow Connector 25">
               <a:extLst>
                 <a:ext uri="{FF2B5EF4-FFF2-40B4-BE49-F238E27FC236}">
-                  <a16:creationId xmlns:a16="http://schemas.microsoft.com/office/drawing/2014/main" id="{A596C475-9749-6F3B-10CF-55ACC6292642}"/>
+                  <a16:creationId xmlns:a16="http://schemas.microsoft.com/office/drawing/2014/main" id="{56B5D352-2325-E5A0-F0B3-0BD0BD54A90F}"/>
                 </a:ext>
               </a:extLst>
             </p:cNvPr>
             <p:cNvCxnSpPr>
-              <a:stCxn id="77" idx="4"/>
-              <a:endCxn id="79" idx="0"/>
+              <a:stCxn id="18" idx="4"/>
+              <a:endCxn id="25" idx="0"/>
             </p:cNvCxnSpPr>
             <p:nvPr/>
           </p:nvCxnSpPr>
@@ -7719,10 +8140,10 @@
         </p:cxnSp>
         <p:grpSp>
           <p:nvGrpSpPr>
-            <p:cNvPr id="81" name="Group 80">
+            <p:cNvPr id="29" name="Group 28">
               <a:extLst>
                 <a:ext uri="{FF2B5EF4-FFF2-40B4-BE49-F238E27FC236}">
-                  <a16:creationId xmlns:a16="http://schemas.microsoft.com/office/drawing/2014/main" id="{2A40A7EE-71A9-0CFF-C76A-7465AB3562F9}"/>
+                  <a16:creationId xmlns:a16="http://schemas.microsoft.com/office/drawing/2014/main" id="{02218413-CC9F-527E-6CD5-BA4765CEB008}"/>
                 </a:ext>
               </a:extLst>
             </p:cNvPr>
@@ -7732,17 +8153,17 @@
           <p:grpSpPr>
             <a:xfrm>
               <a:off x="1409819" y="3926435"/>
-              <a:ext cx="684524" cy="464795"/>
+              <a:ext cx="684524" cy="507063"/>
               <a:chOff x="9415878" y="3160675"/>
-              <a:chExt cx="769272" cy="685557"/>
+              <a:chExt cx="769272" cy="747901"/>
             </a:xfrm>
           </p:grpSpPr>
           <p:sp>
             <p:nvSpPr>
-              <p:cNvPr id="90" name="Rectangle 89">
+              <p:cNvPr id="39" name="Rectangle 38">
                 <a:extLst>
                   <a:ext uri="{FF2B5EF4-FFF2-40B4-BE49-F238E27FC236}">
-                    <a16:creationId xmlns:a16="http://schemas.microsoft.com/office/drawing/2014/main" id="{8585B30D-DCEA-4888-8501-F647C3632794}"/>
+                    <a16:creationId xmlns:a16="http://schemas.microsoft.com/office/drawing/2014/main" id="{04E7E6E2-C52E-9B2E-17DF-83A15E6111AA}"/>
                   </a:ext>
                 </a:extLst>
               </p:cNvPr>
@@ -7786,10 +8207,10 @@
           </p:sp>
           <p:sp>
             <p:nvSpPr>
-              <p:cNvPr id="91" name="TextBox 90">
+              <p:cNvPr id="40" name="TextBox 39">
                 <a:extLst>
                   <a:ext uri="{FF2B5EF4-FFF2-40B4-BE49-F238E27FC236}">
-                    <a16:creationId xmlns:a16="http://schemas.microsoft.com/office/drawing/2014/main" id="{CC9ED1F3-7905-468A-A02A-B8D895D62F4B}"/>
+                    <a16:creationId xmlns:a16="http://schemas.microsoft.com/office/drawing/2014/main" id="{CAB6E95F-43EB-EB2A-2E7F-BBF17C55367E}"/>
                   </a:ext>
                 </a:extLst>
               </p:cNvPr>
@@ -7799,7 +8220,7 @@
             <p:spPr>
               <a:xfrm>
                 <a:off x="9432517" y="3165292"/>
-                <a:ext cx="752633" cy="680940"/>
+                <a:ext cx="752633" cy="743284"/>
               </a:xfrm>
               <a:prstGeom prst="rect">
                 <a:avLst/>
@@ -7826,23 +8247,23 @@
         </p:grpSp>
         <p:cxnSp>
           <p:nvCxnSpPr>
-            <p:cNvPr id="82" name="Straight Arrow Connector 81">
+            <p:cNvPr id="30" name="Straight Arrow Connector 29">
               <a:extLst>
                 <a:ext uri="{FF2B5EF4-FFF2-40B4-BE49-F238E27FC236}">
-                  <a16:creationId xmlns:a16="http://schemas.microsoft.com/office/drawing/2014/main" id="{682BAA98-5A3D-D143-5AE2-180D881D4760}"/>
+                  <a16:creationId xmlns:a16="http://schemas.microsoft.com/office/drawing/2014/main" id="{87A3F218-E615-755F-A465-1820B3B0D7D8}"/>
                 </a:ext>
               </a:extLst>
             </p:cNvPr>
             <p:cNvCxnSpPr>
               <a:cxnSpLocks/>
-              <a:stCxn id="79" idx="2"/>
+              <a:stCxn id="25" idx="2"/>
             </p:cNvCxnSpPr>
             <p:nvPr/>
           </p:nvCxnSpPr>
           <p:spPr>
             <a:xfrm flipH="1">
               <a:off x="1644107" y="3752740"/>
-              <a:ext cx="12825" cy="253200"/>
+              <a:ext cx="12825" cy="253199"/>
             </a:xfrm>
             <a:prstGeom prst="straightConnector1">
               <a:avLst/>
@@ -7868,16 +8289,16 @@
         </p:cxnSp>
         <p:cxnSp>
           <p:nvCxnSpPr>
-            <p:cNvPr id="83" name="Connector: Elbow 82">
+            <p:cNvPr id="31" name="Connector: Elbow 30">
               <a:extLst>
                 <a:ext uri="{FF2B5EF4-FFF2-40B4-BE49-F238E27FC236}">
-                  <a16:creationId xmlns:a16="http://schemas.microsoft.com/office/drawing/2014/main" id="{0692C21C-2B91-71BF-B1D5-586E8A239749}"/>
+                  <a16:creationId xmlns:a16="http://schemas.microsoft.com/office/drawing/2014/main" id="{53CB9F38-B0B4-8275-89E6-5FB988EFD6DC}"/>
                 </a:ext>
               </a:extLst>
             </p:cNvPr>
             <p:cNvCxnSpPr>
-              <a:stCxn id="73" idx="3"/>
-              <a:endCxn id="79" idx="3"/>
+              <a:stCxn id="3" idx="3"/>
+              <a:endCxn id="25" idx="3"/>
             </p:cNvCxnSpPr>
             <p:nvPr/>
           </p:nvCxnSpPr>
@@ -7913,10 +8334,10 @@
         </p:cxnSp>
         <p:sp>
           <p:nvSpPr>
-            <p:cNvPr id="84" name="Rectangle 83">
+            <p:cNvPr id="33" name="Rectangle 32">
               <a:extLst>
                 <a:ext uri="{FF2B5EF4-FFF2-40B4-BE49-F238E27FC236}">
-                  <a16:creationId xmlns:a16="http://schemas.microsoft.com/office/drawing/2014/main" id="{989CB7EE-E401-2DC6-B818-58CCF3156F00}"/>
+                  <a16:creationId xmlns:a16="http://schemas.microsoft.com/office/drawing/2014/main" id="{05C3E7E9-8317-079C-FCDE-5BB625E8FE97}"/>
                 </a:ext>
               </a:extLst>
             </p:cNvPr>
@@ -7967,16 +8388,16 @@
         </p:sp>
         <p:cxnSp>
           <p:nvCxnSpPr>
-            <p:cNvPr id="85" name="Straight Arrow Connector 84">
+            <p:cNvPr id="34" name="Straight Arrow Connector 33">
               <a:extLst>
                 <a:ext uri="{FF2B5EF4-FFF2-40B4-BE49-F238E27FC236}">
-                  <a16:creationId xmlns:a16="http://schemas.microsoft.com/office/drawing/2014/main" id="{D1A983B0-AD79-82B0-1FB1-52D0BBDB794A}"/>
+                  <a16:creationId xmlns:a16="http://schemas.microsoft.com/office/drawing/2014/main" id="{C1EBF782-97ED-F4CB-C934-E334B49C73A3}"/>
                 </a:ext>
               </a:extLst>
             </p:cNvPr>
             <p:cNvCxnSpPr>
               <a:cxnSpLocks/>
-              <a:endCxn id="84" idx="0"/>
+              <a:endCxn id="33" idx="0"/>
             </p:cNvCxnSpPr>
             <p:nvPr/>
           </p:nvCxnSpPr>
@@ -8010,10 +8431,10 @@
         </p:cxnSp>
         <p:sp>
           <p:nvSpPr>
-            <p:cNvPr id="86" name="Rectangle 85">
+            <p:cNvPr id="35" name="Rectangle 34">
               <a:extLst>
                 <a:ext uri="{FF2B5EF4-FFF2-40B4-BE49-F238E27FC236}">
-                  <a16:creationId xmlns:a16="http://schemas.microsoft.com/office/drawing/2014/main" id="{1184010F-305A-6DF6-8006-A691CBB81715}"/>
+                  <a16:creationId xmlns:a16="http://schemas.microsoft.com/office/drawing/2014/main" id="{236EA60B-E630-0197-5EDD-1A2F36F3E4F2}"/>
                 </a:ext>
               </a:extLst>
             </p:cNvPr>
@@ -8052,29 +8473,34 @@
             <a:p>
               <a:pPr algn="ctr"/>
               <a:r>
-                <a:rPr lang="en-US" sz="2400" dirty="0">
+                <a:rPr lang="en-US" sz="2400">
                   <a:solidFill>
                     <a:srgbClr val="00B050"/>
                   </a:solidFill>
                 </a:rPr>
                 <a:t>V7</a:t>
               </a:r>
+              <a:endParaRPr lang="en-US" sz="2400" dirty="0">
+                <a:solidFill>
+                  <a:srgbClr val="00B050"/>
+                </a:solidFill>
+              </a:endParaRPr>
             </a:p>
           </p:txBody>
         </p:sp>
         <p:cxnSp>
           <p:nvCxnSpPr>
-            <p:cNvPr id="87" name="Straight Arrow Connector 86">
+            <p:cNvPr id="36" name="Straight Arrow Connector 35">
               <a:extLst>
                 <a:ext uri="{FF2B5EF4-FFF2-40B4-BE49-F238E27FC236}">
-                  <a16:creationId xmlns:a16="http://schemas.microsoft.com/office/drawing/2014/main" id="{D3B208E2-5AE0-8407-E57E-21D30FA09B26}"/>
+                  <a16:creationId xmlns:a16="http://schemas.microsoft.com/office/drawing/2014/main" id="{EE24F1DB-7A3F-AB65-ADAC-835D0458A288}"/>
                 </a:ext>
               </a:extLst>
             </p:cNvPr>
             <p:cNvCxnSpPr>
               <a:cxnSpLocks/>
-              <a:stCxn id="84" idx="2"/>
-              <a:endCxn id="86" idx="0"/>
+              <a:stCxn id="33" idx="2"/>
+              <a:endCxn id="35" idx="0"/>
             </p:cNvCxnSpPr>
             <p:nvPr/>
           </p:nvCxnSpPr>
@@ -8108,28 +8534,28 @@
         </p:cxnSp>
         <p:cxnSp>
           <p:nvCxnSpPr>
-            <p:cNvPr id="88" name="Connector: Elbow 87">
+            <p:cNvPr id="37" name="Connector: Elbow 36">
               <a:extLst>
                 <a:ext uri="{FF2B5EF4-FFF2-40B4-BE49-F238E27FC236}">
-                  <a16:creationId xmlns:a16="http://schemas.microsoft.com/office/drawing/2014/main" id="{ED9403B9-CEF7-5CE1-56CF-2B82C0EFB8AA}"/>
+                  <a16:creationId xmlns:a16="http://schemas.microsoft.com/office/drawing/2014/main" id="{212A1F11-9C86-A2BE-9629-CAE7C46C33C0}"/>
                 </a:ext>
               </a:extLst>
             </p:cNvPr>
             <p:cNvCxnSpPr>
               <a:cxnSpLocks/>
-              <a:stCxn id="91" idx="3"/>
-              <a:endCxn id="86" idx="3"/>
+              <a:stCxn id="40" idx="3"/>
+              <a:endCxn id="35" idx="3"/>
             </p:cNvCxnSpPr>
             <p:nvPr/>
           </p:nvCxnSpPr>
           <p:spPr>
             <a:xfrm>
-              <a:off x="2094343" y="4160398"/>
-              <a:ext cx="476910" cy="1114215"/>
+              <a:off x="2094343" y="4181531"/>
+              <a:ext cx="476910" cy="1093082"/>
             </a:xfrm>
             <a:prstGeom prst="bentConnector3">
               <a:avLst>
-                <a:gd name="adj1" fmla="val 147934"/>
+                <a:gd name="adj1" fmla="val 153538"/>
               </a:avLst>
             </a:prstGeom>
             <a:ln>
@@ -8154,10 +8580,10 @@
         </p:cxnSp>
         <p:sp>
           <p:nvSpPr>
-            <p:cNvPr id="89" name="Rectangle 88">
+            <p:cNvPr id="38" name="Rectangle 37">
               <a:extLst>
                 <a:ext uri="{FF2B5EF4-FFF2-40B4-BE49-F238E27FC236}">
-                  <a16:creationId xmlns:a16="http://schemas.microsoft.com/office/drawing/2014/main" id="{514038D9-3290-A444-2F4E-AA3A12380609}"/>
+                  <a16:creationId xmlns:a16="http://schemas.microsoft.com/office/drawing/2014/main" id="{B4AC579B-8323-A273-C457-F0888E8A5D2E}"/>
                 </a:ext>
               </a:extLst>
             </p:cNvPr>
@@ -8212,10 +8638,59 @@
       </p:grpSp>
       <p:sp>
         <p:nvSpPr>
-          <p:cNvPr id="92" name="Arrow: Right 91">
-            <a:extLst>
-              <a:ext uri="{FF2B5EF4-FFF2-40B4-BE49-F238E27FC236}">
-                <a16:creationId xmlns:a16="http://schemas.microsoft.com/office/drawing/2014/main" id="{FA683EC7-18A6-AF5B-DF30-95078BB05B2B}"/>
+          <p:cNvPr id="41" name="TextBox 40">
+            <a:extLst>
+              <a:ext uri="{FF2B5EF4-FFF2-40B4-BE49-F238E27FC236}">
+                <a16:creationId xmlns:a16="http://schemas.microsoft.com/office/drawing/2014/main" id="{8912CB3B-D21B-1167-5BD0-E03B9F7655C8}"/>
+              </a:ext>
+            </a:extLst>
+          </p:cNvPr>
+          <p:cNvSpPr txBox="1"/>
+          <p:nvPr/>
+        </p:nvSpPr>
+        <p:spPr>
+          <a:xfrm>
+            <a:off x="913666" y="3044161"/>
+            <a:ext cx="846885" cy="923330"/>
+          </a:xfrm>
+          <a:prstGeom prst="rect">
+            <a:avLst/>
+          </a:prstGeom>
+        </p:spPr>
+        <p:style>
+          <a:lnRef idx="1">
+            <a:schemeClr val="accent5"/>
+          </a:lnRef>
+          <a:fillRef idx="2">
+            <a:schemeClr val="accent5"/>
+          </a:fillRef>
+          <a:effectRef idx="1">
+            <a:schemeClr val="accent5"/>
+          </a:effectRef>
+          <a:fontRef idx="minor">
+            <a:schemeClr val="dk1"/>
+          </a:fontRef>
+        </p:style>
+        <p:txBody>
+          <a:bodyPr wrap="square" rtlCol="0">
+            <a:spAutoFit/>
+          </a:bodyPr>
+          <a:lstStyle/>
+          <a:p>
+            <a:pPr algn="ctr"/>
+            <a:r>
+              <a:rPr lang="en-US" dirty="0"/>
+              <a:t>Usage graph builder</a:t>
+            </a:r>
+          </a:p>
+        </p:txBody>
+      </p:sp>
+      <p:sp>
+        <p:nvSpPr>
+          <p:cNvPr id="42" name="Arrow: Right 41">
+            <a:extLst>
+              <a:ext uri="{FF2B5EF4-FFF2-40B4-BE49-F238E27FC236}">
+                <a16:creationId xmlns:a16="http://schemas.microsoft.com/office/drawing/2014/main" id="{0C9BE5D5-C174-8B22-B5BE-6E55AD7C8DC6}"/>
               </a:ext>
             </a:extLst>
           </p:cNvPr>
@@ -8224,7 +8699,7 @@
         </p:nvSpPr>
         <p:spPr>
           <a:xfrm>
-            <a:off x="5154379" y="3335754"/>
+            <a:off x="1851528" y="3372156"/>
             <a:ext cx="421461" cy="186489"/>
           </a:xfrm>
           <a:prstGeom prst="rightArrow">
@@ -8258,10 +8733,10 @@
       </p:sp>
       <p:sp>
         <p:nvSpPr>
-          <p:cNvPr id="93" name="TextBox 92">
-            <a:extLst>
-              <a:ext uri="{FF2B5EF4-FFF2-40B4-BE49-F238E27FC236}">
-                <a16:creationId xmlns:a16="http://schemas.microsoft.com/office/drawing/2014/main" id="{BAAE40D1-F3BF-2929-09EE-3887658456D4}"/>
+          <p:cNvPr id="43" name="TextBox 42">
+            <a:extLst>
+              <a:ext uri="{FF2B5EF4-FFF2-40B4-BE49-F238E27FC236}">
+                <a16:creationId xmlns:a16="http://schemas.microsoft.com/office/drawing/2014/main" id="{CAB4FD2B-6824-5754-AA89-FE2ECE0BC8FF}"/>
               </a:ext>
             </a:extLst>
           </p:cNvPr>
@@ -8270,214 +8745,8 @@
         </p:nvSpPr>
         <p:spPr>
           <a:xfrm>
-            <a:off x="8370260" y="2817510"/>
-            <a:ext cx="1551960" cy="1200329"/>
-          </a:xfrm>
-          <a:prstGeom prst="rect">
-            <a:avLst/>
-          </a:prstGeom>
-        </p:spPr>
-        <p:style>
-          <a:lnRef idx="1">
-            <a:schemeClr val="accent5"/>
-          </a:lnRef>
-          <a:fillRef idx="2">
-            <a:schemeClr val="accent5"/>
-          </a:fillRef>
-          <a:effectRef idx="1">
-            <a:schemeClr val="accent5"/>
-          </a:effectRef>
-          <a:fontRef idx="minor">
-            <a:schemeClr val="dk1"/>
-          </a:fontRef>
-        </p:style>
-        <p:txBody>
-          <a:bodyPr wrap="square" rtlCol="0">
-            <a:spAutoFit/>
-          </a:bodyPr>
-          <a:lstStyle/>
-          <a:p>
-            <a:pPr algn="ctr"/>
-            <a:r>
-              <a:rPr lang="en-US" dirty="0"/>
-              <a:t>Labeled </a:t>
-            </a:r>
-          </a:p>
-          <a:p>
-            <a:pPr algn="ctr"/>
-            <a:r>
-              <a:rPr lang="en-US" dirty="0"/>
-              <a:t>Graph-Based </a:t>
-            </a:r>
-          </a:p>
-          <a:p>
-            <a:pPr algn="ctr"/>
-            <a:r>
-              <a:rPr lang="en-US" dirty="0"/>
-              <a:t>Convolutional </a:t>
-            </a:r>
-          </a:p>
-          <a:p>
-            <a:pPr algn="ctr"/>
-            <a:r>
-              <a:rPr lang="en-US" dirty="0"/>
-              <a:t>Network</a:t>
-            </a:r>
-          </a:p>
-        </p:txBody>
-      </p:sp>
-      <p:sp>
-        <p:nvSpPr>
-          <p:cNvPr id="94" name="Arrow: Right 93">
-            <a:extLst>
-              <a:ext uri="{FF2B5EF4-FFF2-40B4-BE49-F238E27FC236}">
-                <a16:creationId xmlns:a16="http://schemas.microsoft.com/office/drawing/2014/main" id="{828D3140-80CB-056D-9793-E4009AB55530}"/>
-              </a:ext>
-            </a:extLst>
-          </p:cNvPr>
-          <p:cNvSpPr/>
-          <p:nvPr/>
-        </p:nvSpPr>
-        <p:spPr>
-          <a:xfrm>
-            <a:off x="7858561" y="3338504"/>
-            <a:ext cx="421461" cy="186489"/>
-          </a:xfrm>
-          <a:prstGeom prst="rightArrow">
-            <a:avLst/>
-          </a:prstGeom>
-        </p:spPr>
-        <p:style>
-          <a:lnRef idx="2">
-            <a:schemeClr val="accent1">
-              <a:shade val="50000"/>
-            </a:schemeClr>
-          </a:lnRef>
-          <a:fillRef idx="1">
-            <a:schemeClr val="accent1"/>
-          </a:fillRef>
-          <a:effectRef idx="0">
-            <a:schemeClr val="accent1"/>
-          </a:effectRef>
-          <a:fontRef idx="minor">
-            <a:schemeClr val="lt1"/>
-          </a:fontRef>
-        </p:style>
-        <p:txBody>
-          <a:bodyPr rtlCol="0" anchor="ctr"/>
-          <a:lstStyle/>
-          <a:p>
-            <a:pPr algn="ctr"/>
-            <a:endParaRPr lang="en-US"/>
-          </a:p>
-        </p:txBody>
-      </p:sp>
-      <p:sp>
-        <p:nvSpPr>
-          <p:cNvPr id="95" name="Arrow: Right 94">
-            <a:extLst>
-              <a:ext uri="{FF2B5EF4-FFF2-40B4-BE49-F238E27FC236}">
-                <a16:creationId xmlns:a16="http://schemas.microsoft.com/office/drawing/2014/main" id="{A9415C15-CC7B-B420-E42A-08844CB31634}"/>
-              </a:ext>
-            </a:extLst>
-          </p:cNvPr>
-          <p:cNvSpPr/>
-          <p:nvPr/>
-        </p:nvSpPr>
-        <p:spPr>
-          <a:xfrm>
-            <a:off x="10002188" y="3352536"/>
-            <a:ext cx="421461" cy="186489"/>
-          </a:xfrm>
-          <a:prstGeom prst="rightArrow">
-            <a:avLst/>
-          </a:prstGeom>
-        </p:spPr>
-        <p:style>
-          <a:lnRef idx="2">
-            <a:schemeClr val="accent1">
-              <a:shade val="50000"/>
-            </a:schemeClr>
-          </a:lnRef>
-          <a:fillRef idx="1">
-            <a:schemeClr val="accent1"/>
-          </a:fillRef>
-          <a:effectRef idx="0">
-            <a:schemeClr val="accent1"/>
-          </a:effectRef>
-          <a:fontRef idx="minor">
-            <a:schemeClr val="lt1"/>
-          </a:fontRef>
-        </p:style>
-        <p:txBody>
-          <a:bodyPr rtlCol="0" anchor="ctr"/>
-          <a:lstStyle/>
-          <a:p>
-            <a:pPr algn="ctr"/>
-            <a:endParaRPr lang="en-US"/>
-          </a:p>
-        </p:txBody>
-      </p:sp>
-      <p:sp>
-        <p:nvSpPr>
-          <p:cNvPr id="96" name="Rectangle 95">
-            <a:extLst>
-              <a:ext uri="{FF2B5EF4-FFF2-40B4-BE49-F238E27FC236}">
-                <a16:creationId xmlns:a16="http://schemas.microsoft.com/office/drawing/2014/main" id="{D4675CC3-6277-13C6-6E0F-C41506201477}"/>
-              </a:ext>
-            </a:extLst>
-          </p:cNvPr>
-          <p:cNvSpPr/>
-          <p:nvPr/>
-        </p:nvSpPr>
-        <p:spPr>
-          <a:xfrm>
-            <a:off x="10536811" y="2817510"/>
-            <a:ext cx="249696" cy="1200329"/>
-          </a:xfrm>
-          <a:prstGeom prst="rect">
-            <a:avLst/>
-          </a:prstGeom>
-        </p:spPr>
-        <p:style>
-          <a:lnRef idx="1">
-            <a:schemeClr val="accent5"/>
-          </a:lnRef>
-          <a:fillRef idx="2">
-            <a:schemeClr val="accent5"/>
-          </a:fillRef>
-          <a:effectRef idx="1">
-            <a:schemeClr val="accent5"/>
-          </a:effectRef>
-          <a:fontRef idx="minor">
-            <a:schemeClr val="dk1"/>
-          </a:fontRef>
-        </p:style>
-        <p:txBody>
-          <a:bodyPr rtlCol="0" anchor="ctr"/>
-          <a:lstStyle/>
-          <a:p>
-            <a:pPr algn="ctr"/>
-            <a:endParaRPr lang="en-US"/>
-          </a:p>
-        </p:txBody>
-      </p:sp>
-      <p:sp>
-        <p:nvSpPr>
-          <p:cNvPr id="98" name="TextBox 97">
-            <a:extLst>
-              <a:ext uri="{FF2B5EF4-FFF2-40B4-BE49-F238E27FC236}">
-                <a16:creationId xmlns:a16="http://schemas.microsoft.com/office/drawing/2014/main" id="{B15FAD51-1C27-B241-0F69-23BD5D3FCFD6}"/>
-              </a:ext>
-            </a:extLst>
-          </p:cNvPr>
-          <p:cNvSpPr txBox="1"/>
-          <p:nvPr/>
-        </p:nvSpPr>
-        <p:spPr>
-          <a:xfrm>
-            <a:off x="10111858" y="2414190"/>
-            <a:ext cx="1099602" cy="369332"/>
+            <a:off x="-192912" y="3152909"/>
+            <a:ext cx="1036539" cy="646331"/>
           </a:xfrm>
           <a:prstGeom prst="rect">
             <a:avLst/>
@@ -8493,140 +8762,60 @@
             <a:pPr algn="ctr"/>
             <a:r>
               <a:rPr lang="en-US" dirty="0"/>
-              <a:t>Classifier </a:t>
-            </a:r>
-          </a:p>
-        </p:txBody>
-      </p:sp>
-      <p:sp>
-        <p:nvSpPr>
-          <p:cNvPr id="100" name="TextBox 99">
-            <a:extLst>
-              <a:ext uri="{FF2B5EF4-FFF2-40B4-BE49-F238E27FC236}">
-                <a16:creationId xmlns:a16="http://schemas.microsoft.com/office/drawing/2014/main" id="{B0634F89-D1E3-0999-AE25-529FB0F436BB}"/>
-              </a:ext>
-            </a:extLst>
-          </p:cNvPr>
-          <p:cNvSpPr txBox="1"/>
+              <a:t>Source</a:t>
+            </a:r>
+          </a:p>
+          <a:p>
+            <a:pPr algn="ctr"/>
+            <a:r>
+              <a:rPr lang="en-US" dirty="0"/>
+              <a:t>Code</a:t>
+            </a:r>
+          </a:p>
+        </p:txBody>
+      </p:sp>
+      <p:cxnSp>
+        <p:nvCxnSpPr>
+          <p:cNvPr id="49" name="Straight Arrow Connector 48">
+            <a:extLst>
+              <a:ext uri="{FF2B5EF4-FFF2-40B4-BE49-F238E27FC236}">
+                <a16:creationId xmlns:a16="http://schemas.microsoft.com/office/drawing/2014/main" id="{2F7AAC56-D8D0-1A99-2317-3544E21EBC4B}"/>
+              </a:ext>
+            </a:extLst>
+          </p:cNvPr>
+          <p:cNvCxnSpPr>
+            <a:cxnSpLocks/>
+            <a:endCxn id="41" idx="1"/>
+          </p:cNvCxnSpPr>
           <p:nvPr/>
-        </p:nvSpPr>
+        </p:nvCxnSpPr>
         <p:spPr>
           <a:xfrm>
-            <a:off x="10002188" y="3059666"/>
-            <a:ext cx="421461" cy="369332"/>
+            <a:off x="529389" y="3505826"/>
+            <a:ext cx="384277" cy="0"/>
           </a:xfrm>
-          <a:prstGeom prst="rect">
+          <a:prstGeom prst="straightConnector1">
             <a:avLst/>
           </a:prstGeom>
-          <a:noFill/>
-        </p:spPr>
-        <p:txBody>
-          <a:bodyPr wrap="square">
-            <a:spAutoFit/>
-          </a:bodyPr>
-          <a:lstStyle/>
-          <a:p>
-            <a:r>
-              <a:rPr lang="en-US" sz="1800" dirty="0">
-                <a:solidFill>
-                  <a:srgbClr val="00B050"/>
-                </a:solidFill>
-              </a:rPr>
-              <a:t>V</a:t>
-            </a:r>
-            <a:endParaRPr lang="en-US" dirty="0"/>
-          </a:p>
-        </p:txBody>
-      </p:sp>
-      <p:sp>
-        <p:nvSpPr>
-          <p:cNvPr id="101" name="Arrow: Right 100">
-            <a:extLst>
-              <a:ext uri="{FF2B5EF4-FFF2-40B4-BE49-F238E27FC236}">
-                <a16:creationId xmlns:a16="http://schemas.microsoft.com/office/drawing/2014/main" id="{04912007-1CF5-63E2-C5FA-102C461AC781}"/>
-              </a:ext>
-            </a:extLst>
-          </p:cNvPr>
-          <p:cNvSpPr/>
-          <p:nvPr/>
-        </p:nvSpPr>
-        <p:spPr>
-          <a:xfrm>
-            <a:off x="10886600" y="3352536"/>
-            <a:ext cx="421461" cy="186489"/>
-          </a:xfrm>
-          <a:prstGeom prst="rightArrow">
-            <a:avLst/>
-          </a:prstGeom>
+          <a:ln>
+            <a:tailEnd type="triangle"/>
+          </a:ln>
         </p:spPr>
         <p:style>
-          <a:lnRef idx="2">
-            <a:schemeClr val="accent1">
-              <a:shade val="50000"/>
-            </a:schemeClr>
+          <a:lnRef idx="1">
+            <a:schemeClr val="dk1"/>
           </a:lnRef>
-          <a:fillRef idx="1">
-            <a:schemeClr val="accent1"/>
+          <a:fillRef idx="0">
+            <a:schemeClr val="dk1"/>
           </a:fillRef>
           <a:effectRef idx="0">
-            <a:schemeClr val="accent1"/>
+            <a:schemeClr val="dk1"/>
           </a:effectRef>
           <a:fontRef idx="minor">
-            <a:schemeClr val="lt1"/>
+            <a:schemeClr val="tx1"/>
           </a:fontRef>
         </p:style>
-        <p:txBody>
-          <a:bodyPr rtlCol="0" anchor="ctr"/>
-          <a:lstStyle/>
-          <a:p>
-            <a:pPr algn="ctr"/>
-            <a:endParaRPr lang="en-US"/>
-          </a:p>
-        </p:txBody>
-      </p:sp>
-      <p:sp>
-        <p:nvSpPr>
-          <p:cNvPr id="102" name="TextBox 101">
-            <a:extLst>
-              <a:ext uri="{FF2B5EF4-FFF2-40B4-BE49-F238E27FC236}">
-                <a16:creationId xmlns:a16="http://schemas.microsoft.com/office/drawing/2014/main" id="{CE29F0F7-E0A6-76C7-4296-D79500E32192}"/>
-              </a:ext>
-            </a:extLst>
-          </p:cNvPr>
-          <p:cNvSpPr txBox="1"/>
-          <p:nvPr/>
-        </p:nvSpPr>
-        <p:spPr>
-          <a:xfrm>
-            <a:off x="11185495" y="3059666"/>
-            <a:ext cx="945213" cy="646331"/>
-          </a:xfrm>
-          <a:prstGeom prst="rect">
-            <a:avLst/>
-          </a:prstGeom>
-          <a:noFill/>
-        </p:spPr>
-        <p:txBody>
-          <a:bodyPr wrap="square">
-            <a:spAutoFit/>
-          </a:bodyPr>
-          <a:lstStyle/>
-          <a:p>
-            <a:pPr algn="ctr"/>
-            <a:r>
-              <a:rPr lang="en-US" dirty="0"/>
-              <a:t>Misuse</a:t>
-            </a:r>
-          </a:p>
-          <a:p>
-            <a:pPr algn="ctr"/>
-            <a:r>
-              <a:rPr lang="en-US" dirty="0"/>
-              <a:t>Y/N</a:t>
-            </a:r>
-          </a:p>
-        </p:txBody>
-      </p:sp>
+      </p:cxnSp>
     </p:spTree>
     <p:extLst>
       <p:ext uri="{BB962C8B-B14F-4D97-AF65-F5344CB8AC3E}">

--- a/figures.pptx
+++ b/figures.pptx
@@ -3767,10 +3767,10 @@
       </p:grpSpPr>
       <p:sp>
         <p:nvSpPr>
-          <p:cNvPr id="4" name="Rectangle 3">
-            <a:extLst>
-              <a:ext uri="{FF2B5EF4-FFF2-40B4-BE49-F238E27FC236}">
-                <a16:creationId xmlns:a16="http://schemas.microsoft.com/office/drawing/2014/main" id="{022ABF4B-B63C-0473-0C92-BF05F32F8BD1}"/>
+          <p:cNvPr id="21" name="Rectangle 20">
+            <a:extLst>
+              <a:ext uri="{FF2B5EF4-FFF2-40B4-BE49-F238E27FC236}">
+                <a16:creationId xmlns:a16="http://schemas.microsoft.com/office/drawing/2014/main" id="{7E6619A0-E290-1167-9D28-4F6C44CC5B02}"/>
               </a:ext>
             </a:extLst>
           </p:cNvPr>
@@ -3779,7 +3779,58 @@
         </p:nvSpPr>
         <p:spPr>
           <a:xfrm>
-            <a:off x="4519234" y="1555002"/>
+            <a:off x="7056891" y="21642"/>
+            <a:ext cx="1209688" cy="1521037"/>
+          </a:xfrm>
+          <a:prstGeom prst="rect">
+            <a:avLst/>
+          </a:prstGeom>
+          <a:solidFill>
+            <a:schemeClr val="bg1">
+              <a:lumMod val="95000"/>
+            </a:schemeClr>
+          </a:solidFill>
+        </p:spPr>
+        <p:style>
+          <a:lnRef idx="2">
+            <a:schemeClr val="accent1">
+              <a:shade val="50000"/>
+            </a:schemeClr>
+          </a:lnRef>
+          <a:fillRef idx="1">
+            <a:schemeClr val="accent1"/>
+          </a:fillRef>
+          <a:effectRef idx="0">
+            <a:schemeClr val="accent1"/>
+          </a:effectRef>
+          <a:fontRef idx="minor">
+            <a:schemeClr val="lt1"/>
+          </a:fontRef>
+        </p:style>
+        <p:txBody>
+          <a:bodyPr rtlCol="0" anchor="ctr"/>
+          <a:lstStyle/>
+          <a:p>
+            <a:pPr algn="ctr"/>
+            <a:endParaRPr lang="en-US"/>
+          </a:p>
+        </p:txBody>
+      </p:sp>
+      <p:sp>
+        <p:nvSpPr>
+          <p:cNvPr id="4" name="Rectangle 3">
+            <a:extLst>
+              <a:ext uri="{FF2B5EF4-FFF2-40B4-BE49-F238E27FC236}">
+                <a16:creationId xmlns:a16="http://schemas.microsoft.com/office/drawing/2014/main" id="{022ABF4B-B63C-0473-0C92-BF05F32F8BD1}"/>
+              </a:ext>
+            </a:extLst>
+          </p:cNvPr>
+          <p:cNvSpPr/>
+          <p:nvPr/>
+        </p:nvSpPr>
+        <p:spPr>
+          <a:xfrm>
+            <a:off x="4519234" y="1616309"/>
             <a:ext cx="3096665" cy="476410"/>
           </a:xfrm>
           <a:prstGeom prst="rect">
@@ -3913,7 +3964,7 @@
         <p:spPr>
           <a:xfrm>
             <a:off x="6058860" y="998926"/>
-            <a:ext cx="8707" cy="556076"/>
+            <a:ext cx="8707" cy="617383"/>
           </a:xfrm>
           <a:prstGeom prst="straightConnector1">
             <a:avLst/>
@@ -4102,8 +4153,8 @@
         </p:nvCxnSpPr>
         <p:spPr>
           <a:xfrm flipH="1">
-            <a:off x="6067566" y="2031412"/>
-            <a:ext cx="1" cy="413022"/>
+            <a:off x="6067566" y="2092719"/>
+            <a:ext cx="1" cy="351715"/>
           </a:xfrm>
           <a:prstGeom prst="straightConnector1">
             <a:avLst/>
@@ -4509,8 +4560,8 @@
         </p:nvCxnSpPr>
         <p:spPr>
           <a:xfrm flipH="1">
-            <a:off x="7297652" y="1793207"/>
-            <a:ext cx="318247" cy="1987709"/>
+            <a:off x="7297652" y="1854514"/>
+            <a:ext cx="318247" cy="1926402"/>
           </a:xfrm>
           <a:prstGeom prst="bentConnector3">
             <a:avLst>
@@ -5039,8 +5090,8 @@
         </p:nvSpPr>
         <p:spPr>
           <a:xfrm>
-            <a:off x="7288943" y="32817"/>
-            <a:ext cx="816557" cy="414613"/>
+            <a:off x="7273054" y="119060"/>
+            <a:ext cx="816557" cy="382501"/>
           </a:xfrm>
           <a:prstGeom prst="rect">
             <a:avLst/>
@@ -5093,7 +5144,7 @@
         </p:nvSpPr>
         <p:spPr>
           <a:xfrm>
-            <a:off x="7245779" y="530710"/>
+            <a:off x="7218811" y="540969"/>
             <a:ext cx="881745" cy="330413"/>
           </a:xfrm>
           <a:prstGeom prst="ellipse">
@@ -5327,53 +5378,6 @@
               </a:rPr>
               <a:t>data flow</a:t>
             </a:r>
-          </a:p>
-        </p:txBody>
-      </p:sp>
-      <p:sp>
-        <p:nvSpPr>
-          <p:cNvPr id="21" name="Rectangle 20">
-            <a:extLst>
-              <a:ext uri="{FF2B5EF4-FFF2-40B4-BE49-F238E27FC236}">
-                <a16:creationId xmlns:a16="http://schemas.microsoft.com/office/drawing/2014/main" id="{7E6619A0-E290-1167-9D28-4F6C44CC5B02}"/>
-              </a:ext>
-            </a:extLst>
-          </p:cNvPr>
-          <p:cNvSpPr/>
-          <p:nvPr/>
-        </p:nvSpPr>
-        <p:spPr>
-          <a:xfrm>
-            <a:off x="7067619" y="0"/>
-            <a:ext cx="1209688" cy="1521037"/>
-          </a:xfrm>
-          <a:prstGeom prst="rect">
-            <a:avLst/>
-          </a:prstGeom>
-          <a:noFill/>
-        </p:spPr>
-        <p:style>
-          <a:lnRef idx="2">
-            <a:schemeClr val="accent1">
-              <a:shade val="50000"/>
-            </a:schemeClr>
-          </a:lnRef>
-          <a:fillRef idx="1">
-            <a:schemeClr val="accent1"/>
-          </a:fillRef>
-          <a:effectRef idx="0">
-            <a:schemeClr val="accent1"/>
-          </a:effectRef>
-          <a:fontRef idx="minor">
-            <a:schemeClr val="lt1"/>
-          </a:fontRef>
-        </p:style>
-        <p:txBody>
-          <a:bodyPr rtlCol="0" anchor="ctr"/>
-          <a:lstStyle/>
-          <a:p>
-            <a:pPr algn="ctr"/>
-            <a:endParaRPr lang="en-US"/>
           </a:p>
         </p:txBody>
       </p:sp>

--- a/figures.pptx
+++ b/figures.pptx
@@ -200,7 +200,7 @@
           <a:p>
             <a:fld id="{318F959F-706B-42C3-AFE7-B86B79FF9195}" type="datetimeFigureOut">
               <a:rPr lang="en-US" smtClean="0"/>
-              <a:t>4/26/2023</a:t>
+              <a:t>4/27/2023</a:t>
             </a:fld>
             <a:endParaRPr lang="en-US"/>
           </a:p>
@@ -698,7 +698,7 @@
           <a:p>
             <a:fld id="{14C50D8D-A8BF-4BB2-8C54-3478D41A1FD8}" type="datetimeFigureOut">
               <a:rPr lang="en-US" smtClean="0"/>
-              <a:t>4/26/2023</a:t>
+              <a:t>4/27/2023</a:t>
             </a:fld>
             <a:endParaRPr lang="en-US"/>
           </a:p>
@@ -896,7 +896,7 @@
           <a:p>
             <a:fld id="{14C50D8D-A8BF-4BB2-8C54-3478D41A1FD8}" type="datetimeFigureOut">
               <a:rPr lang="en-US" smtClean="0"/>
-              <a:t>4/26/2023</a:t>
+              <a:t>4/27/2023</a:t>
             </a:fld>
             <a:endParaRPr lang="en-US"/>
           </a:p>
@@ -1104,7 +1104,7 @@
           <a:p>
             <a:fld id="{14C50D8D-A8BF-4BB2-8C54-3478D41A1FD8}" type="datetimeFigureOut">
               <a:rPr lang="en-US" smtClean="0"/>
-              <a:t>4/26/2023</a:t>
+              <a:t>4/27/2023</a:t>
             </a:fld>
             <a:endParaRPr lang="en-US"/>
           </a:p>
@@ -1302,7 +1302,7 @@
           <a:p>
             <a:fld id="{14C50D8D-A8BF-4BB2-8C54-3478D41A1FD8}" type="datetimeFigureOut">
               <a:rPr lang="en-US" smtClean="0"/>
-              <a:t>4/26/2023</a:t>
+              <a:t>4/27/2023</a:t>
             </a:fld>
             <a:endParaRPr lang="en-US"/>
           </a:p>
@@ -1577,7 +1577,7 @@
           <a:p>
             <a:fld id="{14C50D8D-A8BF-4BB2-8C54-3478D41A1FD8}" type="datetimeFigureOut">
               <a:rPr lang="en-US" smtClean="0"/>
-              <a:t>4/26/2023</a:t>
+              <a:t>4/27/2023</a:t>
             </a:fld>
             <a:endParaRPr lang="en-US"/>
           </a:p>
@@ -1842,7 +1842,7 @@
           <a:p>
             <a:fld id="{14C50D8D-A8BF-4BB2-8C54-3478D41A1FD8}" type="datetimeFigureOut">
               <a:rPr lang="en-US" smtClean="0"/>
-              <a:t>4/26/2023</a:t>
+              <a:t>4/27/2023</a:t>
             </a:fld>
             <a:endParaRPr lang="en-US"/>
           </a:p>
@@ -2254,7 +2254,7 @@
           <a:p>
             <a:fld id="{14C50D8D-A8BF-4BB2-8C54-3478D41A1FD8}" type="datetimeFigureOut">
               <a:rPr lang="en-US" smtClean="0"/>
-              <a:t>4/26/2023</a:t>
+              <a:t>4/27/2023</a:t>
             </a:fld>
             <a:endParaRPr lang="en-US"/>
           </a:p>
@@ -2395,7 +2395,7 @@
           <a:p>
             <a:fld id="{14C50D8D-A8BF-4BB2-8C54-3478D41A1FD8}" type="datetimeFigureOut">
               <a:rPr lang="en-US" smtClean="0"/>
-              <a:t>4/26/2023</a:t>
+              <a:t>4/27/2023</a:t>
             </a:fld>
             <a:endParaRPr lang="en-US"/>
           </a:p>
@@ -2508,7 +2508,7 @@
           <a:p>
             <a:fld id="{14C50D8D-A8BF-4BB2-8C54-3478D41A1FD8}" type="datetimeFigureOut">
               <a:rPr lang="en-US" smtClean="0"/>
-              <a:t>4/26/2023</a:t>
+              <a:t>4/27/2023</a:t>
             </a:fld>
             <a:endParaRPr lang="en-US"/>
           </a:p>
@@ -2819,7 +2819,7 @@
           <a:p>
             <a:fld id="{14C50D8D-A8BF-4BB2-8C54-3478D41A1FD8}" type="datetimeFigureOut">
               <a:rPr lang="en-US" smtClean="0"/>
-              <a:t>4/26/2023</a:t>
+              <a:t>4/27/2023</a:t>
             </a:fld>
             <a:endParaRPr lang="en-US"/>
           </a:p>
@@ -3107,7 +3107,7 @@
           <a:p>
             <a:fld id="{14C50D8D-A8BF-4BB2-8C54-3478D41A1FD8}" type="datetimeFigureOut">
               <a:rPr lang="en-US" smtClean="0"/>
-              <a:t>4/26/2023</a:t>
+              <a:t>4/27/2023</a:t>
             </a:fld>
             <a:endParaRPr lang="en-US"/>
           </a:p>
@@ -3348,7 +3348,7 @@
           <a:p>
             <a:fld id="{14C50D8D-A8BF-4BB2-8C54-3478D41A1FD8}" type="datetimeFigureOut">
               <a:rPr lang="en-US" smtClean="0"/>
-              <a:t>4/26/2023</a:t>
+              <a:t>4/27/2023</a:t>
             </a:fld>
             <a:endParaRPr lang="en-US"/>
           </a:p>
@@ -8007,8 +8007,8 @@
         </p:nvSpPr>
         <p:spPr>
           <a:xfrm>
-            <a:off x="10159986" y="2414190"/>
-            <a:ext cx="1099602" cy="369332"/>
+            <a:off x="10417967" y="1680082"/>
+            <a:ext cx="1099602" cy="1200329"/>
           </a:xfrm>
           <a:prstGeom prst="rect">
             <a:avLst/>
@@ -8024,7 +8024,14 @@
             <a:pPr algn="ctr"/>
             <a:r>
               <a:rPr lang="en-US" dirty="0"/>
-              <a:t>Classifier </a:t>
+              <a:t>Classifier</a:t>
+            </a:r>
+          </a:p>
+          <a:p>
+            <a:pPr algn="ctr"/>
+            <a:r>
+              <a:rPr lang="en-US" dirty="0"/>
+              <a:t>For API misuse detection </a:t>
             </a:r>
           </a:p>
         </p:txBody>
@@ -8043,8 +8050,8 @@
         </p:nvSpPr>
         <p:spPr>
           <a:xfrm>
-            <a:off x="10439613" y="3096068"/>
-            <a:ext cx="362257" cy="369332"/>
+            <a:off x="10458010" y="3476072"/>
+            <a:ext cx="362257" cy="461665"/>
           </a:xfrm>
           <a:prstGeom prst="rect">
             <a:avLst/>
@@ -8058,18 +8065,13 @@
           <a:lstStyle/>
           <a:p>
             <a:r>
-              <a:rPr lang="en-US" sz="1800" dirty="0">
+              <a:rPr lang="en-US" sz="2400" dirty="0">
                 <a:solidFill>
                   <a:srgbClr val="7030A0"/>
                 </a:solidFill>
               </a:rPr>
               <a:t>V</a:t>
             </a:r>
-            <a:endParaRPr lang="en-US" dirty="0">
-              <a:solidFill>
-                <a:srgbClr val="7030A0"/>
-              </a:solidFill>
-            </a:endParaRPr>
           </a:p>
         </p:txBody>
       </p:sp>
@@ -9251,6 +9253,84 @@
           </a:fillRef>
           <a:effectRef idx="0">
             <a:schemeClr val="dk1"/>
+          </a:effectRef>
+          <a:fontRef idx="minor">
+            <a:schemeClr val="tx1"/>
+          </a:fontRef>
+        </p:style>
+      </p:cxnSp>
+      <p:sp>
+        <p:nvSpPr>
+          <p:cNvPr id="44" name="TextBox 43">
+            <a:extLst>
+              <a:ext uri="{FF2B5EF4-FFF2-40B4-BE49-F238E27FC236}">
+                <a16:creationId xmlns:a16="http://schemas.microsoft.com/office/drawing/2014/main" id="{4189D4C7-51C6-17F2-EBA3-2ABCC165E403}"/>
+              </a:ext>
+            </a:extLst>
+          </p:cNvPr>
+          <p:cNvSpPr txBox="1"/>
+          <p:nvPr/>
+        </p:nvSpPr>
+        <p:spPr>
+          <a:xfrm>
+            <a:off x="9991901" y="4184132"/>
+            <a:ext cx="1294477" cy="923330"/>
+          </a:xfrm>
+          <a:prstGeom prst="rect">
+            <a:avLst/>
+          </a:prstGeom>
+          <a:noFill/>
+        </p:spPr>
+        <p:txBody>
+          <a:bodyPr wrap="square">
+            <a:spAutoFit/>
+          </a:bodyPr>
+          <a:lstStyle/>
+          <a:p>
+            <a:pPr algn="ctr"/>
+            <a:r>
+              <a:rPr lang="en-US" dirty="0"/>
+              <a:t>Embedding for API usage</a:t>
+            </a:r>
+          </a:p>
+        </p:txBody>
+      </p:sp>
+      <p:cxnSp>
+        <p:nvCxnSpPr>
+          <p:cNvPr id="46" name="Straight Arrow Connector 45">
+            <a:extLst>
+              <a:ext uri="{FF2B5EF4-FFF2-40B4-BE49-F238E27FC236}">
+                <a16:creationId xmlns:a16="http://schemas.microsoft.com/office/drawing/2014/main" id="{C7BA1C24-626B-48AE-DCAC-C2185100E7F2}"/>
+              </a:ext>
+            </a:extLst>
+          </p:cNvPr>
+          <p:cNvCxnSpPr>
+            <a:stCxn id="44" idx="0"/>
+            <a:endCxn id="100" idx="2"/>
+          </p:cNvCxnSpPr>
+          <p:nvPr/>
+        </p:nvCxnSpPr>
+        <p:spPr>
+          <a:xfrm flipH="1" flipV="1">
+            <a:off x="10639139" y="3937737"/>
+            <a:ext cx="1" cy="246395"/>
+          </a:xfrm>
+          <a:prstGeom prst="straightConnector1">
+            <a:avLst/>
+          </a:prstGeom>
+          <a:ln>
+            <a:tailEnd type="triangle"/>
+          </a:ln>
+        </p:spPr>
+        <p:style>
+          <a:lnRef idx="1">
+            <a:schemeClr val="accent1"/>
+          </a:lnRef>
+          <a:fillRef idx="0">
+            <a:schemeClr val="accent1"/>
+          </a:fillRef>
+          <a:effectRef idx="0">
+            <a:schemeClr val="accent1"/>
           </a:effectRef>
           <a:fontRef idx="minor">
             <a:schemeClr val="tx1"/>
